--- a/Lecture 2/lecture2.pptx
+++ b/Lecture 2/lecture2.pptx
@@ -270,6 +270,2601 @@
     </p:ext>
   </p:extLst>
 </p:presentation>
+</file>
+
+<file path=ppt/diagrams/colors1.xml><?xml version="1.0" encoding="utf-8"?>
+<dgm:colorsDef xmlns:dgm="http://schemas.openxmlformats.org/drawingml/2006/diagram" xmlns:a="http://schemas.openxmlformats.org/drawingml/2006/main" uniqueId="urn:microsoft.com/office/officeart/2018/5/colors/Iconchunking_neutralbg_colorful1">
+  <dgm:title val=""/>
+  <dgm:desc val=""/>
+  <dgm:catLst>
+    <dgm:cat type="colorful" pri="10100"/>
+  </dgm:catLst>
+  <dgm:styleLbl name="node0">
+    <dgm:fillClrLst meth="repeat">
+      <a:schemeClr val="accent1"/>
+    </dgm:fillClrLst>
+    <dgm:linClrLst meth="repeat">
+      <a:schemeClr val="lt1"/>
+    </dgm:linClrLst>
+    <dgm:effectClrLst/>
+    <dgm:txLinClrLst/>
+    <dgm:txFillClrLst/>
+    <dgm:txEffectClrLst/>
+  </dgm:styleLbl>
+  <dgm:styleLbl name="node1">
+    <dgm:fillClrLst meth="repeat">
+      <a:schemeClr val="accent2"/>
+      <a:schemeClr val="accent3"/>
+      <a:schemeClr val="accent4"/>
+      <a:schemeClr val="accent5"/>
+      <a:schemeClr val="accent6"/>
+    </dgm:fillClrLst>
+    <dgm:linClrLst meth="repeat">
+      <a:schemeClr val="lt1">
+        <a:alpha val="0"/>
+      </a:schemeClr>
+    </dgm:linClrLst>
+    <dgm:effectClrLst/>
+    <dgm:txLinClrLst/>
+    <dgm:txFillClrLst/>
+    <dgm:txEffectClrLst/>
+  </dgm:styleLbl>
+  <dgm:styleLbl name="alignNode1">
+    <dgm:fillClrLst meth="repeat">
+      <a:schemeClr val="accent2"/>
+      <a:schemeClr val="accent3"/>
+      <a:schemeClr val="accent4"/>
+      <a:schemeClr val="accent5"/>
+      <a:schemeClr val="accent6"/>
+    </dgm:fillClrLst>
+    <dgm:linClrLst meth="repeat">
+      <a:schemeClr val="accent2"/>
+      <a:schemeClr val="accent3"/>
+      <a:schemeClr val="accent4"/>
+      <a:schemeClr val="accent5"/>
+      <a:schemeClr val="accent6"/>
+    </dgm:linClrLst>
+    <dgm:effectClrLst/>
+    <dgm:txLinClrLst/>
+    <dgm:txFillClrLst/>
+    <dgm:txEffectClrLst/>
+  </dgm:styleLbl>
+  <dgm:styleLbl name="lnNode1">
+    <dgm:fillClrLst meth="repeat">
+      <a:schemeClr val="accent2"/>
+      <a:schemeClr val="accent3"/>
+      <a:schemeClr val="accent4"/>
+      <a:schemeClr val="accent5"/>
+      <a:schemeClr val="accent6"/>
+    </dgm:fillClrLst>
+    <dgm:linClrLst meth="repeat">
+      <a:schemeClr val="lt1"/>
+    </dgm:linClrLst>
+    <dgm:effectClrLst/>
+    <dgm:txLinClrLst/>
+    <dgm:txFillClrLst/>
+    <dgm:txEffectClrLst/>
+  </dgm:styleLbl>
+  <dgm:styleLbl name="vennNode1">
+    <dgm:fillClrLst meth="repeat">
+      <a:schemeClr val="accent2">
+        <a:alpha val="50000"/>
+      </a:schemeClr>
+      <a:schemeClr val="accent3">
+        <a:alpha val="50000"/>
+      </a:schemeClr>
+      <a:schemeClr val="accent4">
+        <a:alpha val="50000"/>
+      </a:schemeClr>
+      <a:schemeClr val="accent5">
+        <a:alpha val="50000"/>
+      </a:schemeClr>
+      <a:schemeClr val="accent6">
+        <a:alpha val="50000"/>
+      </a:schemeClr>
+    </dgm:fillClrLst>
+    <dgm:linClrLst meth="repeat">
+      <a:schemeClr val="lt1"/>
+    </dgm:linClrLst>
+    <dgm:effectClrLst/>
+    <dgm:txLinClrLst/>
+    <dgm:txFillClrLst/>
+    <dgm:txEffectClrLst/>
+  </dgm:styleLbl>
+  <dgm:styleLbl name="node2">
+    <dgm:fillClrLst>
+      <a:schemeClr val="accent2"/>
+    </dgm:fillClrLst>
+    <dgm:linClrLst meth="repeat">
+      <a:schemeClr val="lt1"/>
+    </dgm:linClrLst>
+    <dgm:effectClrLst/>
+    <dgm:txLinClrLst/>
+    <dgm:txFillClrLst/>
+    <dgm:txEffectClrLst/>
+  </dgm:styleLbl>
+  <dgm:styleLbl name="node3">
+    <dgm:fillClrLst>
+      <a:schemeClr val="accent3"/>
+    </dgm:fillClrLst>
+    <dgm:linClrLst meth="repeat">
+      <a:schemeClr val="lt1"/>
+    </dgm:linClrLst>
+    <dgm:effectClrLst/>
+    <dgm:txLinClrLst/>
+    <dgm:txFillClrLst/>
+    <dgm:txEffectClrLst/>
+  </dgm:styleLbl>
+  <dgm:styleLbl name="node4">
+    <dgm:fillClrLst>
+      <a:schemeClr val="accent4"/>
+    </dgm:fillClrLst>
+    <dgm:linClrLst meth="repeat">
+      <a:schemeClr val="lt1"/>
+    </dgm:linClrLst>
+    <dgm:effectClrLst/>
+    <dgm:txLinClrLst/>
+    <dgm:txFillClrLst/>
+    <dgm:txEffectClrLst/>
+  </dgm:styleLbl>
+  <dgm:styleLbl name="fgImgPlace1">
+    <dgm:fillClrLst meth="repeat">
+      <a:schemeClr val="accent2">
+        <a:tint val="50000"/>
+      </a:schemeClr>
+      <a:schemeClr val="accent3">
+        <a:tint val="50000"/>
+      </a:schemeClr>
+      <a:schemeClr val="accent4">
+        <a:tint val="50000"/>
+      </a:schemeClr>
+      <a:schemeClr val="accent5">
+        <a:tint val="50000"/>
+      </a:schemeClr>
+      <a:schemeClr val="accent6">
+        <a:tint val="50000"/>
+      </a:schemeClr>
+    </dgm:fillClrLst>
+    <dgm:linClrLst meth="repeat">
+      <a:schemeClr val="lt1"/>
+    </dgm:linClrLst>
+    <dgm:effectClrLst/>
+    <dgm:txLinClrLst/>
+    <dgm:txFillClrLst meth="repeat">
+      <a:schemeClr val="lt1"/>
+    </dgm:txFillClrLst>
+    <dgm:txEffectClrLst/>
+  </dgm:styleLbl>
+  <dgm:styleLbl name="alignImgPlace1">
+    <dgm:fillClrLst>
+      <a:schemeClr val="accent1">
+        <a:tint val="50000"/>
+      </a:schemeClr>
+      <a:schemeClr val="accent2">
+        <a:tint val="20000"/>
+      </a:schemeClr>
+    </dgm:fillClrLst>
+    <dgm:linClrLst meth="repeat">
+      <a:schemeClr val="lt1"/>
+    </dgm:linClrLst>
+    <dgm:effectClrLst/>
+    <dgm:txLinClrLst/>
+    <dgm:txFillClrLst meth="repeat">
+      <a:schemeClr val="lt1"/>
+    </dgm:txFillClrLst>
+    <dgm:txEffectClrLst/>
+  </dgm:styleLbl>
+  <dgm:styleLbl name="bgImgPlace1">
+    <dgm:fillClrLst>
+      <a:schemeClr val="accent1">
+        <a:tint val="50000"/>
+      </a:schemeClr>
+      <a:schemeClr val="accent2">
+        <a:tint val="20000"/>
+      </a:schemeClr>
+    </dgm:fillClrLst>
+    <dgm:linClrLst meth="repeat">
+      <a:schemeClr val="lt1"/>
+    </dgm:linClrLst>
+    <dgm:effectClrLst/>
+    <dgm:txLinClrLst/>
+    <dgm:txFillClrLst meth="repeat">
+      <a:schemeClr val="lt1"/>
+    </dgm:txFillClrLst>
+    <dgm:txEffectClrLst/>
+  </dgm:styleLbl>
+  <dgm:styleLbl name="sibTrans2D1">
+    <dgm:fillClrLst meth="repeat">
+      <a:schemeClr val="accent2"/>
+      <a:schemeClr val="accent3"/>
+      <a:schemeClr val="accent4"/>
+      <a:schemeClr val="accent5"/>
+      <a:schemeClr val="accent6"/>
+    </dgm:fillClrLst>
+    <dgm:linClrLst meth="cycle">
+      <a:schemeClr val="lt1"/>
+    </dgm:linClrLst>
+    <dgm:effectClrLst/>
+    <dgm:txLinClrLst/>
+    <dgm:txFillClrLst/>
+    <dgm:txEffectClrLst/>
+  </dgm:styleLbl>
+  <dgm:styleLbl name="fgSibTrans2D1">
+    <dgm:fillClrLst meth="repeat">
+      <a:schemeClr val="accent2"/>
+      <a:schemeClr val="accent3"/>
+      <a:schemeClr val="accent4"/>
+      <a:schemeClr val="accent5"/>
+      <a:schemeClr val="accent6"/>
+    </dgm:fillClrLst>
+    <dgm:linClrLst meth="cycle">
+      <a:schemeClr val="lt1"/>
+    </dgm:linClrLst>
+    <dgm:effectClrLst/>
+    <dgm:txLinClrLst/>
+    <dgm:txFillClrLst meth="repeat">
+      <a:schemeClr val="lt1"/>
+    </dgm:txFillClrLst>
+    <dgm:txEffectClrLst/>
+  </dgm:styleLbl>
+  <dgm:styleLbl name="bgSibTrans2D1">
+    <dgm:fillClrLst meth="repeat">
+      <a:schemeClr val="accent2"/>
+      <a:schemeClr val="accent3"/>
+      <a:schemeClr val="accent4"/>
+      <a:schemeClr val="accent5"/>
+      <a:schemeClr val="accent6"/>
+    </dgm:fillClrLst>
+    <dgm:linClrLst meth="cycle">
+      <a:schemeClr val="lt1"/>
+    </dgm:linClrLst>
+    <dgm:effectClrLst/>
+    <dgm:txLinClrLst/>
+    <dgm:txFillClrLst meth="repeat">
+      <a:schemeClr val="lt1"/>
+    </dgm:txFillClrLst>
+    <dgm:txEffectClrLst/>
+  </dgm:styleLbl>
+  <dgm:styleLbl name="sibTrans1D1">
+    <dgm:fillClrLst meth="repeat">
+      <a:schemeClr val="accent2"/>
+      <a:schemeClr val="accent3"/>
+      <a:schemeClr val="accent4"/>
+      <a:schemeClr val="accent5"/>
+      <a:schemeClr val="accent6"/>
+    </dgm:fillClrLst>
+    <dgm:linClrLst meth="repeat">
+      <a:schemeClr val="accent2"/>
+      <a:schemeClr val="accent3"/>
+      <a:schemeClr val="accent4"/>
+      <a:schemeClr val="accent5"/>
+      <a:schemeClr val="accent6"/>
+    </dgm:linClrLst>
+    <dgm:effectClrLst/>
+    <dgm:txLinClrLst/>
+    <dgm:txFillClrLst meth="repeat">
+      <a:schemeClr val="tx1"/>
+    </dgm:txFillClrLst>
+    <dgm:txEffectClrLst/>
+  </dgm:styleLbl>
+  <dgm:styleLbl name="callout">
+    <dgm:fillClrLst meth="repeat">
+      <a:schemeClr val="accent2"/>
+    </dgm:fillClrLst>
+    <dgm:linClrLst meth="repeat">
+      <a:schemeClr val="accent2">
+        <a:tint val="50000"/>
+      </a:schemeClr>
+    </dgm:linClrLst>
+    <dgm:effectClrLst/>
+    <dgm:txLinClrLst/>
+    <dgm:txFillClrLst meth="repeat">
+      <a:schemeClr val="tx1"/>
+    </dgm:txFillClrLst>
+    <dgm:txEffectClrLst/>
+  </dgm:styleLbl>
+  <dgm:styleLbl name="asst0">
+    <dgm:fillClrLst meth="repeat">
+      <a:schemeClr val="accent1"/>
+    </dgm:fillClrLst>
+    <dgm:linClrLst meth="repeat">
+      <a:schemeClr val="lt1"/>
+    </dgm:linClrLst>
+    <dgm:effectClrLst/>
+    <dgm:txLinClrLst/>
+    <dgm:txFillClrLst/>
+    <dgm:txEffectClrLst/>
+  </dgm:styleLbl>
+  <dgm:styleLbl name="asst1">
+    <dgm:fillClrLst meth="repeat">
+      <a:schemeClr val="accent2"/>
+    </dgm:fillClrLst>
+    <dgm:linClrLst meth="repeat">
+      <a:schemeClr val="lt1"/>
+    </dgm:linClrLst>
+    <dgm:effectClrLst/>
+    <dgm:txLinClrLst/>
+    <dgm:txFillClrLst/>
+    <dgm:txEffectClrLst/>
+  </dgm:styleLbl>
+  <dgm:styleLbl name="asst2">
+    <dgm:fillClrLst>
+      <a:schemeClr val="accent3"/>
+    </dgm:fillClrLst>
+    <dgm:linClrLst meth="repeat">
+      <a:schemeClr val="lt1"/>
+    </dgm:linClrLst>
+    <dgm:effectClrLst/>
+    <dgm:txLinClrLst/>
+    <dgm:txFillClrLst/>
+    <dgm:txEffectClrLst/>
+  </dgm:styleLbl>
+  <dgm:styleLbl name="asst3">
+    <dgm:fillClrLst>
+      <a:schemeClr val="accent4"/>
+    </dgm:fillClrLst>
+    <dgm:linClrLst meth="repeat">
+      <a:schemeClr val="lt1"/>
+    </dgm:linClrLst>
+    <dgm:effectClrLst/>
+    <dgm:txLinClrLst/>
+    <dgm:txFillClrLst/>
+    <dgm:txEffectClrLst/>
+  </dgm:styleLbl>
+  <dgm:styleLbl name="asst4">
+    <dgm:fillClrLst>
+      <a:schemeClr val="accent5"/>
+    </dgm:fillClrLst>
+    <dgm:linClrLst meth="repeat">
+      <a:schemeClr val="lt1"/>
+    </dgm:linClrLst>
+    <dgm:effectClrLst/>
+    <dgm:txLinClrLst/>
+    <dgm:txFillClrLst/>
+    <dgm:txEffectClrLst/>
+  </dgm:styleLbl>
+  <dgm:styleLbl name="parChTrans2D1">
+    <dgm:fillClrLst meth="repeat">
+      <a:schemeClr val="accent2"/>
+    </dgm:fillClrLst>
+    <dgm:linClrLst meth="repeat">
+      <a:schemeClr val="lt1"/>
+    </dgm:linClrLst>
+    <dgm:effectClrLst/>
+    <dgm:txLinClrLst/>
+    <dgm:txFillClrLst meth="repeat">
+      <a:schemeClr val="lt1"/>
+    </dgm:txFillClrLst>
+    <dgm:txEffectClrLst/>
+  </dgm:styleLbl>
+  <dgm:styleLbl name="parChTrans2D2">
+    <dgm:fillClrLst meth="repeat">
+      <a:schemeClr val="accent3"/>
+    </dgm:fillClrLst>
+    <dgm:linClrLst meth="repeat">
+      <a:schemeClr val="lt1"/>
+    </dgm:linClrLst>
+    <dgm:effectClrLst/>
+    <dgm:txLinClrLst/>
+    <dgm:txFillClrLst/>
+    <dgm:txEffectClrLst/>
+  </dgm:styleLbl>
+  <dgm:styleLbl name="parChTrans2D3">
+    <dgm:fillClrLst meth="repeat">
+      <a:schemeClr val="accent4"/>
+    </dgm:fillClrLst>
+    <dgm:linClrLst meth="repeat">
+      <a:schemeClr val="lt1"/>
+    </dgm:linClrLst>
+    <dgm:effectClrLst/>
+    <dgm:txLinClrLst/>
+    <dgm:txFillClrLst/>
+    <dgm:txEffectClrLst/>
+  </dgm:styleLbl>
+  <dgm:styleLbl name="parChTrans2D4">
+    <dgm:fillClrLst meth="repeat">
+      <a:schemeClr val="accent5"/>
+    </dgm:fillClrLst>
+    <dgm:linClrLst meth="repeat">
+      <a:schemeClr val="lt1"/>
+    </dgm:linClrLst>
+    <dgm:effectClrLst/>
+    <dgm:txLinClrLst/>
+    <dgm:txFillClrLst meth="repeat">
+      <a:schemeClr val="lt1"/>
+    </dgm:txFillClrLst>
+    <dgm:txEffectClrLst/>
+  </dgm:styleLbl>
+  <dgm:styleLbl name="parChTrans1D1">
+    <dgm:fillClrLst meth="repeat">
+      <a:schemeClr val="accent2"/>
+    </dgm:fillClrLst>
+    <dgm:linClrLst meth="repeat">
+      <a:schemeClr val="accent1"/>
+    </dgm:linClrLst>
+    <dgm:effectClrLst/>
+    <dgm:txLinClrLst/>
+    <dgm:txFillClrLst meth="repeat">
+      <a:schemeClr val="tx1"/>
+    </dgm:txFillClrLst>
+    <dgm:txEffectClrLst/>
+  </dgm:styleLbl>
+  <dgm:styleLbl name="parChTrans1D2">
+    <dgm:fillClrLst meth="repeat">
+      <a:schemeClr val="accent3">
+        <a:tint val="90000"/>
+      </a:schemeClr>
+    </dgm:fillClrLst>
+    <dgm:linClrLst meth="repeat">
+      <a:schemeClr val="accent2"/>
+    </dgm:linClrLst>
+    <dgm:effectClrLst/>
+    <dgm:txLinClrLst/>
+    <dgm:txFillClrLst meth="repeat">
+      <a:schemeClr val="tx1"/>
+    </dgm:txFillClrLst>
+    <dgm:txEffectClrLst/>
+  </dgm:styleLbl>
+  <dgm:styleLbl name="parChTrans1D3">
+    <dgm:fillClrLst meth="repeat">
+      <a:schemeClr val="accent4">
+        <a:tint val="70000"/>
+      </a:schemeClr>
+    </dgm:fillClrLst>
+    <dgm:linClrLst meth="repeat">
+      <a:schemeClr val="accent3"/>
+    </dgm:linClrLst>
+    <dgm:effectClrLst/>
+    <dgm:txLinClrLst/>
+    <dgm:txFillClrLst meth="repeat">
+      <a:schemeClr val="tx1"/>
+    </dgm:txFillClrLst>
+    <dgm:txEffectClrLst/>
+  </dgm:styleLbl>
+  <dgm:styleLbl name="parChTrans1D4">
+    <dgm:fillClrLst meth="repeat">
+      <a:schemeClr val="accent5">
+        <a:tint val="50000"/>
+      </a:schemeClr>
+    </dgm:fillClrLst>
+    <dgm:linClrLst meth="repeat">
+      <a:schemeClr val="accent4"/>
+    </dgm:linClrLst>
+    <dgm:effectClrLst/>
+    <dgm:txLinClrLst/>
+    <dgm:txFillClrLst meth="repeat">
+      <a:schemeClr val="tx1"/>
+    </dgm:txFillClrLst>
+    <dgm:txEffectClrLst/>
+  </dgm:styleLbl>
+  <dgm:styleLbl name="fgAcc1">
+    <dgm:fillClrLst meth="repeat">
+      <a:schemeClr val="lt1">
+        <a:alpha val="90000"/>
+      </a:schemeClr>
+    </dgm:fillClrLst>
+    <dgm:linClrLst meth="repeat">
+      <a:schemeClr val="accent2"/>
+      <a:schemeClr val="accent3"/>
+      <a:schemeClr val="accent4"/>
+      <a:schemeClr val="accent5"/>
+      <a:schemeClr val="accent6"/>
+    </dgm:linClrLst>
+    <dgm:effectClrLst/>
+    <dgm:txLinClrLst/>
+    <dgm:txFillClrLst meth="repeat">
+      <a:schemeClr val="dk1"/>
+    </dgm:txFillClrLst>
+    <dgm:txEffectClrLst/>
+  </dgm:styleLbl>
+  <dgm:styleLbl name="conFgAcc1">
+    <dgm:fillClrLst meth="repeat">
+      <a:schemeClr val="lt1">
+        <a:alpha val="90000"/>
+      </a:schemeClr>
+    </dgm:fillClrLst>
+    <dgm:linClrLst meth="repeat">
+      <a:schemeClr val="accent2"/>
+      <a:schemeClr val="accent3"/>
+      <a:schemeClr val="accent4"/>
+      <a:schemeClr val="accent5"/>
+      <a:schemeClr val="accent6"/>
+    </dgm:linClrLst>
+    <dgm:effectClrLst/>
+    <dgm:txLinClrLst/>
+    <dgm:txFillClrLst meth="repeat">
+      <a:schemeClr val="dk1"/>
+    </dgm:txFillClrLst>
+    <dgm:txEffectClrLst/>
+  </dgm:styleLbl>
+  <dgm:styleLbl name="alignAcc1">
+    <dgm:fillClrLst meth="repeat">
+      <a:schemeClr val="lt1">
+        <a:alpha val="90000"/>
+      </a:schemeClr>
+    </dgm:fillClrLst>
+    <dgm:linClrLst meth="repeat">
+      <a:schemeClr val="accent2"/>
+      <a:schemeClr val="accent3"/>
+      <a:schemeClr val="accent4"/>
+      <a:schemeClr val="accent5"/>
+      <a:schemeClr val="accent6"/>
+    </dgm:linClrLst>
+    <dgm:effectClrLst/>
+    <dgm:txLinClrLst/>
+    <dgm:txFillClrLst meth="repeat">
+      <a:schemeClr val="dk1"/>
+    </dgm:txFillClrLst>
+    <dgm:txEffectClrLst/>
+  </dgm:styleLbl>
+  <dgm:styleLbl name="trAlignAcc1">
+    <dgm:fillClrLst meth="repeat">
+      <a:schemeClr val="lt1">
+        <a:alpha val="40000"/>
+      </a:schemeClr>
+    </dgm:fillClrLst>
+    <dgm:linClrLst meth="repeat">
+      <a:schemeClr val="accent1"/>
+    </dgm:linClrLst>
+    <dgm:effectClrLst/>
+    <dgm:txLinClrLst/>
+    <dgm:txFillClrLst meth="repeat">
+      <a:schemeClr val="dk1"/>
+    </dgm:txFillClrLst>
+    <dgm:txEffectClrLst/>
+  </dgm:styleLbl>
+  <dgm:styleLbl name="bgAcc1">
+    <dgm:fillClrLst meth="repeat">
+      <a:schemeClr val="lt1">
+        <a:alpha val="90000"/>
+      </a:schemeClr>
+    </dgm:fillClrLst>
+    <dgm:linClrLst meth="repeat">
+      <a:schemeClr val="accent2"/>
+      <a:schemeClr val="accent3"/>
+      <a:schemeClr val="accent4"/>
+      <a:schemeClr val="accent5"/>
+      <a:schemeClr val="accent6"/>
+    </dgm:linClrLst>
+    <dgm:effectClrLst/>
+    <dgm:txLinClrLst/>
+    <dgm:txFillClrLst meth="repeat">
+      <a:schemeClr val="dk1"/>
+    </dgm:txFillClrLst>
+    <dgm:txEffectClrLst/>
+  </dgm:styleLbl>
+  <dgm:styleLbl name="solidFgAcc1">
+    <dgm:fillClrLst meth="repeat">
+      <a:schemeClr val="lt1"/>
+    </dgm:fillClrLst>
+    <dgm:linClrLst meth="repeat">
+      <a:schemeClr val="accent2"/>
+      <a:schemeClr val="accent3"/>
+      <a:schemeClr val="accent4"/>
+      <a:schemeClr val="accent5"/>
+      <a:schemeClr val="accent6"/>
+    </dgm:linClrLst>
+    <dgm:effectClrLst/>
+    <dgm:txLinClrLst/>
+    <dgm:txFillClrLst meth="repeat">
+      <a:schemeClr val="dk1"/>
+    </dgm:txFillClrLst>
+    <dgm:txEffectClrLst/>
+  </dgm:styleLbl>
+  <dgm:styleLbl name="solidAlignAcc1">
+    <dgm:fillClrLst meth="repeat">
+      <a:schemeClr val="lt1"/>
+    </dgm:fillClrLst>
+    <dgm:linClrLst meth="repeat">
+      <a:schemeClr val="accent2"/>
+      <a:schemeClr val="accent3"/>
+      <a:schemeClr val="accent4"/>
+      <a:schemeClr val="accent5"/>
+      <a:schemeClr val="accent6"/>
+    </dgm:linClrLst>
+    <dgm:effectClrLst/>
+    <dgm:txLinClrLst/>
+    <dgm:txFillClrLst meth="repeat">
+      <a:schemeClr val="dk1"/>
+    </dgm:txFillClrLst>
+    <dgm:txEffectClrLst/>
+  </dgm:styleLbl>
+  <dgm:styleLbl name="solidBgAcc1">
+    <dgm:fillClrLst meth="repeat">
+      <a:schemeClr val="lt1"/>
+    </dgm:fillClrLst>
+    <dgm:linClrLst meth="repeat">
+      <a:schemeClr val="accent2"/>
+      <a:schemeClr val="accent3"/>
+      <a:schemeClr val="accent4"/>
+      <a:schemeClr val="accent5"/>
+      <a:schemeClr val="accent6"/>
+    </dgm:linClrLst>
+    <dgm:effectClrLst/>
+    <dgm:txLinClrLst/>
+    <dgm:txFillClrLst meth="repeat">
+      <a:schemeClr val="dk1"/>
+    </dgm:txFillClrLst>
+    <dgm:txEffectClrLst/>
+  </dgm:styleLbl>
+  <dgm:styleLbl name="fgAccFollowNode1">
+    <dgm:fillClrLst meth="repeat">
+      <a:schemeClr val="accent2">
+        <a:tint val="40000"/>
+        <a:alpha val="90000"/>
+      </a:schemeClr>
+      <a:schemeClr val="accent3">
+        <a:tint val="40000"/>
+        <a:alpha val="90000"/>
+      </a:schemeClr>
+      <a:schemeClr val="accent4">
+        <a:tint val="40000"/>
+        <a:alpha val="90000"/>
+      </a:schemeClr>
+      <a:schemeClr val="accent5">
+        <a:tint val="40000"/>
+        <a:alpha val="90000"/>
+      </a:schemeClr>
+      <a:schemeClr val="accent6">
+        <a:tint val="40000"/>
+        <a:alpha val="90000"/>
+      </a:schemeClr>
+    </dgm:fillClrLst>
+    <dgm:linClrLst meth="repeat">
+      <a:schemeClr val="accent2">
+        <a:tint val="40000"/>
+        <a:alpha val="90000"/>
+      </a:schemeClr>
+      <a:schemeClr val="accent3">
+        <a:tint val="40000"/>
+        <a:alpha val="90000"/>
+      </a:schemeClr>
+      <a:schemeClr val="accent4">
+        <a:tint val="40000"/>
+        <a:alpha val="90000"/>
+      </a:schemeClr>
+      <a:schemeClr val="accent5">
+        <a:tint val="40000"/>
+        <a:alpha val="90000"/>
+      </a:schemeClr>
+      <a:schemeClr val="accent6">
+        <a:tint val="40000"/>
+        <a:alpha val="90000"/>
+      </a:schemeClr>
+    </dgm:linClrLst>
+    <dgm:effectClrLst/>
+    <dgm:txLinClrLst/>
+    <dgm:txFillClrLst meth="repeat">
+      <a:schemeClr val="dk1"/>
+    </dgm:txFillClrLst>
+    <dgm:txEffectClrLst/>
+  </dgm:styleLbl>
+  <dgm:styleLbl name="alignAccFollowNode1">
+    <dgm:fillClrLst meth="repeat">
+      <a:schemeClr val="accent2">
+        <a:tint val="40000"/>
+        <a:alpha val="90000"/>
+      </a:schemeClr>
+      <a:schemeClr val="accent3">
+        <a:tint val="40000"/>
+        <a:alpha val="90000"/>
+      </a:schemeClr>
+      <a:schemeClr val="accent4">
+        <a:tint val="40000"/>
+        <a:alpha val="90000"/>
+      </a:schemeClr>
+      <a:schemeClr val="accent5">
+        <a:tint val="40000"/>
+        <a:alpha val="90000"/>
+      </a:schemeClr>
+      <a:schemeClr val="accent6">
+        <a:tint val="40000"/>
+        <a:alpha val="90000"/>
+      </a:schemeClr>
+    </dgm:fillClrLst>
+    <dgm:linClrLst meth="repeat">
+      <a:schemeClr val="accent2">
+        <a:tint val="40000"/>
+        <a:alpha val="90000"/>
+      </a:schemeClr>
+      <a:schemeClr val="accent3">
+        <a:tint val="40000"/>
+        <a:alpha val="90000"/>
+      </a:schemeClr>
+      <a:schemeClr val="accent4">
+        <a:tint val="40000"/>
+        <a:alpha val="90000"/>
+      </a:schemeClr>
+      <a:schemeClr val="accent5">
+        <a:tint val="40000"/>
+        <a:alpha val="90000"/>
+      </a:schemeClr>
+      <a:schemeClr val="accent6">
+        <a:tint val="40000"/>
+        <a:alpha val="90000"/>
+      </a:schemeClr>
+    </dgm:linClrLst>
+    <dgm:effectClrLst/>
+    <dgm:txLinClrLst/>
+    <dgm:txFillClrLst meth="repeat">
+      <a:schemeClr val="dk1"/>
+    </dgm:txFillClrLst>
+    <dgm:txEffectClrLst/>
+  </dgm:styleLbl>
+  <dgm:styleLbl name="bgAccFollowNode1">
+    <dgm:fillClrLst meth="repeat">
+      <a:schemeClr val="accent2">
+        <a:tint val="40000"/>
+        <a:alpha val="90000"/>
+      </a:schemeClr>
+      <a:schemeClr val="accent3">
+        <a:tint val="40000"/>
+        <a:alpha val="90000"/>
+      </a:schemeClr>
+      <a:schemeClr val="accent4">
+        <a:tint val="40000"/>
+        <a:alpha val="90000"/>
+      </a:schemeClr>
+      <a:schemeClr val="accent5">
+        <a:tint val="40000"/>
+        <a:alpha val="90000"/>
+      </a:schemeClr>
+      <a:schemeClr val="accent6">
+        <a:tint val="40000"/>
+        <a:alpha val="90000"/>
+      </a:schemeClr>
+    </dgm:fillClrLst>
+    <dgm:linClrLst meth="repeat">
+      <a:schemeClr val="accent2">
+        <a:tint val="40000"/>
+        <a:alpha val="90000"/>
+      </a:schemeClr>
+      <a:schemeClr val="accent3">
+        <a:tint val="40000"/>
+        <a:alpha val="90000"/>
+      </a:schemeClr>
+      <a:schemeClr val="accent4">
+        <a:tint val="40000"/>
+        <a:alpha val="90000"/>
+      </a:schemeClr>
+      <a:schemeClr val="accent5">
+        <a:tint val="40000"/>
+        <a:alpha val="90000"/>
+      </a:schemeClr>
+      <a:schemeClr val="accent6">
+        <a:tint val="40000"/>
+        <a:alpha val="90000"/>
+      </a:schemeClr>
+    </dgm:linClrLst>
+    <dgm:effectClrLst/>
+    <dgm:txLinClrLst/>
+    <dgm:txFillClrLst meth="repeat">
+      <a:schemeClr val="dk1"/>
+    </dgm:txFillClrLst>
+    <dgm:txEffectClrLst/>
+  </dgm:styleLbl>
+  <dgm:styleLbl name="fgAcc0">
+    <dgm:fillClrLst meth="repeat">
+      <a:schemeClr val="lt1">
+        <a:alpha val="90000"/>
+      </a:schemeClr>
+    </dgm:fillClrLst>
+    <dgm:linClrLst>
+      <a:schemeClr val="accent1"/>
+    </dgm:linClrLst>
+    <dgm:effectClrLst/>
+    <dgm:txLinClrLst/>
+    <dgm:txFillClrLst meth="repeat">
+      <a:schemeClr val="dk1"/>
+    </dgm:txFillClrLst>
+    <dgm:txEffectClrLst/>
+  </dgm:styleLbl>
+  <dgm:styleLbl name="fgAcc2">
+    <dgm:fillClrLst meth="repeat">
+      <a:schemeClr val="lt1">
+        <a:alpha val="90000"/>
+      </a:schemeClr>
+    </dgm:fillClrLst>
+    <dgm:linClrLst>
+      <a:schemeClr val="accent2"/>
+    </dgm:linClrLst>
+    <dgm:effectClrLst/>
+    <dgm:txLinClrLst/>
+    <dgm:txFillClrLst meth="repeat">
+      <a:schemeClr val="dk1"/>
+    </dgm:txFillClrLst>
+    <dgm:txEffectClrLst/>
+  </dgm:styleLbl>
+  <dgm:styleLbl name="fgAcc3">
+    <dgm:fillClrLst meth="repeat">
+      <a:schemeClr val="lt1">
+        <a:alpha val="90000"/>
+      </a:schemeClr>
+    </dgm:fillClrLst>
+    <dgm:linClrLst>
+      <a:schemeClr val="accent3"/>
+    </dgm:linClrLst>
+    <dgm:effectClrLst/>
+    <dgm:txLinClrLst/>
+    <dgm:txFillClrLst meth="repeat">
+      <a:schemeClr val="dk1"/>
+    </dgm:txFillClrLst>
+    <dgm:txEffectClrLst/>
+  </dgm:styleLbl>
+  <dgm:styleLbl name="fgAcc4">
+    <dgm:fillClrLst meth="repeat">
+      <a:schemeClr val="lt1">
+        <a:alpha val="90000"/>
+      </a:schemeClr>
+    </dgm:fillClrLst>
+    <dgm:linClrLst>
+      <a:schemeClr val="accent4"/>
+    </dgm:linClrLst>
+    <dgm:effectClrLst/>
+    <dgm:txLinClrLst/>
+    <dgm:txFillClrLst meth="repeat">
+      <a:schemeClr val="dk1"/>
+    </dgm:txFillClrLst>
+    <dgm:txEffectClrLst/>
+  </dgm:styleLbl>
+  <dgm:styleLbl name="bgShp">
+    <dgm:fillClrLst meth="repeat">
+      <a:schemeClr val="bg1">
+        <a:lumMod val="95000"/>
+      </a:schemeClr>
+    </dgm:fillClrLst>
+    <dgm:linClrLst meth="repeat">
+      <a:schemeClr val="dk1"/>
+    </dgm:linClrLst>
+    <dgm:effectClrLst/>
+    <dgm:txLinClrLst/>
+    <dgm:txFillClrLst meth="repeat">
+      <a:schemeClr val="dk1"/>
+    </dgm:txFillClrLst>
+    <dgm:txEffectClrLst/>
+  </dgm:styleLbl>
+  <dgm:styleLbl name="dkBgShp">
+    <dgm:fillClrLst meth="repeat">
+      <a:schemeClr val="accent2">
+        <a:shade val="90000"/>
+      </a:schemeClr>
+    </dgm:fillClrLst>
+    <dgm:linClrLst meth="repeat">
+      <a:schemeClr val="dk1"/>
+    </dgm:linClrLst>
+    <dgm:effectClrLst/>
+    <dgm:txLinClrLst/>
+    <dgm:txFillClrLst meth="repeat">
+      <a:schemeClr val="lt1"/>
+    </dgm:txFillClrLst>
+    <dgm:txEffectClrLst/>
+  </dgm:styleLbl>
+  <dgm:styleLbl name="trBgShp">
+    <dgm:fillClrLst meth="repeat">
+      <a:schemeClr val="accent1">
+        <a:tint val="50000"/>
+        <a:alpha val="40000"/>
+      </a:schemeClr>
+    </dgm:fillClrLst>
+    <dgm:linClrLst meth="repeat">
+      <a:schemeClr val="accent2"/>
+    </dgm:linClrLst>
+    <dgm:effectClrLst/>
+    <dgm:txLinClrLst/>
+    <dgm:txFillClrLst meth="repeat">
+      <a:schemeClr val="lt1"/>
+    </dgm:txFillClrLst>
+    <dgm:txEffectClrLst/>
+  </dgm:styleLbl>
+  <dgm:styleLbl name="fgShp">
+    <dgm:fillClrLst meth="repeat">
+      <a:schemeClr val="accent2">
+        <a:tint val="40000"/>
+      </a:schemeClr>
+    </dgm:fillClrLst>
+    <dgm:linClrLst meth="repeat">
+      <a:schemeClr val="lt1"/>
+    </dgm:linClrLst>
+    <dgm:effectClrLst/>
+    <dgm:txLinClrLst/>
+    <dgm:txFillClrLst meth="repeat">
+      <a:schemeClr val="dk1"/>
+    </dgm:txFillClrLst>
+    <dgm:txEffectClrLst/>
+  </dgm:styleLbl>
+  <dgm:styleLbl name="revTx">
+    <dgm:fillClrLst meth="repeat">
+      <a:schemeClr val="lt1">
+        <a:alpha val="0"/>
+      </a:schemeClr>
+    </dgm:fillClrLst>
+    <dgm:linClrLst meth="repeat">
+      <a:schemeClr val="dk1">
+        <a:alpha val="0"/>
+      </a:schemeClr>
+    </dgm:linClrLst>
+    <dgm:effectClrLst/>
+    <dgm:txLinClrLst/>
+    <dgm:txFillClrLst meth="repeat">
+      <a:schemeClr val="tx1"/>
+    </dgm:txFillClrLst>
+    <dgm:txEffectClrLst/>
+  </dgm:styleLbl>
+</dgm:colorsDef>
+</file>
+
+<file path=ppt/diagrams/data1.xml><?xml version="1.0" encoding="utf-8"?>
+<dgm:dataModel xmlns:dgm="http://schemas.openxmlformats.org/drawingml/2006/diagram" xmlns:a="http://schemas.openxmlformats.org/drawingml/2006/main">
+  <dgm:ptLst>
+    <dgm:pt modelId="{4085A4B6-8114-43B3-8E34-191BC8A205E0}" type="doc">
+      <dgm:prSet loTypeId="urn:microsoft.com/office/officeart/2018/2/layout/IconLabelList" loCatId="icon" qsTypeId="urn:microsoft.com/office/officeart/2005/8/quickstyle/simple1" qsCatId="simple" csTypeId="urn:microsoft.com/office/officeart/2018/5/colors/Iconchunking_neutralbg_colorful1" csCatId="colorful" phldr="1"/>
+      <dgm:spPr/>
+      <dgm:t>
+        <a:bodyPr/>
+        <a:lstStyle/>
+        <a:p>
+          <a:endParaRPr lang="en-US"/>
+        </a:p>
+      </dgm:t>
+    </dgm:pt>
+    <dgm:pt modelId="{1A272BFA-0C2F-4F15-86B2-16E315478C23}">
+      <dgm:prSet/>
+      <dgm:spPr/>
+      <dgm:t>
+        <a:bodyPr/>
+        <a:lstStyle/>
+        <a:p>
+          <a:r>
+            <a:rPr lang="en-US" b="0" i="0"/>
+            <a:t>Task: open RStudio and create a new project called lecture2, making it a subdirectory of BENV0091 from last week</a:t>
+          </a:r>
+          <a:endParaRPr lang="en-US"/>
+        </a:p>
+      </dgm:t>
+    </dgm:pt>
+    <dgm:pt modelId="{1E4ED5BC-231D-4F7D-8088-FFF8E7A77E97}" type="parTrans" cxnId="{260212DC-FD4C-4D2B-BCE0-E52AF83F8E85}">
+      <dgm:prSet/>
+      <dgm:spPr/>
+      <dgm:t>
+        <a:bodyPr/>
+        <a:lstStyle/>
+        <a:p>
+          <a:endParaRPr lang="en-US"/>
+        </a:p>
+      </dgm:t>
+    </dgm:pt>
+    <dgm:pt modelId="{F190D469-761B-4E9D-BACD-FE93FAE5F13C}" type="sibTrans" cxnId="{260212DC-FD4C-4D2B-BCE0-E52AF83F8E85}">
+      <dgm:prSet/>
+      <dgm:spPr/>
+      <dgm:t>
+        <a:bodyPr/>
+        <a:lstStyle/>
+        <a:p>
+          <a:endParaRPr lang="en-US"/>
+        </a:p>
+      </dgm:t>
+    </dgm:pt>
+    <dgm:pt modelId="{514EAAB2-C530-49FF-A620-B0998AC65919}">
+      <dgm:prSet/>
+      <dgm:spPr/>
+      <dgm:t>
+        <a:bodyPr/>
+        <a:lstStyle/>
+        <a:p>
+          <a:r>
+            <a:rPr lang="en-US" b="0" i="0"/>
+            <a:t>Open a new R Notebook or Markdown file and save it as programming.Rmd in your lecture2 directory</a:t>
+          </a:r>
+          <a:endParaRPr lang="en-US"/>
+        </a:p>
+      </dgm:t>
+    </dgm:pt>
+    <dgm:pt modelId="{EC51D09E-1EF8-4857-97D6-6BCBEAD01BC2}" type="parTrans" cxnId="{0424EEB0-1EEB-4380-BED2-FE8EF971B535}">
+      <dgm:prSet/>
+      <dgm:spPr/>
+      <dgm:t>
+        <a:bodyPr/>
+        <a:lstStyle/>
+        <a:p>
+          <a:endParaRPr lang="en-US"/>
+        </a:p>
+      </dgm:t>
+    </dgm:pt>
+    <dgm:pt modelId="{6BDC1011-F03B-48FC-A97E-CFC030EFE962}" type="sibTrans" cxnId="{0424EEB0-1EEB-4380-BED2-FE8EF971B535}">
+      <dgm:prSet/>
+      <dgm:spPr/>
+      <dgm:t>
+        <a:bodyPr/>
+        <a:lstStyle/>
+        <a:p>
+          <a:endParaRPr lang="en-US"/>
+        </a:p>
+      </dgm:t>
+    </dgm:pt>
+    <dgm:pt modelId="{CE11B323-ACCE-4A86-90A3-3F1D470A048B}" type="pres">
+      <dgm:prSet presAssocID="{4085A4B6-8114-43B3-8E34-191BC8A205E0}" presName="root" presStyleCnt="0">
+        <dgm:presLayoutVars>
+          <dgm:dir/>
+          <dgm:resizeHandles val="exact"/>
+        </dgm:presLayoutVars>
+      </dgm:prSet>
+      <dgm:spPr/>
+    </dgm:pt>
+    <dgm:pt modelId="{71DE0343-5E3C-4F56-AC2B-188D34EC41C1}" type="pres">
+      <dgm:prSet presAssocID="{1A272BFA-0C2F-4F15-86B2-16E315478C23}" presName="compNode" presStyleCnt="0"/>
+      <dgm:spPr/>
+    </dgm:pt>
+    <dgm:pt modelId="{EED8CC8C-9474-43FA-9650-1EAB3D4E8827}" type="pres">
+      <dgm:prSet presAssocID="{1A272BFA-0C2F-4F15-86B2-16E315478C23}" presName="iconRect" presStyleLbl="node1" presStyleIdx="0" presStyleCnt="2"/>
+      <dgm:spPr>
+        <a:blipFill>
+          <a:blip xmlns:r="http://schemas.openxmlformats.org/officeDocument/2006/relationships" r:embed="rId1">
+            <a:extLst>
+              <a:ext uri="{28A0092B-C50C-407E-A947-70E740481C1C}">
+                <a14:useLocalDpi xmlns:a14="http://schemas.microsoft.com/office/drawing/2010/main" val="0"/>
+              </a:ext>
+              <a:ext uri="{96DAC541-7B7A-43D3-8B79-37D633B846F1}">
+                <asvg:svgBlip xmlns:asvg="http://schemas.microsoft.com/office/drawing/2016/SVG/main" r:embed="rId2"/>
+              </a:ext>
+            </a:extLst>
+          </a:blip>
+          <a:stretch>
+            <a:fillRect/>
+          </a:stretch>
+        </a:blipFill>
+        <a:ln>
+          <a:noFill/>
+        </a:ln>
+      </dgm:spPr>
+      <dgm:extLst>
+        <a:ext uri="{E40237B7-FDA0-4F09-8148-C483321AD2D9}">
+          <dgm14:cNvPr xmlns:dgm14="http://schemas.microsoft.com/office/drawing/2010/diagram" id="0" name="" descr="CheckList"/>
+        </a:ext>
+      </dgm:extLst>
+    </dgm:pt>
+    <dgm:pt modelId="{3647463D-0315-4E75-9FBC-00C5C4BF98B8}" type="pres">
+      <dgm:prSet presAssocID="{1A272BFA-0C2F-4F15-86B2-16E315478C23}" presName="spaceRect" presStyleCnt="0"/>
+      <dgm:spPr/>
+    </dgm:pt>
+    <dgm:pt modelId="{589610B2-5891-4B9A-B467-9572E6818C8E}" type="pres">
+      <dgm:prSet presAssocID="{1A272BFA-0C2F-4F15-86B2-16E315478C23}" presName="textRect" presStyleLbl="revTx" presStyleIdx="0" presStyleCnt="2">
+        <dgm:presLayoutVars>
+          <dgm:chMax val="1"/>
+          <dgm:chPref val="1"/>
+        </dgm:presLayoutVars>
+      </dgm:prSet>
+      <dgm:spPr/>
+    </dgm:pt>
+    <dgm:pt modelId="{CB584ECE-3423-4E0C-9A2C-B9B2EC6E931D}" type="pres">
+      <dgm:prSet presAssocID="{F190D469-761B-4E9D-BACD-FE93FAE5F13C}" presName="sibTrans" presStyleCnt="0"/>
+      <dgm:spPr/>
+    </dgm:pt>
+    <dgm:pt modelId="{043B191C-5ACB-4A7D-AB61-D4AAFE44C9BF}" type="pres">
+      <dgm:prSet presAssocID="{514EAAB2-C530-49FF-A620-B0998AC65919}" presName="compNode" presStyleCnt="0"/>
+      <dgm:spPr/>
+    </dgm:pt>
+    <dgm:pt modelId="{AAB70E19-8756-4CE5-AE65-37A28E1EC29C}" type="pres">
+      <dgm:prSet presAssocID="{514EAAB2-C530-49FF-A620-B0998AC65919}" presName="iconRect" presStyleLbl="node1" presStyleIdx="1" presStyleCnt="2"/>
+      <dgm:spPr>
+        <a:blipFill>
+          <a:blip xmlns:r="http://schemas.openxmlformats.org/officeDocument/2006/relationships" r:embed="rId3">
+            <a:extLst>
+              <a:ext uri="{28A0092B-C50C-407E-A947-70E740481C1C}">
+                <a14:useLocalDpi xmlns:a14="http://schemas.microsoft.com/office/drawing/2010/main" val="0"/>
+              </a:ext>
+              <a:ext uri="{96DAC541-7B7A-43D3-8B79-37D633B846F1}">
+                <asvg:svgBlip xmlns:asvg="http://schemas.microsoft.com/office/drawing/2016/SVG/main" r:embed="rId4"/>
+              </a:ext>
+            </a:extLst>
+          </a:blip>
+          <a:stretch>
+            <a:fillRect/>
+          </a:stretch>
+        </a:blipFill>
+        <a:ln>
+          <a:noFill/>
+        </a:ln>
+      </dgm:spPr>
+      <dgm:extLst>
+        <a:ext uri="{E40237B7-FDA0-4F09-8148-C483321AD2D9}">
+          <dgm14:cNvPr xmlns:dgm14="http://schemas.microsoft.com/office/drawing/2010/diagram" id="0" name="" descr="Open Folder"/>
+        </a:ext>
+      </dgm:extLst>
+    </dgm:pt>
+    <dgm:pt modelId="{36E5D67B-05D1-4FF6-87C5-6983D5F20225}" type="pres">
+      <dgm:prSet presAssocID="{514EAAB2-C530-49FF-A620-B0998AC65919}" presName="spaceRect" presStyleCnt="0"/>
+      <dgm:spPr/>
+    </dgm:pt>
+    <dgm:pt modelId="{EE325078-65BA-4322-8896-7D7325760FE4}" type="pres">
+      <dgm:prSet presAssocID="{514EAAB2-C530-49FF-A620-B0998AC65919}" presName="textRect" presStyleLbl="revTx" presStyleIdx="1" presStyleCnt="2">
+        <dgm:presLayoutVars>
+          <dgm:chMax val="1"/>
+          <dgm:chPref val="1"/>
+        </dgm:presLayoutVars>
+      </dgm:prSet>
+      <dgm:spPr/>
+    </dgm:pt>
+  </dgm:ptLst>
+  <dgm:cxnLst>
+    <dgm:cxn modelId="{18621B08-8467-4572-AFDA-62A6A12B5628}" type="presOf" srcId="{514EAAB2-C530-49FF-A620-B0998AC65919}" destId="{EE325078-65BA-4322-8896-7D7325760FE4}" srcOrd="0" destOrd="0" presId="urn:microsoft.com/office/officeart/2018/2/layout/IconLabelList"/>
+    <dgm:cxn modelId="{0424EEB0-1EEB-4380-BED2-FE8EF971B535}" srcId="{4085A4B6-8114-43B3-8E34-191BC8A205E0}" destId="{514EAAB2-C530-49FF-A620-B0998AC65919}" srcOrd="1" destOrd="0" parTransId="{EC51D09E-1EF8-4857-97D6-6BCBEAD01BC2}" sibTransId="{6BDC1011-F03B-48FC-A97E-CFC030EFE962}"/>
+    <dgm:cxn modelId="{41E36AB1-30D1-46DC-B9BA-D4E43C1C0713}" type="presOf" srcId="{4085A4B6-8114-43B3-8E34-191BC8A205E0}" destId="{CE11B323-ACCE-4A86-90A3-3F1D470A048B}" srcOrd="0" destOrd="0" presId="urn:microsoft.com/office/officeart/2018/2/layout/IconLabelList"/>
+    <dgm:cxn modelId="{260212DC-FD4C-4D2B-BCE0-E52AF83F8E85}" srcId="{4085A4B6-8114-43B3-8E34-191BC8A205E0}" destId="{1A272BFA-0C2F-4F15-86B2-16E315478C23}" srcOrd="0" destOrd="0" parTransId="{1E4ED5BC-231D-4F7D-8088-FFF8E7A77E97}" sibTransId="{F190D469-761B-4E9D-BACD-FE93FAE5F13C}"/>
+    <dgm:cxn modelId="{694A43F9-9419-43AC-AC2E-C21521CFA892}" type="presOf" srcId="{1A272BFA-0C2F-4F15-86B2-16E315478C23}" destId="{589610B2-5891-4B9A-B467-9572E6818C8E}" srcOrd="0" destOrd="0" presId="urn:microsoft.com/office/officeart/2018/2/layout/IconLabelList"/>
+    <dgm:cxn modelId="{6E823A63-F95D-41E9-9324-AF218CFE026C}" type="presParOf" srcId="{CE11B323-ACCE-4A86-90A3-3F1D470A048B}" destId="{71DE0343-5E3C-4F56-AC2B-188D34EC41C1}" srcOrd="0" destOrd="0" presId="urn:microsoft.com/office/officeart/2018/2/layout/IconLabelList"/>
+    <dgm:cxn modelId="{ACC17E8B-6D0E-451C-94B2-F99D296A3CA7}" type="presParOf" srcId="{71DE0343-5E3C-4F56-AC2B-188D34EC41C1}" destId="{EED8CC8C-9474-43FA-9650-1EAB3D4E8827}" srcOrd="0" destOrd="0" presId="urn:microsoft.com/office/officeart/2018/2/layout/IconLabelList"/>
+    <dgm:cxn modelId="{05AF91CA-D45A-4094-AA30-F8CE0276933B}" type="presParOf" srcId="{71DE0343-5E3C-4F56-AC2B-188D34EC41C1}" destId="{3647463D-0315-4E75-9FBC-00C5C4BF98B8}" srcOrd="1" destOrd="0" presId="urn:microsoft.com/office/officeart/2018/2/layout/IconLabelList"/>
+    <dgm:cxn modelId="{C4AD8B98-3E6E-4280-B199-216096E7E8FD}" type="presParOf" srcId="{71DE0343-5E3C-4F56-AC2B-188D34EC41C1}" destId="{589610B2-5891-4B9A-B467-9572E6818C8E}" srcOrd="2" destOrd="0" presId="urn:microsoft.com/office/officeart/2018/2/layout/IconLabelList"/>
+    <dgm:cxn modelId="{24229BA1-E007-4F41-A54B-4A703C85C05D}" type="presParOf" srcId="{CE11B323-ACCE-4A86-90A3-3F1D470A048B}" destId="{CB584ECE-3423-4E0C-9A2C-B9B2EC6E931D}" srcOrd="1" destOrd="0" presId="urn:microsoft.com/office/officeart/2018/2/layout/IconLabelList"/>
+    <dgm:cxn modelId="{6B5A1DDA-4C49-4905-840C-A5C8625E4780}" type="presParOf" srcId="{CE11B323-ACCE-4A86-90A3-3F1D470A048B}" destId="{043B191C-5ACB-4A7D-AB61-D4AAFE44C9BF}" srcOrd="2" destOrd="0" presId="urn:microsoft.com/office/officeart/2018/2/layout/IconLabelList"/>
+    <dgm:cxn modelId="{736BE711-5CE5-4661-8399-89B7DFBDC600}" type="presParOf" srcId="{043B191C-5ACB-4A7D-AB61-D4AAFE44C9BF}" destId="{AAB70E19-8756-4CE5-AE65-37A28E1EC29C}" srcOrd="0" destOrd="0" presId="urn:microsoft.com/office/officeart/2018/2/layout/IconLabelList"/>
+    <dgm:cxn modelId="{EF4AF686-C1AE-4CFB-ACA8-667B0D17873A}" type="presParOf" srcId="{043B191C-5ACB-4A7D-AB61-D4AAFE44C9BF}" destId="{36E5D67B-05D1-4FF6-87C5-6983D5F20225}" srcOrd="1" destOrd="0" presId="urn:microsoft.com/office/officeart/2018/2/layout/IconLabelList"/>
+    <dgm:cxn modelId="{509FFE33-3429-461F-A44E-6AA2345DF076}" type="presParOf" srcId="{043B191C-5ACB-4A7D-AB61-D4AAFE44C9BF}" destId="{EE325078-65BA-4322-8896-7D7325760FE4}" srcOrd="2" destOrd="0" presId="urn:microsoft.com/office/officeart/2018/2/layout/IconLabelList"/>
+  </dgm:cxnLst>
+  <dgm:bg/>
+  <dgm:whole/>
+  <dgm:extLst>
+    <a:ext uri="http://schemas.microsoft.com/office/drawing/2008/diagram">
+      <dsp:dataModelExt xmlns:dsp="http://schemas.microsoft.com/office/drawing/2008/diagram" relId="rId7" minVer="http://schemas.openxmlformats.org/drawingml/2006/diagram"/>
+    </a:ext>
+  </dgm:extLst>
+</dgm:dataModel>
+</file>
+
+<file path=ppt/diagrams/drawing1.xml><?xml version="1.0" encoding="utf-8"?>
+<dsp:drawing xmlns:dgm="http://schemas.openxmlformats.org/drawingml/2006/diagram" xmlns:dsp="http://schemas.microsoft.com/office/drawing/2008/diagram" xmlns:a="http://schemas.openxmlformats.org/drawingml/2006/main">
+  <dsp:spTree>
+    <dsp:nvGrpSpPr>
+      <dsp:cNvPr id="0" name=""/>
+      <dsp:cNvGrpSpPr/>
+    </dsp:nvGrpSpPr>
+    <dsp:grpSpPr/>
+    <dsp:sp modelId="{EED8CC8C-9474-43FA-9650-1EAB3D4E8827}">
+      <dsp:nvSpPr>
+        <dsp:cNvPr id="0" name=""/>
+        <dsp:cNvSpPr/>
+      </dsp:nvSpPr>
+      <dsp:spPr>
+        <a:xfrm>
+          <a:off x="1953914" y="529294"/>
+          <a:ext cx="1944000" cy="1944000"/>
+        </a:xfrm>
+        <a:prstGeom prst="rect">
+          <a:avLst/>
+        </a:prstGeom>
+        <a:blipFill>
+          <a:blip xmlns:r="http://schemas.openxmlformats.org/officeDocument/2006/relationships" r:embed="rId1">
+            <a:extLst>
+              <a:ext uri="{28A0092B-C50C-407E-A947-70E740481C1C}">
+                <a14:useLocalDpi xmlns:a14="http://schemas.microsoft.com/office/drawing/2010/main" val="0"/>
+              </a:ext>
+              <a:ext uri="{96DAC541-7B7A-43D3-8B79-37D633B846F1}">
+                <asvg:svgBlip xmlns:asvg="http://schemas.microsoft.com/office/drawing/2016/SVG/main" r:embed="rId2"/>
+              </a:ext>
+            </a:extLst>
+          </a:blip>
+          <a:stretch>
+            <a:fillRect/>
+          </a:stretch>
+        </a:blipFill>
+        <a:ln w="25400" cap="flat" cmpd="sng" algn="ctr">
+          <a:noFill/>
+          <a:prstDash val="solid"/>
+        </a:ln>
+        <a:effectLst/>
+      </dsp:spPr>
+      <dsp:style>
+        <a:lnRef idx="2">
+          <a:scrgbClr r="0" g="0" b="0"/>
+        </a:lnRef>
+        <a:fillRef idx="1">
+          <a:scrgbClr r="0" g="0" b="0"/>
+        </a:fillRef>
+        <a:effectRef idx="0">
+          <a:scrgbClr r="0" g="0" b="0"/>
+        </a:effectRef>
+        <a:fontRef idx="minor">
+          <a:schemeClr val="lt1"/>
+        </a:fontRef>
+      </dsp:style>
+    </dsp:sp>
+    <dsp:sp modelId="{589610B2-5891-4B9A-B467-9572E6818C8E}">
+      <dsp:nvSpPr>
+        <dsp:cNvPr id="0" name=""/>
+        <dsp:cNvSpPr/>
+      </dsp:nvSpPr>
+      <dsp:spPr>
+        <a:xfrm>
+          <a:off x="765914" y="2943510"/>
+          <a:ext cx="4320000" cy="720000"/>
+        </a:xfrm>
+        <a:prstGeom prst="rect">
+          <a:avLst/>
+        </a:prstGeom>
+        <a:noFill/>
+        <a:ln>
+          <a:noFill/>
+        </a:ln>
+        <a:effectLst/>
+      </dsp:spPr>
+      <dsp:style>
+        <a:lnRef idx="0">
+          <a:scrgbClr r="0" g="0" b="0"/>
+        </a:lnRef>
+        <a:fillRef idx="0">
+          <a:scrgbClr r="0" g="0" b="0"/>
+        </a:fillRef>
+        <a:effectRef idx="0">
+          <a:scrgbClr r="0" g="0" b="0"/>
+        </a:effectRef>
+        <a:fontRef idx="minor"/>
+      </dsp:style>
+      <dsp:txBody>
+        <a:bodyPr spcFirstLastPara="0" vert="horz" wrap="square" lIns="0" tIns="0" rIns="0" bIns="0" numCol="1" spcCol="1270" anchor="t" anchorCtr="0">
+          <a:noAutofit/>
+        </a:bodyPr>
+        <a:lstStyle/>
+        <a:p>
+          <a:pPr marL="0" lvl="0" indent="0" algn="ctr" defTabSz="800100">
+            <a:lnSpc>
+              <a:spcPct val="90000"/>
+            </a:lnSpc>
+            <a:spcBef>
+              <a:spcPct val="0"/>
+            </a:spcBef>
+            <a:spcAft>
+              <a:spcPct val="35000"/>
+            </a:spcAft>
+            <a:buNone/>
+          </a:pPr>
+          <a:r>
+            <a:rPr lang="en-US" sz="1800" b="0" i="0" kern="1200"/>
+            <a:t>Task: open RStudio and create a new project called lecture2, making it a subdirectory of BENV0091 from last week</a:t>
+          </a:r>
+          <a:endParaRPr lang="en-US" sz="1800" kern="1200"/>
+        </a:p>
+      </dsp:txBody>
+      <dsp:txXfrm>
+        <a:off x="765914" y="2943510"/>
+        <a:ext cx="4320000" cy="720000"/>
+      </dsp:txXfrm>
+    </dsp:sp>
+    <dsp:sp modelId="{AAB70E19-8756-4CE5-AE65-37A28E1EC29C}">
+      <dsp:nvSpPr>
+        <dsp:cNvPr id="0" name=""/>
+        <dsp:cNvSpPr/>
+      </dsp:nvSpPr>
+      <dsp:spPr>
+        <a:xfrm>
+          <a:off x="7029914" y="529294"/>
+          <a:ext cx="1944000" cy="1944000"/>
+        </a:xfrm>
+        <a:prstGeom prst="rect">
+          <a:avLst/>
+        </a:prstGeom>
+        <a:blipFill>
+          <a:blip xmlns:r="http://schemas.openxmlformats.org/officeDocument/2006/relationships" r:embed="rId3">
+            <a:extLst>
+              <a:ext uri="{28A0092B-C50C-407E-A947-70E740481C1C}">
+                <a14:useLocalDpi xmlns:a14="http://schemas.microsoft.com/office/drawing/2010/main" val="0"/>
+              </a:ext>
+              <a:ext uri="{96DAC541-7B7A-43D3-8B79-37D633B846F1}">
+                <asvg:svgBlip xmlns:asvg="http://schemas.microsoft.com/office/drawing/2016/SVG/main" r:embed="rId4"/>
+              </a:ext>
+            </a:extLst>
+          </a:blip>
+          <a:stretch>
+            <a:fillRect/>
+          </a:stretch>
+        </a:blipFill>
+        <a:ln w="25400" cap="flat" cmpd="sng" algn="ctr">
+          <a:noFill/>
+          <a:prstDash val="solid"/>
+        </a:ln>
+        <a:effectLst/>
+      </dsp:spPr>
+      <dsp:style>
+        <a:lnRef idx="2">
+          <a:scrgbClr r="0" g="0" b="0"/>
+        </a:lnRef>
+        <a:fillRef idx="1">
+          <a:scrgbClr r="0" g="0" b="0"/>
+        </a:fillRef>
+        <a:effectRef idx="0">
+          <a:scrgbClr r="0" g="0" b="0"/>
+        </a:effectRef>
+        <a:fontRef idx="minor">
+          <a:schemeClr val="lt1"/>
+        </a:fontRef>
+      </dsp:style>
+    </dsp:sp>
+    <dsp:sp modelId="{EE325078-65BA-4322-8896-7D7325760FE4}">
+      <dsp:nvSpPr>
+        <dsp:cNvPr id="0" name=""/>
+        <dsp:cNvSpPr/>
+      </dsp:nvSpPr>
+      <dsp:spPr>
+        <a:xfrm>
+          <a:off x="5841914" y="2943510"/>
+          <a:ext cx="4320000" cy="720000"/>
+        </a:xfrm>
+        <a:prstGeom prst="rect">
+          <a:avLst/>
+        </a:prstGeom>
+        <a:noFill/>
+        <a:ln>
+          <a:noFill/>
+        </a:ln>
+        <a:effectLst/>
+      </dsp:spPr>
+      <dsp:style>
+        <a:lnRef idx="0">
+          <a:scrgbClr r="0" g="0" b="0"/>
+        </a:lnRef>
+        <a:fillRef idx="0">
+          <a:scrgbClr r="0" g="0" b="0"/>
+        </a:fillRef>
+        <a:effectRef idx="0">
+          <a:scrgbClr r="0" g="0" b="0"/>
+        </a:effectRef>
+        <a:fontRef idx="minor"/>
+      </dsp:style>
+      <dsp:txBody>
+        <a:bodyPr spcFirstLastPara="0" vert="horz" wrap="square" lIns="0" tIns="0" rIns="0" bIns="0" numCol="1" spcCol="1270" anchor="t" anchorCtr="0">
+          <a:noAutofit/>
+        </a:bodyPr>
+        <a:lstStyle/>
+        <a:p>
+          <a:pPr marL="0" lvl="0" indent="0" algn="ctr" defTabSz="800100">
+            <a:lnSpc>
+              <a:spcPct val="90000"/>
+            </a:lnSpc>
+            <a:spcBef>
+              <a:spcPct val="0"/>
+            </a:spcBef>
+            <a:spcAft>
+              <a:spcPct val="35000"/>
+            </a:spcAft>
+            <a:buNone/>
+          </a:pPr>
+          <a:r>
+            <a:rPr lang="en-US" sz="1800" b="0" i="0" kern="1200"/>
+            <a:t>Open a new R Notebook or Markdown file and save it as programming.Rmd in your lecture2 directory</a:t>
+          </a:r>
+          <a:endParaRPr lang="en-US" sz="1800" kern="1200"/>
+        </a:p>
+      </dsp:txBody>
+      <dsp:txXfrm>
+        <a:off x="5841914" y="2943510"/>
+        <a:ext cx="4320000" cy="720000"/>
+      </dsp:txXfrm>
+    </dsp:sp>
+  </dsp:spTree>
+</dsp:drawing>
+</file>
+
+<file path=ppt/diagrams/layout1.xml><?xml version="1.0" encoding="utf-8"?>
+<dgm:layoutDef xmlns:dgm="http://schemas.openxmlformats.org/drawingml/2006/diagram" xmlns:a="http://schemas.openxmlformats.org/drawingml/2006/main" uniqueId="urn:microsoft.com/office/officeart/2018/2/layout/IconLabelList">
+  <dgm:title val="Icon Label List"/>
+  <dgm:desc val="Use to show non-sequential or grouped chunks of information accompanied by a related visuals. Works best with icons or small pictures with short text captions."/>
+  <dgm:catLst>
+    <dgm:cat type="icon" pri="500"/>
+  </dgm:catLst>
+  <dgm:sampData useDef="1">
+    <dgm:dataModel>
+      <dgm:ptLst/>
+      <dgm:bg/>
+      <dgm:whole/>
+    </dgm:dataModel>
+  </dgm:sampData>
+  <dgm:styleData useDef="1">
+    <dgm:dataModel>
+      <dgm:ptLst/>
+      <dgm:bg/>
+      <dgm:whole/>
+    </dgm:dataModel>
+  </dgm:styleData>
+  <dgm:clrData useDef="1">
+    <dgm:dataModel>
+      <dgm:ptLst/>
+      <dgm:bg/>
+      <dgm:whole/>
+    </dgm:dataModel>
+  </dgm:clrData>
+  <dgm:layoutNode name="root">
+    <dgm:varLst>
+      <dgm:dir/>
+      <dgm:resizeHandles val="exact"/>
+    </dgm:varLst>
+    <dgm:choose name="Name0">
+      <dgm:if name="Name1" axis="self" func="var" arg="dir" op="equ" val="norm">
+        <dgm:alg type="snake">
+          <dgm:param type="grDir" val="tL"/>
+          <dgm:param type="flowDir" val="row"/>
+          <dgm:param type="contDir" val="sameDir"/>
+          <dgm:param type="off" val="ctr"/>
+          <dgm:param type="vertAlign" val="mid"/>
+          <dgm:param type="horzAlign" val="ctr"/>
+        </dgm:alg>
+      </dgm:if>
+      <dgm:else name="Name2">
+        <dgm:alg type="snake">
+          <dgm:param type="grDir" val="tR"/>
+          <dgm:param type="flowDir" val="row"/>
+          <dgm:param type="contDir" val="sameDir"/>
+          <dgm:param type="off" val="ctr"/>
+          <dgm:param type="vertAlign" val="mid"/>
+          <dgm:param type="horzAlign" val="ctr"/>
+        </dgm:alg>
+      </dgm:else>
+    </dgm:choose>
+    <dgm:shape xmlns:r="http://schemas.openxmlformats.org/officeDocument/2006/relationships" r:blip="">
+      <dgm:adjLst/>
+    </dgm:shape>
+    <dgm:presOf/>
+    <dgm:choose name="Name3">
+      <dgm:if name="Name4" axis="ch" ptType="node" func="cnt" op="lte" val="2">
+        <dgm:constrLst>
+          <dgm:constr type="h" for="ch" forName="compNode" refType="h" fact="0.4"/>
+          <dgm:constr type="w" for="ch" forName="compNode" val="120"/>
+          <dgm:constr type="w" for="ch" forName="sibTrans" refType="w" refFor="ch" refForName="compNode" fact="0.175"/>
+          <dgm:constr type="sp" refType="w" refFor="ch" refForName="compNode" op="equ" fact="0.25"/>
+          <dgm:constr type="primFontSz" for="des" ptType="node" op="equ" val="50"/>
+          <dgm:constr type="h" for="des" forName="compNode" op="equ"/>
+          <dgm:constr type="h" for="des" forName="textRect" op="equ"/>
+        </dgm:constrLst>
+      </dgm:if>
+      <dgm:if name="Name5" axis="ch" ptType="node" func="cnt" op="lte" val="4">
+        <dgm:constrLst>
+          <dgm:constr type="h" for="ch" forName="compNode" refType="h" fact="0.4"/>
+          <dgm:constr type="w" for="ch" forName="compNode" refType="w"/>
+          <dgm:constr type="w" for="ch" forName="sibTrans" refType="w" refFor="ch" refForName="compNode" fact="0.175"/>
+          <dgm:constr type="sp" refType="w" refFor="ch" refForName="compNode" op="equ" fact="0.25"/>
+          <dgm:constr type="primFontSz" for="des" ptType="node" op="equ" val="36"/>
+          <dgm:constr type="h" for="des" forName="compNode" op="equ"/>
+          <dgm:constr type="h" for="des" forName="textRect" op="equ"/>
+        </dgm:constrLst>
+      </dgm:if>
+      <dgm:else name="Name6">
+        <dgm:constrLst>
+          <dgm:constr type="h" for="ch" forName="compNode" refType="h" fact="0.4"/>
+          <dgm:constr type="w" for="ch" forName="compNode" refType="w"/>
+          <dgm:constr type="w" for="ch" forName="sibTrans" refType="w" refFor="ch" refForName="compNode" fact="0.175"/>
+          <dgm:constr type="sp" refType="w" refFor="ch" refForName="compNode" op="equ" fact="0.25"/>
+          <dgm:constr type="primFontSz" for="des" ptType="node" op="equ" val="24"/>
+          <dgm:constr type="h" for="des" forName="compNode" op="equ"/>
+          <dgm:constr type="h" for="des" forName="textRect" op="equ"/>
+        </dgm:constrLst>
+      </dgm:else>
+    </dgm:choose>
+    <dgm:ruleLst>
+      <dgm:rule type="w" for="ch" forName="compNode" val="50" fact="NaN" max="NaN"/>
+    </dgm:ruleLst>
+    <dgm:forEach name="Name7" axis="ch" ptType="node">
+      <dgm:layoutNode name="compNode">
+        <dgm:alg type="composite"/>
+        <dgm:shape xmlns:r="http://schemas.openxmlformats.org/officeDocument/2006/relationships" r:blip="">
+          <dgm:adjLst/>
+        </dgm:shape>
+        <dgm:presOf axis="self"/>
+        <dgm:constrLst>
+          <dgm:constr type="w" for="ch" forName="iconRect" refType="w" fact="0.45"/>
+          <dgm:constr type="h" for="ch" forName="iconRect" refType="w" refFor="ch" refForName="iconRect"/>
+          <dgm:constr type="ctrX" for="ch" forName="iconRect" refType="w" fact="0.5"/>
+          <dgm:constr type="t" for="ch" forName="iconRect"/>
+          <dgm:constr type="h" for="ch" forName="spaceRect" refType="h" fact="0.15"/>
+          <dgm:constr type="w" for="ch" forName="spaceRect" refType="w"/>
+          <dgm:constr type="l" for="ch" forName="spaceRect"/>
+          <dgm:constr type="t" for="ch" forName="spaceRect" refType="b" refFor="ch" refForName="iconRect"/>
+          <dgm:constr type="h" for="ch" forName="textRect" val="20"/>
+          <dgm:constr type="w" for="ch" forName="textRect" refType="w"/>
+          <dgm:constr type="l" for="ch" forName="textRect"/>
+          <dgm:constr type="t" for="ch" forName="textRect" refType="b" refFor="ch" refForName="spaceRect"/>
+        </dgm:constrLst>
+        <dgm:ruleLst>
+          <dgm:rule type="h" val="INF" fact="NaN" max="NaN"/>
+        </dgm:ruleLst>
+        <dgm:layoutNode name="iconRect" styleLbl="node1">
+          <dgm:alg type="sp"/>
+          <dgm:shape xmlns:r="http://schemas.openxmlformats.org/officeDocument/2006/relationships" type="rect" r:blip="" blipPhldr="1">
+            <dgm:adjLst/>
+          </dgm:shape>
+          <dgm:presOf/>
+          <dgm:constrLst/>
+          <dgm:ruleLst/>
+        </dgm:layoutNode>
+        <dgm:layoutNode name="spaceRect">
+          <dgm:alg type="sp"/>
+          <dgm:shape xmlns:r="http://schemas.openxmlformats.org/officeDocument/2006/relationships" r:blip="">
+            <dgm:adjLst/>
+          </dgm:shape>
+          <dgm:presOf/>
+          <dgm:constrLst/>
+          <dgm:ruleLst/>
+        </dgm:layoutNode>
+        <dgm:layoutNode name="textRect" styleLbl="revTx">
+          <dgm:varLst>
+            <dgm:chMax val="1"/>
+            <dgm:chPref val="1"/>
+          </dgm:varLst>
+          <dgm:alg type="tx">
+            <dgm:param type="txAnchorVert" val="t"/>
+          </dgm:alg>
+          <dgm:shape xmlns:r="http://schemas.openxmlformats.org/officeDocument/2006/relationships" type="rect" r:blip="">
+            <dgm:adjLst/>
+          </dgm:shape>
+          <dgm:presOf axis="self" ptType="node"/>
+          <dgm:constrLst>
+            <dgm:constr type="lMarg"/>
+            <dgm:constr type="rMarg"/>
+            <dgm:constr type="tMarg"/>
+            <dgm:constr type="bMarg"/>
+          </dgm:constrLst>
+          <dgm:ruleLst>
+            <dgm:rule type="primFontSz" val="11" fact="NaN" max="NaN"/>
+            <dgm:rule type="h" val="INF" fact="NaN" max="NaN"/>
+          </dgm:ruleLst>
+        </dgm:layoutNode>
+      </dgm:layoutNode>
+      <dgm:forEach name="Name8" axis="followSib" ptType="sibTrans" cnt="1">
+        <dgm:layoutNode name="sibTrans">
+          <dgm:alg type="sp"/>
+          <dgm:shape xmlns:r="http://schemas.openxmlformats.org/officeDocument/2006/relationships" r:blip="">
+            <dgm:adjLst/>
+          </dgm:shape>
+          <dgm:presOf axis="self"/>
+          <dgm:constrLst/>
+          <dgm:ruleLst/>
+        </dgm:layoutNode>
+      </dgm:forEach>
+    </dgm:forEach>
+  </dgm:layoutNode>
+  <dgm:extLst>
+    <a:ext uri="{68A01E43-0DF5-4B5B-8FA6-DAF915123BFB}">
+      <dgm1612:lstStyle xmlns:dgm1612="http://schemas.microsoft.com/office/drawing/2016/12/diagram">
+        <a:lvl1pPr>
+          <a:lnSpc>
+            <a:spcPct val="100000"/>
+          </a:lnSpc>
+        </a:lvl1pPr>
+      </dgm1612:lstStyle>
+    </a:ext>
+  </dgm:extLst>
+</dgm:layoutDef>
+</file>
+
+<file path=ppt/diagrams/quickStyle1.xml><?xml version="1.0" encoding="utf-8"?>
+<dgm:styleDef xmlns:dgm="http://schemas.openxmlformats.org/drawingml/2006/diagram" xmlns:a="http://schemas.openxmlformats.org/drawingml/2006/main" uniqueId="urn:microsoft.com/office/officeart/2005/8/quickstyle/simple1">
+  <dgm:title val=""/>
+  <dgm:desc val=""/>
+  <dgm:catLst>
+    <dgm:cat type="simple" pri="10100"/>
+  </dgm:catLst>
+  <dgm:scene3d>
+    <a:camera prst="orthographicFront"/>
+    <a:lightRig rig="threePt" dir="t"/>
+  </dgm:scene3d>
+  <dgm:styleLbl name="node0">
+    <dgm:scene3d>
+      <a:camera prst="orthographicFront"/>
+      <a:lightRig rig="threePt" dir="t"/>
+    </dgm:scene3d>
+    <dgm:sp3d/>
+    <dgm:txPr/>
+    <dgm:style>
+      <a:lnRef idx="2">
+        <a:scrgbClr r="0" g="0" b="0"/>
+      </a:lnRef>
+      <a:fillRef idx="1">
+        <a:scrgbClr r="0" g="0" b="0"/>
+      </a:fillRef>
+      <a:effectRef idx="0">
+        <a:scrgbClr r="0" g="0" b="0"/>
+      </a:effectRef>
+      <a:fontRef idx="minor">
+        <a:schemeClr val="lt1"/>
+      </a:fontRef>
+    </dgm:style>
+  </dgm:styleLbl>
+  <dgm:styleLbl name="lnNode1">
+    <dgm:scene3d>
+      <a:camera prst="orthographicFront"/>
+      <a:lightRig rig="threePt" dir="t"/>
+    </dgm:scene3d>
+    <dgm:sp3d/>
+    <dgm:txPr/>
+    <dgm:style>
+      <a:lnRef idx="2">
+        <a:scrgbClr r="0" g="0" b="0"/>
+      </a:lnRef>
+      <a:fillRef idx="1">
+        <a:scrgbClr r="0" g="0" b="0"/>
+      </a:fillRef>
+      <a:effectRef idx="0">
+        <a:scrgbClr r="0" g="0" b="0"/>
+      </a:effectRef>
+      <a:fontRef idx="minor">
+        <a:schemeClr val="lt1"/>
+      </a:fontRef>
+    </dgm:style>
+  </dgm:styleLbl>
+  <dgm:styleLbl name="vennNode1">
+    <dgm:scene3d>
+      <a:camera prst="orthographicFront"/>
+      <a:lightRig rig="threePt" dir="t"/>
+    </dgm:scene3d>
+    <dgm:sp3d/>
+    <dgm:txPr/>
+    <dgm:style>
+      <a:lnRef idx="2">
+        <a:scrgbClr r="0" g="0" b="0"/>
+      </a:lnRef>
+      <a:fillRef idx="1">
+        <a:scrgbClr r="0" g="0" b="0"/>
+      </a:fillRef>
+      <a:effectRef idx="0">
+        <a:scrgbClr r="0" g="0" b="0"/>
+      </a:effectRef>
+      <a:fontRef idx="minor">
+        <a:schemeClr val="tx1"/>
+      </a:fontRef>
+    </dgm:style>
+  </dgm:styleLbl>
+  <dgm:styleLbl name="alignNode1">
+    <dgm:scene3d>
+      <a:camera prst="orthographicFront"/>
+      <a:lightRig rig="threePt" dir="t"/>
+    </dgm:scene3d>
+    <dgm:sp3d/>
+    <dgm:txPr/>
+    <dgm:style>
+      <a:lnRef idx="2">
+        <a:scrgbClr r="0" g="0" b="0"/>
+      </a:lnRef>
+      <a:fillRef idx="1">
+        <a:scrgbClr r="0" g="0" b="0"/>
+      </a:fillRef>
+      <a:effectRef idx="0">
+        <a:scrgbClr r="0" g="0" b="0"/>
+      </a:effectRef>
+      <a:fontRef idx="minor">
+        <a:schemeClr val="lt1"/>
+      </a:fontRef>
+    </dgm:style>
+  </dgm:styleLbl>
+  <dgm:styleLbl name="node1">
+    <dgm:scene3d>
+      <a:camera prst="orthographicFront"/>
+      <a:lightRig rig="threePt" dir="t"/>
+    </dgm:scene3d>
+    <dgm:sp3d/>
+    <dgm:txPr/>
+    <dgm:style>
+      <a:lnRef idx="2">
+        <a:scrgbClr r="0" g="0" b="0"/>
+      </a:lnRef>
+      <a:fillRef idx="1">
+        <a:scrgbClr r="0" g="0" b="0"/>
+      </a:fillRef>
+      <a:effectRef idx="0">
+        <a:scrgbClr r="0" g="0" b="0"/>
+      </a:effectRef>
+      <a:fontRef idx="minor">
+        <a:schemeClr val="lt1"/>
+      </a:fontRef>
+    </dgm:style>
+  </dgm:styleLbl>
+  <dgm:styleLbl name="node2">
+    <dgm:scene3d>
+      <a:camera prst="orthographicFront"/>
+      <a:lightRig rig="threePt" dir="t"/>
+    </dgm:scene3d>
+    <dgm:sp3d/>
+    <dgm:txPr/>
+    <dgm:style>
+      <a:lnRef idx="2">
+        <a:scrgbClr r="0" g="0" b="0"/>
+      </a:lnRef>
+      <a:fillRef idx="1">
+        <a:scrgbClr r="0" g="0" b="0"/>
+      </a:fillRef>
+      <a:effectRef idx="0">
+        <a:scrgbClr r="0" g="0" b="0"/>
+      </a:effectRef>
+      <a:fontRef idx="minor">
+        <a:schemeClr val="lt1"/>
+      </a:fontRef>
+    </dgm:style>
+  </dgm:styleLbl>
+  <dgm:styleLbl name="node3">
+    <dgm:scene3d>
+      <a:camera prst="orthographicFront"/>
+      <a:lightRig rig="threePt" dir="t"/>
+    </dgm:scene3d>
+    <dgm:sp3d/>
+    <dgm:txPr/>
+    <dgm:style>
+      <a:lnRef idx="2">
+        <a:scrgbClr r="0" g="0" b="0"/>
+      </a:lnRef>
+      <a:fillRef idx="1">
+        <a:scrgbClr r="0" g="0" b="0"/>
+      </a:fillRef>
+      <a:effectRef idx="0">
+        <a:scrgbClr r="0" g="0" b="0"/>
+      </a:effectRef>
+      <a:fontRef idx="minor">
+        <a:schemeClr val="lt1"/>
+      </a:fontRef>
+    </dgm:style>
+  </dgm:styleLbl>
+  <dgm:styleLbl name="node4">
+    <dgm:scene3d>
+      <a:camera prst="orthographicFront"/>
+      <a:lightRig rig="threePt" dir="t"/>
+    </dgm:scene3d>
+    <dgm:sp3d/>
+    <dgm:txPr/>
+    <dgm:style>
+      <a:lnRef idx="2">
+        <a:scrgbClr r="0" g="0" b="0"/>
+      </a:lnRef>
+      <a:fillRef idx="1">
+        <a:scrgbClr r="0" g="0" b="0"/>
+      </a:fillRef>
+      <a:effectRef idx="0">
+        <a:scrgbClr r="0" g="0" b="0"/>
+      </a:effectRef>
+      <a:fontRef idx="minor">
+        <a:schemeClr val="lt1"/>
+      </a:fontRef>
+    </dgm:style>
+  </dgm:styleLbl>
+  <dgm:styleLbl name="fgImgPlace1">
+    <dgm:scene3d>
+      <a:camera prst="orthographicFront"/>
+      <a:lightRig rig="threePt" dir="t"/>
+    </dgm:scene3d>
+    <dgm:sp3d/>
+    <dgm:txPr/>
+    <dgm:style>
+      <a:lnRef idx="2">
+        <a:scrgbClr r="0" g="0" b="0"/>
+      </a:lnRef>
+      <a:fillRef idx="1">
+        <a:scrgbClr r="0" g="0" b="0"/>
+      </a:fillRef>
+      <a:effectRef idx="0">
+        <a:scrgbClr r="0" g="0" b="0"/>
+      </a:effectRef>
+      <a:fontRef idx="minor"/>
+    </dgm:style>
+  </dgm:styleLbl>
+  <dgm:styleLbl name="alignImgPlace1">
+    <dgm:scene3d>
+      <a:camera prst="orthographicFront"/>
+      <a:lightRig rig="threePt" dir="t"/>
+    </dgm:scene3d>
+    <dgm:sp3d/>
+    <dgm:txPr/>
+    <dgm:style>
+      <a:lnRef idx="2">
+        <a:scrgbClr r="0" g="0" b="0"/>
+      </a:lnRef>
+      <a:fillRef idx="1">
+        <a:scrgbClr r="0" g="0" b="0"/>
+      </a:fillRef>
+      <a:effectRef idx="0">
+        <a:scrgbClr r="0" g="0" b="0"/>
+      </a:effectRef>
+      <a:fontRef idx="minor"/>
+    </dgm:style>
+  </dgm:styleLbl>
+  <dgm:styleLbl name="bgImgPlace1">
+    <dgm:scene3d>
+      <a:camera prst="orthographicFront"/>
+      <a:lightRig rig="threePt" dir="t"/>
+    </dgm:scene3d>
+    <dgm:sp3d/>
+    <dgm:txPr/>
+    <dgm:style>
+      <a:lnRef idx="2">
+        <a:scrgbClr r="0" g="0" b="0"/>
+      </a:lnRef>
+      <a:fillRef idx="1">
+        <a:scrgbClr r="0" g="0" b="0"/>
+      </a:fillRef>
+      <a:effectRef idx="0">
+        <a:scrgbClr r="0" g="0" b="0"/>
+      </a:effectRef>
+      <a:fontRef idx="minor"/>
+    </dgm:style>
+  </dgm:styleLbl>
+  <dgm:styleLbl name="sibTrans2D1">
+    <dgm:scene3d>
+      <a:camera prst="orthographicFront"/>
+      <a:lightRig rig="threePt" dir="t"/>
+    </dgm:scene3d>
+    <dgm:sp3d/>
+    <dgm:txPr/>
+    <dgm:style>
+      <a:lnRef idx="0">
+        <a:scrgbClr r="0" g="0" b="0"/>
+      </a:lnRef>
+      <a:fillRef idx="1">
+        <a:scrgbClr r="0" g="0" b="0"/>
+      </a:fillRef>
+      <a:effectRef idx="0">
+        <a:scrgbClr r="0" g="0" b="0"/>
+      </a:effectRef>
+      <a:fontRef idx="minor">
+        <a:schemeClr val="lt1"/>
+      </a:fontRef>
+    </dgm:style>
+  </dgm:styleLbl>
+  <dgm:styleLbl name="fgSibTrans2D1">
+    <dgm:scene3d>
+      <a:camera prst="orthographicFront"/>
+      <a:lightRig rig="threePt" dir="t"/>
+    </dgm:scene3d>
+    <dgm:sp3d/>
+    <dgm:txPr/>
+    <dgm:style>
+      <a:lnRef idx="0">
+        <a:scrgbClr r="0" g="0" b="0"/>
+      </a:lnRef>
+      <a:fillRef idx="1">
+        <a:scrgbClr r="0" g="0" b="0"/>
+      </a:fillRef>
+      <a:effectRef idx="0">
+        <a:scrgbClr r="0" g="0" b="0"/>
+      </a:effectRef>
+      <a:fontRef idx="minor">
+        <a:schemeClr val="lt1"/>
+      </a:fontRef>
+    </dgm:style>
+  </dgm:styleLbl>
+  <dgm:styleLbl name="bgSibTrans2D1">
+    <dgm:scene3d>
+      <a:camera prst="orthographicFront"/>
+      <a:lightRig rig="threePt" dir="t"/>
+    </dgm:scene3d>
+    <dgm:sp3d/>
+    <dgm:txPr/>
+    <dgm:style>
+      <a:lnRef idx="0">
+        <a:scrgbClr r="0" g="0" b="0"/>
+      </a:lnRef>
+      <a:fillRef idx="1">
+        <a:scrgbClr r="0" g="0" b="0"/>
+      </a:fillRef>
+      <a:effectRef idx="0">
+        <a:scrgbClr r="0" g="0" b="0"/>
+      </a:effectRef>
+      <a:fontRef idx="minor">
+        <a:schemeClr val="lt1"/>
+      </a:fontRef>
+    </dgm:style>
+  </dgm:styleLbl>
+  <dgm:styleLbl name="sibTrans1D1">
+    <dgm:scene3d>
+      <a:camera prst="orthographicFront"/>
+      <a:lightRig rig="threePt" dir="t"/>
+    </dgm:scene3d>
+    <dgm:sp3d/>
+    <dgm:txPr/>
+    <dgm:style>
+      <a:lnRef idx="1">
+        <a:scrgbClr r="0" g="0" b="0"/>
+      </a:lnRef>
+      <a:fillRef idx="0">
+        <a:scrgbClr r="0" g="0" b="0"/>
+      </a:fillRef>
+      <a:effectRef idx="0">
+        <a:scrgbClr r="0" g="0" b="0"/>
+      </a:effectRef>
+      <a:fontRef idx="minor"/>
+    </dgm:style>
+  </dgm:styleLbl>
+  <dgm:styleLbl name="callout">
+    <dgm:scene3d>
+      <a:camera prst="orthographicFront"/>
+      <a:lightRig rig="threePt" dir="t"/>
+    </dgm:scene3d>
+    <dgm:sp3d/>
+    <dgm:txPr/>
+    <dgm:style>
+      <a:lnRef idx="2">
+        <a:scrgbClr r="0" g="0" b="0"/>
+      </a:lnRef>
+      <a:fillRef idx="1">
+        <a:scrgbClr r="0" g="0" b="0"/>
+      </a:fillRef>
+      <a:effectRef idx="0">
+        <a:scrgbClr r="0" g="0" b="0"/>
+      </a:effectRef>
+      <a:fontRef idx="minor"/>
+    </dgm:style>
+  </dgm:styleLbl>
+  <dgm:styleLbl name="asst0">
+    <dgm:scene3d>
+      <a:camera prst="orthographicFront"/>
+      <a:lightRig rig="threePt" dir="t"/>
+    </dgm:scene3d>
+    <dgm:sp3d/>
+    <dgm:txPr/>
+    <dgm:style>
+      <a:lnRef idx="2">
+        <a:scrgbClr r="0" g="0" b="0"/>
+      </a:lnRef>
+      <a:fillRef idx="1">
+        <a:scrgbClr r="0" g="0" b="0"/>
+      </a:fillRef>
+      <a:effectRef idx="0">
+        <a:scrgbClr r="0" g="0" b="0"/>
+      </a:effectRef>
+      <a:fontRef idx="minor">
+        <a:schemeClr val="lt1"/>
+      </a:fontRef>
+    </dgm:style>
+  </dgm:styleLbl>
+  <dgm:styleLbl name="asst1">
+    <dgm:scene3d>
+      <a:camera prst="orthographicFront"/>
+      <a:lightRig rig="threePt" dir="t"/>
+    </dgm:scene3d>
+    <dgm:sp3d/>
+    <dgm:txPr/>
+    <dgm:style>
+      <a:lnRef idx="2">
+        <a:scrgbClr r="0" g="0" b="0"/>
+      </a:lnRef>
+      <a:fillRef idx="1">
+        <a:scrgbClr r="0" g="0" b="0"/>
+      </a:fillRef>
+      <a:effectRef idx="0">
+        <a:scrgbClr r="0" g="0" b="0"/>
+      </a:effectRef>
+      <a:fontRef idx="minor">
+        <a:schemeClr val="lt1"/>
+      </a:fontRef>
+    </dgm:style>
+  </dgm:styleLbl>
+  <dgm:styleLbl name="asst2">
+    <dgm:scene3d>
+      <a:camera prst="orthographicFront"/>
+      <a:lightRig rig="threePt" dir="t"/>
+    </dgm:scene3d>
+    <dgm:sp3d/>
+    <dgm:txPr/>
+    <dgm:style>
+      <a:lnRef idx="2">
+        <a:scrgbClr r="0" g="0" b="0"/>
+      </a:lnRef>
+      <a:fillRef idx="1">
+        <a:scrgbClr r="0" g="0" b="0"/>
+      </a:fillRef>
+      <a:effectRef idx="0">
+        <a:scrgbClr r="0" g="0" b="0"/>
+      </a:effectRef>
+      <a:fontRef idx="minor">
+        <a:schemeClr val="lt1"/>
+      </a:fontRef>
+    </dgm:style>
+  </dgm:styleLbl>
+  <dgm:styleLbl name="asst3">
+    <dgm:scene3d>
+      <a:camera prst="orthographicFront"/>
+      <a:lightRig rig="threePt" dir="t"/>
+    </dgm:scene3d>
+    <dgm:sp3d/>
+    <dgm:txPr/>
+    <dgm:style>
+      <a:lnRef idx="2">
+        <a:scrgbClr r="0" g="0" b="0"/>
+      </a:lnRef>
+      <a:fillRef idx="1">
+        <a:scrgbClr r="0" g="0" b="0"/>
+      </a:fillRef>
+      <a:effectRef idx="0">
+        <a:scrgbClr r="0" g="0" b="0"/>
+      </a:effectRef>
+      <a:fontRef idx="minor">
+        <a:schemeClr val="lt1"/>
+      </a:fontRef>
+    </dgm:style>
+  </dgm:styleLbl>
+  <dgm:styleLbl name="asst4">
+    <dgm:scene3d>
+      <a:camera prst="orthographicFront"/>
+      <a:lightRig rig="threePt" dir="t"/>
+    </dgm:scene3d>
+    <dgm:sp3d/>
+    <dgm:txPr/>
+    <dgm:style>
+      <a:lnRef idx="2">
+        <a:scrgbClr r="0" g="0" b="0"/>
+      </a:lnRef>
+      <a:fillRef idx="1">
+        <a:scrgbClr r="0" g="0" b="0"/>
+      </a:fillRef>
+      <a:effectRef idx="0">
+        <a:scrgbClr r="0" g="0" b="0"/>
+      </a:effectRef>
+      <a:fontRef idx="minor">
+        <a:schemeClr val="lt1"/>
+      </a:fontRef>
+    </dgm:style>
+  </dgm:styleLbl>
+  <dgm:styleLbl name="parChTrans2D1">
+    <dgm:scene3d>
+      <a:camera prst="orthographicFront"/>
+      <a:lightRig rig="threePt" dir="t"/>
+    </dgm:scene3d>
+    <dgm:sp3d/>
+    <dgm:txPr/>
+    <dgm:style>
+      <a:lnRef idx="2">
+        <a:scrgbClr r="0" g="0" b="0"/>
+      </a:lnRef>
+      <a:fillRef idx="1">
+        <a:scrgbClr r="0" g="0" b="0"/>
+      </a:fillRef>
+      <a:effectRef idx="0">
+        <a:scrgbClr r="0" g="0" b="0"/>
+      </a:effectRef>
+      <a:fontRef idx="minor">
+        <a:schemeClr val="lt1"/>
+      </a:fontRef>
+    </dgm:style>
+  </dgm:styleLbl>
+  <dgm:styleLbl name="parChTrans2D2">
+    <dgm:scene3d>
+      <a:camera prst="orthographicFront"/>
+      <a:lightRig rig="threePt" dir="t"/>
+    </dgm:scene3d>
+    <dgm:sp3d/>
+    <dgm:txPr/>
+    <dgm:style>
+      <a:lnRef idx="2">
+        <a:scrgbClr r="0" g="0" b="0"/>
+      </a:lnRef>
+      <a:fillRef idx="1">
+        <a:scrgbClr r="0" g="0" b="0"/>
+      </a:fillRef>
+      <a:effectRef idx="0">
+        <a:scrgbClr r="0" g="0" b="0"/>
+      </a:effectRef>
+      <a:fontRef idx="minor">
+        <a:schemeClr val="lt1"/>
+      </a:fontRef>
+    </dgm:style>
+  </dgm:styleLbl>
+  <dgm:styleLbl name="parChTrans2D3">
+    <dgm:scene3d>
+      <a:camera prst="orthographicFront"/>
+      <a:lightRig rig="threePt" dir="t"/>
+    </dgm:scene3d>
+    <dgm:sp3d/>
+    <dgm:txPr/>
+    <dgm:style>
+      <a:lnRef idx="2">
+        <a:scrgbClr r="0" g="0" b="0"/>
+      </a:lnRef>
+      <a:fillRef idx="1">
+        <a:scrgbClr r="0" g="0" b="0"/>
+      </a:fillRef>
+      <a:effectRef idx="0">
+        <a:scrgbClr r="0" g="0" b="0"/>
+      </a:effectRef>
+      <a:fontRef idx="minor">
+        <a:schemeClr val="lt1"/>
+      </a:fontRef>
+    </dgm:style>
+  </dgm:styleLbl>
+  <dgm:styleLbl name="parChTrans2D4">
+    <dgm:scene3d>
+      <a:camera prst="orthographicFront"/>
+      <a:lightRig rig="threePt" dir="t"/>
+    </dgm:scene3d>
+    <dgm:sp3d/>
+    <dgm:txPr/>
+    <dgm:style>
+      <a:lnRef idx="2">
+        <a:scrgbClr r="0" g="0" b="0"/>
+      </a:lnRef>
+      <a:fillRef idx="1">
+        <a:scrgbClr r="0" g="0" b="0"/>
+      </a:fillRef>
+      <a:effectRef idx="0">
+        <a:scrgbClr r="0" g="0" b="0"/>
+      </a:effectRef>
+      <a:fontRef idx="minor">
+        <a:schemeClr val="lt1"/>
+      </a:fontRef>
+    </dgm:style>
+  </dgm:styleLbl>
+  <dgm:styleLbl name="parChTrans1D1">
+    <dgm:scene3d>
+      <a:camera prst="orthographicFront"/>
+      <a:lightRig rig="threePt" dir="t"/>
+    </dgm:scene3d>
+    <dgm:sp3d/>
+    <dgm:txPr/>
+    <dgm:style>
+      <a:lnRef idx="2">
+        <a:scrgbClr r="0" g="0" b="0"/>
+      </a:lnRef>
+      <a:fillRef idx="0">
+        <a:scrgbClr r="0" g="0" b="0"/>
+      </a:fillRef>
+      <a:effectRef idx="0">
+        <a:scrgbClr r="0" g="0" b="0"/>
+      </a:effectRef>
+      <a:fontRef idx="minor"/>
+    </dgm:style>
+  </dgm:styleLbl>
+  <dgm:styleLbl name="parChTrans1D2">
+    <dgm:scene3d>
+      <a:camera prst="orthographicFront"/>
+      <a:lightRig rig="threePt" dir="t"/>
+    </dgm:scene3d>
+    <dgm:sp3d/>
+    <dgm:txPr/>
+    <dgm:style>
+      <a:lnRef idx="2">
+        <a:scrgbClr r="0" g="0" b="0"/>
+      </a:lnRef>
+      <a:fillRef idx="0">
+        <a:scrgbClr r="0" g="0" b="0"/>
+      </a:fillRef>
+      <a:effectRef idx="0">
+        <a:scrgbClr r="0" g="0" b="0"/>
+      </a:effectRef>
+      <a:fontRef idx="minor"/>
+    </dgm:style>
+  </dgm:styleLbl>
+  <dgm:styleLbl name="parChTrans1D3">
+    <dgm:scene3d>
+      <a:camera prst="orthographicFront"/>
+      <a:lightRig rig="threePt" dir="t"/>
+    </dgm:scene3d>
+    <dgm:sp3d/>
+    <dgm:txPr/>
+    <dgm:style>
+      <a:lnRef idx="2">
+        <a:scrgbClr r="0" g="0" b="0"/>
+      </a:lnRef>
+      <a:fillRef idx="0">
+        <a:scrgbClr r="0" g="0" b="0"/>
+      </a:fillRef>
+      <a:effectRef idx="0">
+        <a:scrgbClr r="0" g="0" b="0"/>
+      </a:effectRef>
+      <a:fontRef idx="minor"/>
+    </dgm:style>
+  </dgm:styleLbl>
+  <dgm:styleLbl name="parChTrans1D4">
+    <dgm:scene3d>
+      <a:camera prst="orthographicFront"/>
+      <a:lightRig rig="threePt" dir="t"/>
+    </dgm:scene3d>
+    <dgm:sp3d/>
+    <dgm:txPr/>
+    <dgm:style>
+      <a:lnRef idx="2">
+        <a:scrgbClr r="0" g="0" b="0"/>
+      </a:lnRef>
+      <a:fillRef idx="0">
+        <a:scrgbClr r="0" g="0" b="0"/>
+      </a:fillRef>
+      <a:effectRef idx="0">
+        <a:scrgbClr r="0" g="0" b="0"/>
+      </a:effectRef>
+      <a:fontRef idx="minor"/>
+    </dgm:style>
+  </dgm:styleLbl>
+  <dgm:styleLbl name="fgAcc1">
+    <dgm:scene3d>
+      <a:camera prst="orthographicFront"/>
+      <a:lightRig rig="threePt" dir="t"/>
+    </dgm:scene3d>
+    <dgm:sp3d/>
+    <dgm:txPr/>
+    <dgm:style>
+      <a:lnRef idx="2">
+        <a:scrgbClr r="0" g="0" b="0"/>
+      </a:lnRef>
+      <a:fillRef idx="1">
+        <a:scrgbClr r="0" g="0" b="0"/>
+      </a:fillRef>
+      <a:effectRef idx="0">
+        <a:scrgbClr r="0" g="0" b="0"/>
+      </a:effectRef>
+      <a:fontRef idx="minor"/>
+    </dgm:style>
+  </dgm:styleLbl>
+  <dgm:styleLbl name="conFgAcc1">
+    <dgm:scene3d>
+      <a:camera prst="orthographicFront"/>
+      <a:lightRig rig="threePt" dir="t"/>
+    </dgm:scene3d>
+    <dgm:sp3d/>
+    <dgm:txPr/>
+    <dgm:style>
+      <a:lnRef idx="2">
+        <a:scrgbClr r="0" g="0" b="0"/>
+      </a:lnRef>
+      <a:fillRef idx="1">
+        <a:scrgbClr r="0" g="0" b="0"/>
+      </a:fillRef>
+      <a:effectRef idx="0">
+        <a:scrgbClr r="0" g="0" b="0"/>
+      </a:effectRef>
+      <a:fontRef idx="minor"/>
+    </dgm:style>
+  </dgm:styleLbl>
+  <dgm:styleLbl name="alignAcc1">
+    <dgm:scene3d>
+      <a:camera prst="orthographicFront"/>
+      <a:lightRig rig="threePt" dir="t"/>
+    </dgm:scene3d>
+    <dgm:sp3d/>
+    <dgm:txPr/>
+    <dgm:style>
+      <a:lnRef idx="2">
+        <a:scrgbClr r="0" g="0" b="0"/>
+      </a:lnRef>
+      <a:fillRef idx="1">
+        <a:scrgbClr r="0" g="0" b="0"/>
+      </a:fillRef>
+      <a:effectRef idx="0">
+        <a:scrgbClr r="0" g="0" b="0"/>
+      </a:effectRef>
+      <a:fontRef idx="minor"/>
+    </dgm:style>
+  </dgm:styleLbl>
+  <dgm:styleLbl name="trAlignAcc1">
+    <dgm:scene3d>
+      <a:camera prst="orthographicFront"/>
+      <a:lightRig rig="threePt" dir="t"/>
+    </dgm:scene3d>
+    <dgm:sp3d/>
+    <dgm:txPr/>
+    <dgm:style>
+      <a:lnRef idx="1">
+        <a:scrgbClr r="0" g="0" b="0"/>
+      </a:lnRef>
+      <a:fillRef idx="1">
+        <a:scrgbClr r="0" g="0" b="0"/>
+      </a:fillRef>
+      <a:effectRef idx="0">
+        <a:scrgbClr r="0" g="0" b="0"/>
+      </a:effectRef>
+      <a:fontRef idx="minor"/>
+    </dgm:style>
+  </dgm:styleLbl>
+  <dgm:styleLbl name="bgAcc1">
+    <dgm:scene3d>
+      <a:camera prst="orthographicFront"/>
+      <a:lightRig rig="threePt" dir="t"/>
+    </dgm:scene3d>
+    <dgm:sp3d/>
+    <dgm:txPr/>
+    <dgm:style>
+      <a:lnRef idx="2">
+        <a:scrgbClr r="0" g="0" b="0"/>
+      </a:lnRef>
+      <a:fillRef idx="1">
+        <a:scrgbClr r="0" g="0" b="0"/>
+      </a:fillRef>
+      <a:effectRef idx="0">
+        <a:scrgbClr r="0" g="0" b="0"/>
+      </a:effectRef>
+      <a:fontRef idx="minor"/>
+    </dgm:style>
+  </dgm:styleLbl>
+  <dgm:styleLbl name="solidFgAcc1">
+    <dgm:scene3d>
+      <a:camera prst="orthographicFront"/>
+      <a:lightRig rig="threePt" dir="t"/>
+    </dgm:scene3d>
+    <dgm:sp3d/>
+    <dgm:txPr/>
+    <dgm:style>
+      <a:lnRef idx="2">
+        <a:scrgbClr r="0" g="0" b="0"/>
+      </a:lnRef>
+      <a:fillRef idx="1">
+        <a:scrgbClr r="0" g="0" b="0"/>
+      </a:fillRef>
+      <a:effectRef idx="0">
+        <a:scrgbClr r="0" g="0" b="0"/>
+      </a:effectRef>
+      <a:fontRef idx="minor"/>
+    </dgm:style>
+  </dgm:styleLbl>
+  <dgm:styleLbl name="solidAlignAcc1">
+    <dgm:scene3d>
+      <a:camera prst="orthographicFront"/>
+      <a:lightRig rig="threePt" dir="t"/>
+    </dgm:scene3d>
+    <dgm:sp3d/>
+    <dgm:txPr/>
+    <dgm:style>
+      <a:lnRef idx="2">
+        <a:scrgbClr r="0" g="0" b="0"/>
+      </a:lnRef>
+      <a:fillRef idx="1">
+        <a:scrgbClr r="0" g="0" b="0"/>
+      </a:fillRef>
+      <a:effectRef idx="0">
+        <a:scrgbClr r="0" g="0" b="0"/>
+      </a:effectRef>
+      <a:fontRef idx="minor"/>
+    </dgm:style>
+  </dgm:styleLbl>
+  <dgm:styleLbl name="solidBgAcc1">
+    <dgm:scene3d>
+      <a:camera prst="orthographicFront"/>
+      <a:lightRig rig="threePt" dir="t"/>
+    </dgm:scene3d>
+    <dgm:sp3d/>
+    <dgm:txPr/>
+    <dgm:style>
+      <a:lnRef idx="2">
+        <a:scrgbClr r="0" g="0" b="0"/>
+      </a:lnRef>
+      <a:fillRef idx="1">
+        <a:scrgbClr r="0" g="0" b="0"/>
+      </a:fillRef>
+      <a:effectRef idx="0">
+        <a:scrgbClr r="0" g="0" b="0"/>
+      </a:effectRef>
+      <a:fontRef idx="minor"/>
+    </dgm:style>
+  </dgm:styleLbl>
+  <dgm:styleLbl name="fgAccFollowNode1">
+    <dgm:scene3d>
+      <a:camera prst="orthographicFront"/>
+      <a:lightRig rig="threePt" dir="t"/>
+    </dgm:scene3d>
+    <dgm:sp3d/>
+    <dgm:txPr/>
+    <dgm:style>
+      <a:lnRef idx="2">
+        <a:scrgbClr r="0" g="0" b="0"/>
+      </a:lnRef>
+      <a:fillRef idx="1">
+        <a:scrgbClr r="0" g="0" b="0"/>
+      </a:fillRef>
+      <a:effectRef idx="0">
+        <a:scrgbClr r="0" g="0" b="0"/>
+      </a:effectRef>
+      <a:fontRef idx="minor"/>
+    </dgm:style>
+  </dgm:styleLbl>
+  <dgm:styleLbl name="alignAccFollowNode1">
+    <dgm:scene3d>
+      <a:camera prst="orthographicFront"/>
+      <a:lightRig rig="threePt" dir="t"/>
+    </dgm:scene3d>
+    <dgm:sp3d/>
+    <dgm:txPr/>
+    <dgm:style>
+      <a:lnRef idx="2">
+        <a:scrgbClr r="0" g="0" b="0"/>
+      </a:lnRef>
+      <a:fillRef idx="1">
+        <a:scrgbClr r="0" g="0" b="0"/>
+      </a:fillRef>
+      <a:effectRef idx="0">
+        <a:scrgbClr r="0" g="0" b="0"/>
+      </a:effectRef>
+      <a:fontRef idx="minor"/>
+    </dgm:style>
+  </dgm:styleLbl>
+  <dgm:styleLbl name="bgAccFollowNode1">
+    <dgm:scene3d>
+      <a:camera prst="orthographicFront"/>
+      <a:lightRig rig="threePt" dir="t"/>
+    </dgm:scene3d>
+    <dgm:sp3d/>
+    <dgm:txPr/>
+    <dgm:style>
+      <a:lnRef idx="2">
+        <a:scrgbClr r="0" g="0" b="0"/>
+      </a:lnRef>
+      <a:fillRef idx="1">
+        <a:scrgbClr r="0" g="0" b="0"/>
+      </a:fillRef>
+      <a:effectRef idx="0">
+        <a:scrgbClr r="0" g="0" b="0"/>
+      </a:effectRef>
+      <a:fontRef idx="minor"/>
+    </dgm:style>
+  </dgm:styleLbl>
+  <dgm:styleLbl name="fgAcc0">
+    <dgm:scene3d>
+      <a:camera prst="orthographicFront"/>
+      <a:lightRig rig="threePt" dir="t"/>
+    </dgm:scene3d>
+    <dgm:sp3d/>
+    <dgm:txPr/>
+    <dgm:style>
+      <a:lnRef idx="2">
+        <a:scrgbClr r="0" g="0" b="0"/>
+      </a:lnRef>
+      <a:fillRef idx="1">
+        <a:scrgbClr r="0" g="0" b="0"/>
+      </a:fillRef>
+      <a:effectRef idx="0">
+        <a:scrgbClr r="0" g="0" b="0"/>
+      </a:effectRef>
+      <a:fontRef idx="minor"/>
+    </dgm:style>
+  </dgm:styleLbl>
+  <dgm:styleLbl name="fgAcc2">
+    <dgm:scene3d>
+      <a:camera prst="orthographicFront"/>
+      <a:lightRig rig="threePt" dir="t"/>
+    </dgm:scene3d>
+    <dgm:sp3d/>
+    <dgm:txPr/>
+    <dgm:style>
+      <a:lnRef idx="2">
+        <a:scrgbClr r="0" g="0" b="0"/>
+      </a:lnRef>
+      <a:fillRef idx="1">
+        <a:scrgbClr r="0" g="0" b="0"/>
+      </a:fillRef>
+      <a:effectRef idx="0">
+        <a:scrgbClr r="0" g="0" b="0"/>
+      </a:effectRef>
+      <a:fontRef idx="minor"/>
+    </dgm:style>
+  </dgm:styleLbl>
+  <dgm:styleLbl name="fgAcc3">
+    <dgm:scene3d>
+      <a:camera prst="orthographicFront"/>
+      <a:lightRig rig="threePt" dir="t"/>
+    </dgm:scene3d>
+    <dgm:sp3d/>
+    <dgm:txPr/>
+    <dgm:style>
+      <a:lnRef idx="2">
+        <a:scrgbClr r="0" g="0" b="0"/>
+      </a:lnRef>
+      <a:fillRef idx="1">
+        <a:scrgbClr r="0" g="0" b="0"/>
+      </a:fillRef>
+      <a:effectRef idx="0">
+        <a:scrgbClr r="0" g="0" b="0"/>
+      </a:effectRef>
+      <a:fontRef idx="minor"/>
+    </dgm:style>
+  </dgm:styleLbl>
+  <dgm:styleLbl name="fgAcc4">
+    <dgm:scene3d>
+      <a:camera prst="orthographicFront"/>
+      <a:lightRig rig="threePt" dir="t"/>
+    </dgm:scene3d>
+    <dgm:sp3d/>
+    <dgm:txPr/>
+    <dgm:style>
+      <a:lnRef idx="2">
+        <a:scrgbClr r="0" g="0" b="0"/>
+      </a:lnRef>
+      <a:fillRef idx="1">
+        <a:scrgbClr r="0" g="0" b="0"/>
+      </a:fillRef>
+      <a:effectRef idx="0">
+        <a:scrgbClr r="0" g="0" b="0"/>
+      </a:effectRef>
+      <a:fontRef idx="minor"/>
+    </dgm:style>
+  </dgm:styleLbl>
+  <dgm:styleLbl name="bgShp">
+    <dgm:scene3d>
+      <a:camera prst="orthographicFront"/>
+      <a:lightRig rig="threePt" dir="t"/>
+    </dgm:scene3d>
+    <dgm:sp3d/>
+    <dgm:txPr/>
+    <dgm:style>
+      <a:lnRef idx="0">
+        <a:scrgbClr r="0" g="0" b="0"/>
+      </a:lnRef>
+      <a:fillRef idx="1">
+        <a:scrgbClr r="0" g="0" b="0"/>
+      </a:fillRef>
+      <a:effectRef idx="0">
+        <a:scrgbClr r="0" g="0" b="0"/>
+      </a:effectRef>
+      <a:fontRef idx="minor"/>
+    </dgm:style>
+  </dgm:styleLbl>
+  <dgm:styleLbl name="dkBgShp">
+    <dgm:scene3d>
+      <a:camera prst="orthographicFront"/>
+      <a:lightRig rig="threePt" dir="t"/>
+    </dgm:scene3d>
+    <dgm:sp3d/>
+    <dgm:txPr/>
+    <dgm:style>
+      <a:lnRef idx="0">
+        <a:scrgbClr r="0" g="0" b="0"/>
+      </a:lnRef>
+      <a:fillRef idx="1">
+        <a:scrgbClr r="0" g="0" b="0"/>
+      </a:fillRef>
+      <a:effectRef idx="0">
+        <a:scrgbClr r="0" g="0" b="0"/>
+      </a:effectRef>
+      <a:fontRef idx="minor"/>
+    </dgm:style>
+  </dgm:styleLbl>
+  <dgm:styleLbl name="trBgShp">
+    <dgm:scene3d>
+      <a:camera prst="orthographicFront"/>
+      <a:lightRig rig="threePt" dir="t"/>
+    </dgm:scene3d>
+    <dgm:sp3d/>
+    <dgm:txPr/>
+    <dgm:style>
+      <a:lnRef idx="0">
+        <a:scrgbClr r="0" g="0" b="0"/>
+      </a:lnRef>
+      <a:fillRef idx="1">
+        <a:scrgbClr r="0" g="0" b="0"/>
+      </a:fillRef>
+      <a:effectRef idx="0">
+        <a:scrgbClr r="0" g="0" b="0"/>
+      </a:effectRef>
+      <a:fontRef idx="minor"/>
+    </dgm:style>
+  </dgm:styleLbl>
+  <dgm:styleLbl name="fgShp">
+    <dgm:scene3d>
+      <a:camera prst="orthographicFront"/>
+      <a:lightRig rig="threePt" dir="t"/>
+    </dgm:scene3d>
+    <dgm:sp3d/>
+    <dgm:txPr/>
+    <dgm:style>
+      <a:lnRef idx="2">
+        <a:scrgbClr r="0" g="0" b="0"/>
+      </a:lnRef>
+      <a:fillRef idx="1">
+        <a:scrgbClr r="0" g="0" b="0"/>
+      </a:fillRef>
+      <a:effectRef idx="0">
+        <a:scrgbClr r="0" g="0" b="0"/>
+      </a:effectRef>
+      <a:fontRef idx="minor"/>
+    </dgm:style>
+  </dgm:styleLbl>
+  <dgm:styleLbl name="revTx">
+    <dgm:scene3d>
+      <a:camera prst="orthographicFront"/>
+      <a:lightRig rig="threePt" dir="t"/>
+    </dgm:scene3d>
+    <dgm:sp3d/>
+    <dgm:txPr/>
+    <dgm:style>
+      <a:lnRef idx="0">
+        <a:scrgbClr r="0" g="0" b="0"/>
+      </a:lnRef>
+      <a:fillRef idx="0">
+        <a:scrgbClr r="0" g="0" b="0"/>
+      </a:fillRef>
+      <a:effectRef idx="0">
+        <a:scrgbClr r="0" g="0" b="0"/>
+      </a:effectRef>
+      <a:fontRef idx="minor"/>
+    </dgm:style>
+  </dgm:styleLbl>
+</dgm:styleDef>
 </file>
 
 <file path=ppt/notesMasters/notesMaster1.xml><?xml version="1.0" encoding="utf-8"?>
@@ -14494,6 +17089,14 @@
 <file path=ppt/slides/slide1.xml><?xml version="1.0" encoding="utf-8"?>
 <p:sld xmlns:a="http://schemas.openxmlformats.org/drawingml/2006/main" xmlns:r="http://schemas.openxmlformats.org/officeDocument/2006/relationships" xmlns:p="http://schemas.openxmlformats.org/presentationml/2006/main">
   <p:cSld>
+    <p:bg>
+      <p:bgPr>
+        <a:solidFill>
+          <a:schemeClr val="bg1"/>
+        </a:solidFill>
+        <a:effectLst/>
+      </p:bgPr>
+    </p:bg>
     <p:spTree>
       <p:nvGrpSpPr>
         <p:cNvPr id="1" name="Shape 88"/>
@@ -14508,6 +17111,142 @@
           <a:chExt cx="0" cy="0"/>
         </a:xfrm>
       </p:grpSpPr>
+      <p:sp useBgFill="1">
+        <p:nvSpPr>
+          <p:cNvPr id="105" name="Rectangle 104">
+            <a:extLst>
+              <a:ext uri="{FF2B5EF4-FFF2-40B4-BE49-F238E27FC236}">
+                <a16:creationId xmlns:a16="http://schemas.microsoft.com/office/drawing/2014/main" id="{5BF4DF2C-F028-4921-9C23-41303F650A62}"/>
+              </a:ext>
+              <a:ext uri="{C183D7F6-B498-43B3-948B-1728B52AA6E4}">
+                <adec:decorative xmlns:adec="http://schemas.microsoft.com/office/drawing/2017/decorative" val="1"/>
+              </a:ext>
+            </a:extLst>
+          </p:cNvPr>
+          <p:cNvSpPr>
+            <a:spLocks noGrp="1" noRot="1" noChangeAspect="1" noMove="1" noResize="1" noEditPoints="1" noAdjustHandles="1" noChangeArrowheads="1" noChangeShapeType="1" noTextEdit="1"/>
+          </p:cNvSpPr>
+          <p:nvPr>
+            <p:extLst>
+              <p:ext uri="{386F3935-93C4-4BCD-93E2-E3B085C9AB24}">
+                <p16:designElem xmlns:p16="http://schemas.microsoft.com/office/powerpoint/2015/main" val="1"/>
+              </p:ext>
+            </p:extLst>
+          </p:nvPr>
+        </p:nvSpPr>
+        <p:spPr>
+          <a:xfrm>
+            <a:off x="0" y="0"/>
+            <a:ext cx="12192000" cy="6858000"/>
+          </a:xfrm>
+          <a:prstGeom prst="rect">
+            <a:avLst/>
+          </a:prstGeom>
+          <a:ln>
+            <a:noFill/>
+          </a:ln>
+        </p:spPr>
+        <p:style>
+          <a:lnRef idx="2">
+            <a:schemeClr val="accent1">
+              <a:shade val="50000"/>
+            </a:schemeClr>
+          </a:lnRef>
+          <a:fillRef idx="1">
+            <a:schemeClr val="accent1"/>
+          </a:fillRef>
+          <a:effectRef idx="0">
+            <a:schemeClr val="accent1"/>
+          </a:effectRef>
+          <a:fontRef idx="minor">
+            <a:schemeClr val="lt1"/>
+          </a:fontRef>
+        </p:style>
+        <p:txBody>
+          <a:bodyPr rtlCol="0" anchor="ctr"/>
+          <a:lstStyle/>
+          <a:p>
+            <a:pPr algn="ctr"/>
+            <a:endParaRPr lang="en-US"/>
+          </a:p>
+        </p:txBody>
+      </p:sp>
+      <p:sp>
+        <p:nvSpPr>
+          <p:cNvPr id="107" name="Rectangle 106">
+            <a:extLst>
+              <a:ext uri="{FF2B5EF4-FFF2-40B4-BE49-F238E27FC236}">
+                <a16:creationId xmlns:a16="http://schemas.microsoft.com/office/drawing/2014/main" id="{158B3569-73B2-4D05-8E95-886A6EE17F1F}"/>
+              </a:ext>
+              <a:ext uri="{C183D7F6-B498-43B3-948B-1728B52AA6E4}">
+                <adec:decorative xmlns:adec="http://schemas.microsoft.com/office/drawing/2017/decorative" val="1"/>
+              </a:ext>
+            </a:extLst>
+          </p:cNvPr>
+          <p:cNvSpPr>
+            <a:spLocks noGrp="1" noRot="1" noChangeAspect="1" noMove="1" noResize="1" noEditPoints="1" noAdjustHandles="1" noChangeArrowheads="1" noChangeShapeType="1" noTextEdit="1"/>
+          </p:cNvSpPr>
+          <p:nvPr>
+            <p:extLst>
+              <p:ext uri="{386F3935-93C4-4BCD-93E2-E3B085C9AB24}">
+                <p16:designElem xmlns:p16="http://schemas.microsoft.com/office/powerpoint/2015/main" val="1"/>
+              </p:ext>
+            </p:extLst>
+          </p:nvPr>
+        </p:nvSpPr>
+        <p:spPr>
+          <a:xfrm>
+            <a:off x="0" y="0"/>
+            <a:ext cx="12192000" cy="6858000"/>
+          </a:xfrm>
+          <a:prstGeom prst="rect">
+            <a:avLst/>
+          </a:prstGeom>
+          <a:gradFill flip="none" rotWithShape="1">
+            <a:gsLst>
+              <a:gs pos="0">
+                <a:schemeClr val="accent1"/>
+              </a:gs>
+              <a:gs pos="100000">
+                <a:schemeClr val="accent2"/>
+              </a:gs>
+            </a:gsLst>
+            <a:lin ang="2700000" scaled="1"/>
+            <a:tileRect/>
+          </a:gradFill>
+          <a:ln>
+            <a:noFill/>
+          </a:ln>
+        </p:spPr>
+        <p:style>
+          <a:lnRef idx="2">
+            <a:schemeClr val="accent1">
+              <a:shade val="50000"/>
+            </a:schemeClr>
+          </a:lnRef>
+          <a:fillRef idx="1">
+            <a:schemeClr val="accent1"/>
+          </a:fillRef>
+          <a:effectRef idx="0">
+            <a:schemeClr val="accent1"/>
+          </a:effectRef>
+          <a:fontRef idx="minor">
+            <a:schemeClr val="lt1"/>
+          </a:fontRef>
+        </p:style>
+        <p:txBody>
+          <a:bodyPr rtlCol="0" anchor="ctr"/>
+          <a:lstStyle/>
+          <a:p>
+            <a:pPr algn="ctr"/>
+            <a:endParaRPr lang="en-US">
+              <a:solidFill>
+                <a:srgbClr val="FFFFFF"/>
+              </a:solidFill>
+            </a:endParaRPr>
+          </a:p>
+        </p:txBody>
+      </p:sp>
       <p:sp>
         <p:nvSpPr>
           <p:cNvPr id="89" name="Google Shape;89;p1"/>
@@ -14520,27 +17259,20 @@
         </p:nvSpPr>
         <p:spPr>
           <a:xfrm>
-            <a:off x="1524000" y="1122363"/>
-            <a:ext cx="9144000" cy="2387600"/>
+            <a:off x="457200" y="1598246"/>
+            <a:ext cx="4412419" cy="3626217"/>
           </a:xfrm>
           <a:prstGeom prst="rect">
             <a:avLst/>
           </a:prstGeom>
-          <a:noFill/>
-          <a:ln>
-            <a:noFill/>
-          </a:ln>
         </p:spPr>
         <p:txBody>
-          <a:bodyPr spcFirstLastPara="1" wrap="square" lIns="91425" tIns="45700" rIns="91425" bIns="45700" anchor="b" anchorCtr="0">
-            <a:normAutofit fontScale="90000"/>
+          <a:bodyPr spcFirstLastPara="1" lIns="91425" tIns="45700" rIns="91425" bIns="45700" anchor="t" anchorCtr="0">
+            <a:normAutofit/>
           </a:bodyPr>
           <a:lstStyle/>
           <a:p>
-            <a:pPr marL="0" lvl="0" indent="0" algn="ctr" rtl="0">
-              <a:lnSpc>
-                <a:spcPct val="90000"/>
-              </a:lnSpc>
+            <a:pPr marL="0" lvl="0" indent="0" algn="r" rtl="0">
               <a:spcBef>
                 <a:spcPts val="0"/>
               </a:spcBef>
@@ -14555,10 +17287,13 @@
               <a:buNone/>
             </a:pPr>
             <a:r>
-              <a:rPr lang="en-US"/>
+              <a:rPr lang="en-US" sz="5000">
+                <a:solidFill>
+                  <a:srgbClr val="FFFFFF"/>
+                </a:solidFill>
+              </a:rPr>
               <a:t>BENV0091 Lecture 2: Programming &amp; Visualisation</a:t>
             </a:r>
-            <a:endParaRPr/>
           </a:p>
         </p:txBody>
       </p:sp>
@@ -14574,32 +17309,25 @@
         </p:nvSpPr>
         <p:spPr>
           <a:xfrm>
-            <a:off x="1524000" y="3602038"/>
-            <a:ext cx="9144000" cy="1655762"/>
+            <a:off x="457200" y="5350213"/>
+            <a:ext cx="4412417" cy="1031537"/>
           </a:xfrm>
           <a:prstGeom prst="rect">
             <a:avLst/>
           </a:prstGeom>
-          <a:noFill/>
-          <a:ln>
-            <a:noFill/>
-          </a:ln>
         </p:spPr>
         <p:txBody>
-          <a:bodyPr spcFirstLastPara="1" wrap="square" lIns="91425" tIns="45700" rIns="91425" bIns="45700" anchor="t" anchorCtr="0">
+          <a:bodyPr spcFirstLastPara="1" lIns="91425" tIns="45700" rIns="91425" bIns="45700" anchorCtr="0">
             <a:normAutofit/>
           </a:bodyPr>
           <a:lstStyle/>
           <a:p>
-            <a:pPr marL="0" lvl="0" indent="0" algn="ctr" rtl="0">
-              <a:lnSpc>
-                <a:spcPct val="90000"/>
-              </a:lnSpc>
-              <a:spcBef>
-                <a:spcPts val="0"/>
-              </a:spcBef>
-              <a:spcAft>
-                <a:spcPts val="0"/>
+            <a:pPr marL="0" lvl="0" indent="0" algn="r" rtl="0">
+              <a:spcBef>
+                <a:spcPts val="0"/>
+              </a:spcBef>
+              <a:spcAft>
+                <a:spcPts val="600"/>
               </a:spcAft>
               <a:buClr>
                 <a:schemeClr val="dk1"/>
@@ -14608,13 +17336,69 @@
               <a:buNone/>
             </a:pPr>
             <a:r>
-              <a:rPr lang="en-US"/>
+              <a:rPr lang="en-US" sz="3000">
+                <a:solidFill>
+                  <a:srgbClr val="FFFFFF"/>
+                </a:solidFill>
+              </a:rPr>
               <a:t>Hector Camm and Cato Davies</a:t>
             </a:r>
-            <a:endParaRPr/>
           </a:p>
         </p:txBody>
       </p:sp>
+      <p:cxnSp>
+        <p:nvCxnSpPr>
+          <p:cNvPr id="109" name="Straight Connector 108">
+            <a:extLst>
+              <a:ext uri="{FF2B5EF4-FFF2-40B4-BE49-F238E27FC236}">
+                <a16:creationId xmlns:a16="http://schemas.microsoft.com/office/drawing/2014/main" id="{56020367-4FD5-4596-8E10-C5F095CD8DBF}"/>
+              </a:ext>
+              <a:ext uri="{C183D7F6-B498-43B3-948B-1728B52AA6E4}">
+                <adec:decorative xmlns:adec="http://schemas.microsoft.com/office/drawing/2017/decorative" val="1"/>
+              </a:ext>
+            </a:extLst>
+          </p:cNvPr>
+          <p:cNvCxnSpPr>
+            <a:cxnSpLocks noGrp="1" noRot="1" noChangeAspect="1" noMove="1" noResize="1" noEditPoints="1" noAdjustHandles="1" noChangeArrowheads="1" noChangeShapeType="1"/>
+          </p:cNvCxnSpPr>
+          <p:nvPr>
+            <p:extLst>
+              <p:ext uri="{386F3935-93C4-4BCD-93E2-E3B085C9AB24}">
+                <p16:designElem xmlns:p16="http://schemas.microsoft.com/office/powerpoint/2015/main" val="1"/>
+              </p:ext>
+            </p:extLst>
+          </p:nvPr>
+        </p:nvCxnSpPr>
+        <p:spPr>
+          <a:xfrm>
+            <a:off x="5447322" y="1589368"/>
+            <a:ext cx="0" cy="5259754"/>
+          </a:xfrm>
+          <a:prstGeom prst="line">
+            <a:avLst/>
+          </a:prstGeom>
+          <a:ln w="25400" cap="sq">
+            <a:solidFill>
+              <a:srgbClr val="FFFFFF"/>
+            </a:solidFill>
+            <a:bevel/>
+          </a:ln>
+        </p:spPr>
+        <p:style>
+          <a:lnRef idx="1">
+            <a:schemeClr val="accent1"/>
+          </a:lnRef>
+          <a:fillRef idx="0">
+            <a:schemeClr val="accent1"/>
+          </a:fillRef>
+          <a:effectRef idx="0">
+            <a:schemeClr val="accent1"/>
+          </a:effectRef>
+          <a:fontRef idx="minor">
+            <a:schemeClr val="tx1"/>
+          </a:fontRef>
+        </p:style>
+      </p:cxnSp>
       <p:pic>
         <p:nvPicPr>
           <p:cNvPr id="91" name="Google Shape;91;p1"/>
@@ -14622,26 +17406,421 @@
           <p:nvPr/>
         </p:nvPicPr>
         <p:blipFill rotWithShape="1">
-          <a:blip r:embed="rId3">
-            <a:alphaModFix/>
-          </a:blip>
-          <a:srcRect/>
+          <a:blip r:embed="rId3"/>
           <a:stretch/>
         </p:blipFill>
         <p:spPr>
           <a:xfrm>
-            <a:off x="2813050" y="4289796"/>
-            <a:ext cx="6559550" cy="2120158"/>
+            <a:off x="5986925" y="3044782"/>
+            <a:ext cx="5664133" cy="1826682"/>
           </a:xfrm>
           <a:prstGeom prst="rect">
             <a:avLst/>
           </a:prstGeom>
           <a:noFill/>
-          <a:ln>
-            <a:noFill/>
-          </a:ln>
         </p:spPr>
       </p:pic>
+      <p:grpSp>
+        <p:nvGrpSpPr>
+          <p:cNvPr id="111" name="Group 110">
+            <a:extLst>
+              <a:ext uri="{FF2B5EF4-FFF2-40B4-BE49-F238E27FC236}">
+                <a16:creationId xmlns:a16="http://schemas.microsoft.com/office/drawing/2014/main" id="{892B7B61-D701-474B-AE8F-EA238B550A78}"/>
+              </a:ext>
+              <a:ext uri="{C183D7F6-B498-43B3-948B-1728B52AA6E4}">
+                <adec:decorative xmlns:adec="http://schemas.microsoft.com/office/drawing/2017/decorative" val="1"/>
+              </a:ext>
+            </a:extLst>
+          </p:cNvPr>
+          <p:cNvGrpSpPr>
+            <a:grpSpLocks noGrp="1" noUngrp="1" noRot="1" noChangeAspect="1" noMove="1" noResize="1"/>
+          </p:cNvGrpSpPr>
+          <p:nvPr>
+            <p:extLst>
+              <p:ext uri="{386F3935-93C4-4BCD-93E2-E3B085C9AB24}">
+                <p16:designElem xmlns:p16="http://schemas.microsoft.com/office/powerpoint/2015/main" val="1"/>
+              </p:ext>
+            </p:extLst>
+          </p:nvPr>
+        </p:nvGrpSpPr>
+        <p:grpSpPr>
+          <a:xfrm>
+            <a:off x="11512034" y="1267063"/>
+            <a:ext cx="368480" cy="519967"/>
+            <a:chOff x="11512034" y="1267063"/>
+            <a:chExt cx="368480" cy="519967"/>
+          </a:xfrm>
+          <a:solidFill>
+            <a:srgbClr val="FFFFFF"/>
+          </a:solidFill>
+        </p:grpSpPr>
+        <p:sp>
+          <p:nvSpPr>
+            <p:cNvPr id="112" name="Graphic 17">
+              <a:extLst>
+                <a:ext uri="{FF2B5EF4-FFF2-40B4-BE49-F238E27FC236}">
+                  <a16:creationId xmlns:a16="http://schemas.microsoft.com/office/drawing/2014/main" id="{B71758F4-3F46-45DA-8AC5-4E508DA080BA}"/>
+                </a:ext>
+                <a:ext uri="{C183D7F6-B498-43B3-948B-1728B52AA6E4}">
+                  <adec:decorative xmlns:adec="http://schemas.microsoft.com/office/drawing/2017/decorative" val="1"/>
+                </a:ext>
+              </a:extLst>
+            </p:cNvPr>
+            <p:cNvSpPr/>
+            <p:nvPr>
+              <p:extLst>
+                <p:ext uri="{386F3935-93C4-4BCD-93E2-E3B085C9AB24}">
+                  <p16:designElem xmlns:p16="http://schemas.microsoft.com/office/powerpoint/2015/main" val="1"/>
+                </p:ext>
+              </p:extLst>
+            </p:nvPr>
+          </p:nvSpPr>
+          <p:spPr>
+            <a:xfrm>
+              <a:off x="11512034" y="1267063"/>
+              <a:ext cx="139037" cy="139039"/>
+            </a:xfrm>
+            <a:custGeom>
+              <a:avLst/>
+              <a:gdLst>
+                <a:gd name="connsiteX0" fmla="*/ 129600 w 139037"/>
+                <a:gd name="connsiteY0" fmla="*/ 60082 h 139039"/>
+                <a:gd name="connsiteX1" fmla="*/ 78955 w 139037"/>
+                <a:gd name="connsiteY1" fmla="*/ 60082 h 139039"/>
+                <a:gd name="connsiteX2" fmla="*/ 78955 w 139037"/>
+                <a:gd name="connsiteY2" fmla="*/ 9437 h 139039"/>
+                <a:gd name="connsiteX3" fmla="*/ 69519 w 139037"/>
+                <a:gd name="connsiteY3" fmla="*/ 0 h 139039"/>
+                <a:gd name="connsiteX4" fmla="*/ 60082 w 139037"/>
+                <a:gd name="connsiteY4" fmla="*/ 9437 h 139039"/>
+                <a:gd name="connsiteX5" fmla="*/ 60082 w 139037"/>
+                <a:gd name="connsiteY5" fmla="*/ 60082 h 139039"/>
+                <a:gd name="connsiteX6" fmla="*/ 9437 w 139037"/>
+                <a:gd name="connsiteY6" fmla="*/ 60082 h 139039"/>
+                <a:gd name="connsiteX7" fmla="*/ 0 w 139037"/>
+                <a:gd name="connsiteY7" fmla="*/ 69520 h 139039"/>
+                <a:gd name="connsiteX8" fmla="*/ 9437 w 139037"/>
+                <a:gd name="connsiteY8" fmla="*/ 78957 h 139039"/>
+                <a:gd name="connsiteX9" fmla="*/ 60082 w 139037"/>
+                <a:gd name="connsiteY9" fmla="*/ 78957 h 139039"/>
+                <a:gd name="connsiteX10" fmla="*/ 60082 w 139037"/>
+                <a:gd name="connsiteY10" fmla="*/ 129602 h 139039"/>
+                <a:gd name="connsiteX11" fmla="*/ 69519 w 139037"/>
+                <a:gd name="connsiteY11" fmla="*/ 139039 h 139039"/>
+                <a:gd name="connsiteX12" fmla="*/ 78955 w 139037"/>
+                <a:gd name="connsiteY12" fmla="*/ 129602 h 139039"/>
+                <a:gd name="connsiteX13" fmla="*/ 78955 w 139037"/>
+                <a:gd name="connsiteY13" fmla="*/ 78957 h 139039"/>
+                <a:gd name="connsiteX14" fmla="*/ 129600 w 139037"/>
+                <a:gd name="connsiteY14" fmla="*/ 78957 h 139039"/>
+                <a:gd name="connsiteX15" fmla="*/ 139037 w 139037"/>
+                <a:gd name="connsiteY15" fmla="*/ 69520 h 139039"/>
+                <a:gd name="connsiteX16" fmla="*/ 129600 w 139037"/>
+                <a:gd name="connsiteY16" fmla="*/ 60082 h 139039"/>
+              </a:gdLst>
+              <a:ahLst/>
+              <a:cxnLst>
+                <a:cxn ang="0">
+                  <a:pos x="connsiteX0" y="connsiteY0"/>
+                </a:cxn>
+                <a:cxn ang="0">
+                  <a:pos x="connsiteX1" y="connsiteY1"/>
+                </a:cxn>
+                <a:cxn ang="0">
+                  <a:pos x="connsiteX2" y="connsiteY2"/>
+                </a:cxn>
+                <a:cxn ang="0">
+                  <a:pos x="connsiteX3" y="connsiteY3"/>
+                </a:cxn>
+                <a:cxn ang="0">
+                  <a:pos x="connsiteX4" y="connsiteY4"/>
+                </a:cxn>
+                <a:cxn ang="0">
+                  <a:pos x="connsiteX5" y="connsiteY5"/>
+                </a:cxn>
+                <a:cxn ang="0">
+                  <a:pos x="connsiteX6" y="connsiteY6"/>
+                </a:cxn>
+                <a:cxn ang="0">
+                  <a:pos x="connsiteX7" y="connsiteY7"/>
+                </a:cxn>
+                <a:cxn ang="0">
+                  <a:pos x="connsiteX8" y="connsiteY8"/>
+                </a:cxn>
+                <a:cxn ang="0">
+                  <a:pos x="connsiteX9" y="connsiteY9"/>
+                </a:cxn>
+                <a:cxn ang="0">
+                  <a:pos x="connsiteX10" y="connsiteY10"/>
+                </a:cxn>
+                <a:cxn ang="0">
+                  <a:pos x="connsiteX11" y="connsiteY11"/>
+                </a:cxn>
+                <a:cxn ang="0">
+                  <a:pos x="connsiteX12" y="connsiteY12"/>
+                </a:cxn>
+                <a:cxn ang="0">
+                  <a:pos x="connsiteX13" y="connsiteY13"/>
+                </a:cxn>
+                <a:cxn ang="0">
+                  <a:pos x="connsiteX14" y="connsiteY14"/>
+                </a:cxn>
+                <a:cxn ang="0">
+                  <a:pos x="connsiteX15" y="connsiteY15"/>
+                </a:cxn>
+                <a:cxn ang="0">
+                  <a:pos x="connsiteX16" y="connsiteY16"/>
+                </a:cxn>
+              </a:cxnLst>
+              <a:rect l="l" t="t" r="r" b="b"/>
+              <a:pathLst>
+                <a:path w="139037" h="139039">
+                  <a:moveTo>
+                    <a:pt x="129600" y="60082"/>
+                  </a:moveTo>
+                  <a:lnTo>
+                    <a:pt x="78955" y="60082"/>
+                  </a:lnTo>
+                  <a:lnTo>
+                    <a:pt x="78955" y="9437"/>
+                  </a:lnTo>
+                  <a:cubicBezTo>
+                    <a:pt x="78955" y="4225"/>
+                    <a:pt x="74730" y="0"/>
+                    <a:pt x="69519" y="0"/>
+                  </a:cubicBezTo>
+                  <a:cubicBezTo>
+                    <a:pt x="64307" y="0"/>
+                    <a:pt x="60082" y="4225"/>
+                    <a:pt x="60082" y="9437"/>
+                  </a:cubicBezTo>
+                  <a:lnTo>
+                    <a:pt x="60082" y="60082"/>
+                  </a:lnTo>
+                  <a:lnTo>
+                    <a:pt x="9437" y="60082"/>
+                  </a:lnTo>
+                  <a:cubicBezTo>
+                    <a:pt x="4225" y="60082"/>
+                    <a:pt x="0" y="64308"/>
+                    <a:pt x="0" y="69520"/>
+                  </a:cubicBezTo>
+                  <a:cubicBezTo>
+                    <a:pt x="0" y="74731"/>
+                    <a:pt x="4225" y="78957"/>
+                    <a:pt x="9437" y="78957"/>
+                  </a:cubicBezTo>
+                  <a:lnTo>
+                    <a:pt x="60082" y="78957"/>
+                  </a:lnTo>
+                  <a:lnTo>
+                    <a:pt x="60082" y="129602"/>
+                  </a:lnTo>
+                  <a:cubicBezTo>
+                    <a:pt x="60082" y="134814"/>
+                    <a:pt x="64307" y="139039"/>
+                    <a:pt x="69519" y="139039"/>
+                  </a:cubicBezTo>
+                  <a:cubicBezTo>
+                    <a:pt x="74730" y="139039"/>
+                    <a:pt x="78955" y="134814"/>
+                    <a:pt x="78955" y="129602"/>
+                  </a:cubicBezTo>
+                  <a:lnTo>
+                    <a:pt x="78955" y="78957"/>
+                  </a:lnTo>
+                  <a:lnTo>
+                    <a:pt x="129600" y="78957"/>
+                  </a:lnTo>
+                  <a:cubicBezTo>
+                    <a:pt x="134812" y="78957"/>
+                    <a:pt x="139037" y="74731"/>
+                    <a:pt x="139037" y="69520"/>
+                  </a:cubicBezTo>
+                  <a:cubicBezTo>
+                    <a:pt x="139037" y="64308"/>
+                    <a:pt x="134812" y="60082"/>
+                    <a:pt x="129600" y="60082"/>
+                  </a:cubicBezTo>
+                  <a:close/>
+                </a:path>
+              </a:pathLst>
+            </a:custGeom>
+            <a:grpFill/>
+            <a:ln w="603" cap="flat">
+              <a:noFill/>
+              <a:prstDash val="solid"/>
+              <a:miter/>
+            </a:ln>
+          </p:spPr>
+          <p:txBody>
+            <a:bodyPr rtlCol="0" anchor="ctr"/>
+            <a:lstStyle/>
+            <a:p>
+              <a:endParaRPr lang="en-US">
+                <a:solidFill>
+                  <a:srgbClr val="FFFFFF"/>
+                </a:solidFill>
+              </a:endParaRPr>
+            </a:p>
+          </p:txBody>
+        </p:sp>
+        <p:sp>
+          <p:nvSpPr>
+            <p:cNvPr id="113" name="Graphic 21">
+              <a:extLst>
+                <a:ext uri="{FF2B5EF4-FFF2-40B4-BE49-F238E27FC236}">
+                  <a16:creationId xmlns:a16="http://schemas.microsoft.com/office/drawing/2014/main" id="{8D61482F-F3C5-4D66-8C5D-C6BBE3E1275C}"/>
+                </a:ext>
+                <a:ext uri="{C183D7F6-B498-43B3-948B-1728B52AA6E4}">
+                  <adec:decorative xmlns:adec="http://schemas.microsoft.com/office/drawing/2017/decorative" val="1"/>
+                </a:ext>
+              </a:extLst>
+            </p:cNvPr>
+            <p:cNvSpPr/>
+            <p:nvPr>
+              <p:extLst>
+                <p:ext uri="{386F3935-93C4-4BCD-93E2-E3B085C9AB24}">
+                  <p16:designElem xmlns:p16="http://schemas.microsoft.com/office/powerpoint/2015/main" val="1"/>
+                </p:ext>
+              </p:extLst>
+            </p:nvPr>
+          </p:nvSpPr>
+          <p:spPr>
+            <a:xfrm>
+              <a:off x="11752801" y="1659316"/>
+              <a:ext cx="127713" cy="127714"/>
+            </a:xfrm>
+            <a:custGeom>
+              <a:avLst/>
+              <a:gdLst>
+                <a:gd name="connsiteX0" fmla="*/ 63857 w 127713"/>
+                <a:gd name="connsiteY0" fmla="*/ 18874 h 127714"/>
+                <a:gd name="connsiteX1" fmla="*/ 108839 w 127713"/>
+                <a:gd name="connsiteY1" fmla="*/ 63857 h 127714"/>
+                <a:gd name="connsiteX2" fmla="*/ 63857 w 127713"/>
+                <a:gd name="connsiteY2" fmla="*/ 108840 h 127714"/>
+                <a:gd name="connsiteX3" fmla="*/ 18874 w 127713"/>
+                <a:gd name="connsiteY3" fmla="*/ 63857 h 127714"/>
+                <a:gd name="connsiteX4" fmla="*/ 63857 w 127713"/>
+                <a:gd name="connsiteY4" fmla="*/ 18874 h 127714"/>
+                <a:gd name="connsiteX5" fmla="*/ 63857 w 127713"/>
+                <a:gd name="connsiteY5" fmla="*/ 0 h 127714"/>
+                <a:gd name="connsiteX6" fmla="*/ 0 w 127713"/>
+                <a:gd name="connsiteY6" fmla="*/ 63857 h 127714"/>
+                <a:gd name="connsiteX7" fmla="*/ 63857 w 127713"/>
+                <a:gd name="connsiteY7" fmla="*/ 127714 h 127714"/>
+                <a:gd name="connsiteX8" fmla="*/ 127713 w 127713"/>
+                <a:gd name="connsiteY8" fmla="*/ 63857 h 127714"/>
+                <a:gd name="connsiteX9" fmla="*/ 63857 w 127713"/>
+                <a:gd name="connsiteY9" fmla="*/ 0 h 127714"/>
+              </a:gdLst>
+              <a:ahLst/>
+              <a:cxnLst>
+                <a:cxn ang="0">
+                  <a:pos x="connsiteX0" y="connsiteY0"/>
+                </a:cxn>
+                <a:cxn ang="0">
+                  <a:pos x="connsiteX1" y="connsiteY1"/>
+                </a:cxn>
+                <a:cxn ang="0">
+                  <a:pos x="connsiteX2" y="connsiteY2"/>
+                </a:cxn>
+                <a:cxn ang="0">
+                  <a:pos x="connsiteX3" y="connsiteY3"/>
+                </a:cxn>
+                <a:cxn ang="0">
+                  <a:pos x="connsiteX4" y="connsiteY4"/>
+                </a:cxn>
+                <a:cxn ang="0">
+                  <a:pos x="connsiteX5" y="connsiteY5"/>
+                </a:cxn>
+                <a:cxn ang="0">
+                  <a:pos x="connsiteX6" y="connsiteY6"/>
+                </a:cxn>
+                <a:cxn ang="0">
+                  <a:pos x="connsiteX7" y="connsiteY7"/>
+                </a:cxn>
+                <a:cxn ang="0">
+                  <a:pos x="connsiteX8" y="connsiteY8"/>
+                </a:cxn>
+                <a:cxn ang="0">
+                  <a:pos x="connsiteX9" y="connsiteY9"/>
+                </a:cxn>
+              </a:cxnLst>
+              <a:rect l="l" t="t" r="r" b="b"/>
+              <a:pathLst>
+                <a:path w="127713" h="127714">
+                  <a:moveTo>
+                    <a:pt x="63857" y="18874"/>
+                  </a:moveTo>
+                  <a:cubicBezTo>
+                    <a:pt x="88700" y="18874"/>
+                    <a:pt x="108839" y="39014"/>
+                    <a:pt x="108839" y="63857"/>
+                  </a:cubicBezTo>
+                  <a:cubicBezTo>
+                    <a:pt x="108839" y="88700"/>
+                    <a:pt x="88700" y="108840"/>
+                    <a:pt x="63857" y="108840"/>
+                  </a:cubicBezTo>
+                  <a:cubicBezTo>
+                    <a:pt x="39013" y="108840"/>
+                    <a:pt x="18874" y="88700"/>
+                    <a:pt x="18874" y="63857"/>
+                  </a:cubicBezTo>
+                  <a:cubicBezTo>
+                    <a:pt x="18898" y="39024"/>
+                    <a:pt x="39023" y="18898"/>
+                    <a:pt x="63857" y="18874"/>
+                  </a:cubicBezTo>
+                  <a:moveTo>
+                    <a:pt x="63857" y="0"/>
+                  </a:moveTo>
+                  <a:cubicBezTo>
+                    <a:pt x="28590" y="0"/>
+                    <a:pt x="0" y="28590"/>
+                    <a:pt x="0" y="63857"/>
+                  </a:cubicBezTo>
+                  <a:cubicBezTo>
+                    <a:pt x="0" y="99124"/>
+                    <a:pt x="28590" y="127714"/>
+                    <a:pt x="63857" y="127714"/>
+                  </a:cubicBezTo>
+                  <a:cubicBezTo>
+                    <a:pt x="99124" y="127714"/>
+                    <a:pt x="127713" y="99124"/>
+                    <a:pt x="127713" y="63857"/>
+                  </a:cubicBezTo>
+                  <a:cubicBezTo>
+                    <a:pt x="127713" y="28590"/>
+                    <a:pt x="99124" y="0"/>
+                    <a:pt x="63857" y="0"/>
+                  </a:cubicBezTo>
+                  <a:close/>
+                </a:path>
+              </a:pathLst>
+            </a:custGeom>
+            <a:grpFill/>
+            <a:ln w="610" cap="flat">
+              <a:noFill/>
+              <a:prstDash val="solid"/>
+              <a:miter/>
+            </a:ln>
+          </p:spPr>
+          <p:txBody>
+            <a:bodyPr rtlCol="0" anchor="ctr"/>
+            <a:lstStyle/>
+            <a:p>
+              <a:endParaRPr lang="en-US">
+                <a:solidFill>
+                  <a:srgbClr val="FFFFFF"/>
+                </a:solidFill>
+              </a:endParaRPr>
+            </a:p>
+          </p:txBody>
+        </p:sp>
+      </p:grpSp>
     </p:spTree>
   </p:cSld>
   <p:clrMapOvr>
@@ -15624,6 +18803,14 @@
 <file path=ppt/slides/slide12.xml><?xml version="1.0" encoding="utf-8"?>
 <p:sld xmlns:a="http://schemas.openxmlformats.org/drawingml/2006/main" xmlns:r="http://schemas.openxmlformats.org/officeDocument/2006/relationships" xmlns:p="http://schemas.openxmlformats.org/presentationml/2006/main">
   <p:cSld>
+    <p:bg>
+      <p:bgPr>
+        <a:solidFill>
+          <a:schemeClr val="bg1"/>
+        </a:solidFill>
+        <a:effectLst/>
+      </p:bgPr>
+    </p:bg>
     <p:spTree>
       <p:nvGrpSpPr>
         <p:cNvPr id="1" name="Shape 199"/>
@@ -15640,6 +18827,82 @@
       </p:grpSpPr>
       <p:sp>
         <p:nvSpPr>
+          <p:cNvPr id="206" name="Rectangle 205">
+            <a:extLst>
+              <a:ext uri="{FF2B5EF4-FFF2-40B4-BE49-F238E27FC236}">
+                <a16:creationId xmlns:a16="http://schemas.microsoft.com/office/drawing/2014/main" id="{1A3C89F8-0D2F-47FF-B903-151248265F47}"/>
+              </a:ext>
+              <a:ext uri="{C183D7F6-B498-43B3-948B-1728B52AA6E4}">
+                <adec:decorative xmlns:adec="http://schemas.microsoft.com/office/drawing/2017/decorative" val="1"/>
+              </a:ext>
+            </a:extLst>
+          </p:cNvPr>
+          <p:cNvSpPr>
+            <a:spLocks noGrp="1" noRot="1" noChangeAspect="1" noMove="1" noResize="1" noEditPoints="1" noAdjustHandles="1" noChangeArrowheads="1" noChangeShapeType="1" noTextEdit="1"/>
+          </p:cNvSpPr>
+          <p:nvPr>
+            <p:extLst>
+              <p:ext uri="{386F3935-93C4-4BCD-93E2-E3B085C9AB24}">
+                <p16:designElem xmlns:p16="http://schemas.microsoft.com/office/powerpoint/2015/main" val="1"/>
+              </p:ext>
+            </p:extLst>
+          </p:nvPr>
+        </p:nvSpPr>
+        <p:spPr>
+          <a:xfrm>
+            <a:off x="0" y="0"/>
+            <a:ext cx="12192000" cy="6858000"/>
+          </a:xfrm>
+          <a:prstGeom prst="rect">
+            <a:avLst/>
+          </a:prstGeom>
+          <a:gradFill flip="none" rotWithShape="1">
+            <a:gsLst>
+              <a:gs pos="0">
+                <a:schemeClr val="accent1"/>
+              </a:gs>
+              <a:gs pos="100000">
+                <a:schemeClr val="accent2"/>
+              </a:gs>
+            </a:gsLst>
+            <a:lin ang="8100000" scaled="0"/>
+            <a:tileRect/>
+          </a:gradFill>
+          <a:ln>
+            <a:noFill/>
+          </a:ln>
+        </p:spPr>
+        <p:style>
+          <a:lnRef idx="2">
+            <a:schemeClr val="accent1">
+              <a:shade val="50000"/>
+            </a:schemeClr>
+          </a:lnRef>
+          <a:fillRef idx="1">
+            <a:schemeClr val="accent1"/>
+          </a:fillRef>
+          <a:effectRef idx="0">
+            <a:schemeClr val="accent1"/>
+          </a:effectRef>
+          <a:fontRef idx="minor">
+            <a:schemeClr val="lt1"/>
+          </a:fontRef>
+        </p:style>
+        <p:txBody>
+          <a:bodyPr rtlCol="0" anchor="ctr"/>
+          <a:lstStyle/>
+          <a:p>
+            <a:pPr algn="ctr"/>
+            <a:endParaRPr lang="en-US">
+              <a:solidFill>
+                <a:srgbClr val="FFFFFF"/>
+              </a:solidFill>
+            </a:endParaRPr>
+          </a:p>
+        </p:txBody>
+      </p:sp>
+      <p:sp>
+        <p:nvSpPr>
           <p:cNvPr id="200" name="Google Shape;200;p13"/>
           <p:cNvSpPr txBox="1">
             <a:spLocks noGrp="1"/>
@@ -15650,29 +18913,22 @@
         </p:nvSpPr>
         <p:spPr>
           <a:xfrm>
-            <a:off x="831850" y="1709738"/>
-            <a:ext cx="10515600" cy="2852737"/>
+            <a:off x="3880430" y="583345"/>
+            <a:ext cx="7160357" cy="4164820"/>
           </a:xfrm>
           <a:prstGeom prst="rect">
             <a:avLst/>
           </a:prstGeom>
-          <a:noFill/>
-          <a:ln>
-            <a:noFill/>
-          </a:ln>
         </p:spPr>
         <p:txBody>
-          <a:bodyPr spcFirstLastPara="1" wrap="square" lIns="91425" tIns="45700" rIns="91425" bIns="45700" anchor="b" anchorCtr="0">
+          <a:bodyPr spcFirstLastPara="1" vert="horz" lIns="91440" tIns="45720" rIns="91440" bIns="45720" rtlCol="0" anchor="t" anchorCtr="0">
             <a:normAutofit/>
           </a:bodyPr>
           <a:lstStyle/>
           <a:p>
-            <a:pPr marL="0" lvl="0" indent="0" algn="l" rtl="0">
-              <a:lnSpc>
-                <a:spcPct val="90000"/>
-              </a:lnSpc>
-              <a:spcBef>
-                <a:spcPts val="0"/>
+            <a:pPr marL="0" lvl="0" indent="0" algn="r">
+              <a:spcBef>
+                <a:spcPct val="0"/>
               </a:spcBef>
               <a:spcAft>
                 <a:spcPts val="0"/>
@@ -15681,14 +18937,18 @@
                 <a:schemeClr val="dk1"/>
               </a:buClr>
               <a:buSzPts val="6000"/>
-              <a:buFont typeface="Calibri"/>
-              <a:buNone/>
             </a:pPr>
             <a:r>
-              <a:rPr lang="en-US"/>
+              <a:rPr lang="en-US" sz="8000" kern="1200">
+                <a:solidFill>
+                  <a:srgbClr val="FFFFFF"/>
+                </a:solidFill>
+                <a:latin typeface="+mj-lt"/>
+                <a:ea typeface="+mj-ea"/>
+                <a:cs typeface="+mj-cs"/>
+              </a:rPr>
               <a:t>Part 2: Visualisation</a:t>
             </a:r>
-            <a:endParaRPr/>
           </a:p>
         </p:txBody>
       </p:sp>
@@ -15704,30 +18964,20 @@
         </p:nvSpPr>
         <p:spPr>
           <a:xfrm>
-            <a:off x="831850" y="4589463"/>
-            <a:ext cx="10515600" cy="1500187"/>
+            <a:off x="1208228" y="5972174"/>
+            <a:ext cx="8578699" cy="504825"/>
           </a:xfrm>
           <a:prstGeom prst="rect">
             <a:avLst/>
           </a:prstGeom>
-          <a:noFill/>
-          <a:ln>
-            <a:noFill/>
-          </a:ln>
         </p:spPr>
         <p:txBody>
-          <a:bodyPr spcFirstLastPara="1" wrap="square" lIns="91425" tIns="45700" rIns="91425" bIns="45700" anchor="t" anchorCtr="0">
+          <a:bodyPr spcFirstLastPara="1" vert="horz" lIns="91440" tIns="45720" rIns="91440" bIns="45720" rtlCol="0" anchorCtr="0">
             <a:normAutofit/>
           </a:bodyPr>
           <a:lstStyle/>
           <a:p>
-            <a:pPr marL="0" lvl="0" indent="0" algn="l" rtl="0">
-              <a:lnSpc>
-                <a:spcPct val="90000"/>
-              </a:lnSpc>
-              <a:spcBef>
-                <a:spcPts val="0"/>
-              </a:spcBef>
+            <a:pPr marL="0" lvl="0" indent="0">
               <a:spcAft>
                 <a:spcPts val="0"/>
               </a:spcAft>
@@ -15735,9 +18985,1038 @@
                 <a:srgbClr val="888888"/>
               </a:buClr>
               <a:buSzPts val="2400"/>
-              <a:buNone/>
             </a:pPr>
-            <a:endParaRPr/>
+            <a:endParaRPr lang="en-US" sz="2000" kern="1200">
+              <a:solidFill>
+                <a:srgbClr val="FFFFFF"/>
+              </a:solidFill>
+              <a:latin typeface="+mn-lt"/>
+              <a:ea typeface="+mn-ea"/>
+              <a:cs typeface="+mn-cs"/>
+            </a:endParaRPr>
+          </a:p>
+        </p:txBody>
+      </p:sp>
+      <p:sp>
+        <p:nvSpPr>
+          <p:cNvPr id="208" name="Graphic 13">
+            <a:extLst>
+              <a:ext uri="{FF2B5EF4-FFF2-40B4-BE49-F238E27FC236}">
+                <a16:creationId xmlns:a16="http://schemas.microsoft.com/office/drawing/2014/main" id="{C5CB530E-515E-412C-9DF1-5F8FFBD6F383}"/>
+              </a:ext>
+              <a:ext uri="{C183D7F6-B498-43B3-948B-1728B52AA6E4}">
+                <adec:decorative xmlns:adec="http://schemas.microsoft.com/office/drawing/2017/decorative" val="1"/>
+              </a:ext>
+            </a:extLst>
+          </p:cNvPr>
+          <p:cNvSpPr>
+            <a:spLocks noGrp="1" noRot="1" noChangeAspect="1" noMove="1" noResize="1" noEditPoints="1" noAdjustHandles="1" noChangeArrowheads="1" noChangeShapeType="1" noTextEdit="1"/>
+          </p:cNvSpPr>
+          <p:nvPr>
+            <p:extLst>
+              <p:ext uri="{386F3935-93C4-4BCD-93E2-E3B085C9AB24}">
+                <p16:designElem xmlns:p16="http://schemas.microsoft.com/office/powerpoint/2015/main" val="1"/>
+              </p:ext>
+            </p:extLst>
+          </p:nvPr>
+        </p:nvSpPr>
+        <p:spPr>
+          <a:xfrm>
+            <a:off x="3474359" y="583345"/>
+            <a:ext cx="139039" cy="139039"/>
+          </a:xfrm>
+          <a:custGeom>
+            <a:avLst/>
+            <a:gdLst>
+              <a:gd name="connsiteX0" fmla="*/ 129602 w 139039"/>
+              <a:gd name="connsiteY0" fmla="*/ 60082 h 139039"/>
+              <a:gd name="connsiteX1" fmla="*/ 78957 w 139039"/>
+              <a:gd name="connsiteY1" fmla="*/ 60082 h 139039"/>
+              <a:gd name="connsiteX2" fmla="*/ 78957 w 139039"/>
+              <a:gd name="connsiteY2" fmla="*/ 9437 h 139039"/>
+              <a:gd name="connsiteX3" fmla="*/ 69520 w 139039"/>
+              <a:gd name="connsiteY3" fmla="*/ 0 h 139039"/>
+              <a:gd name="connsiteX4" fmla="*/ 60082 w 139039"/>
+              <a:gd name="connsiteY4" fmla="*/ 9437 h 139039"/>
+              <a:gd name="connsiteX5" fmla="*/ 60082 w 139039"/>
+              <a:gd name="connsiteY5" fmla="*/ 60082 h 139039"/>
+              <a:gd name="connsiteX6" fmla="*/ 9437 w 139039"/>
+              <a:gd name="connsiteY6" fmla="*/ 60082 h 139039"/>
+              <a:gd name="connsiteX7" fmla="*/ 0 w 139039"/>
+              <a:gd name="connsiteY7" fmla="*/ 69520 h 139039"/>
+              <a:gd name="connsiteX8" fmla="*/ 9437 w 139039"/>
+              <a:gd name="connsiteY8" fmla="*/ 78957 h 139039"/>
+              <a:gd name="connsiteX9" fmla="*/ 60082 w 139039"/>
+              <a:gd name="connsiteY9" fmla="*/ 78957 h 139039"/>
+              <a:gd name="connsiteX10" fmla="*/ 60082 w 139039"/>
+              <a:gd name="connsiteY10" fmla="*/ 129602 h 139039"/>
+              <a:gd name="connsiteX11" fmla="*/ 69520 w 139039"/>
+              <a:gd name="connsiteY11" fmla="*/ 139039 h 139039"/>
+              <a:gd name="connsiteX12" fmla="*/ 78957 w 139039"/>
+              <a:gd name="connsiteY12" fmla="*/ 129602 h 139039"/>
+              <a:gd name="connsiteX13" fmla="*/ 78957 w 139039"/>
+              <a:gd name="connsiteY13" fmla="*/ 78957 h 139039"/>
+              <a:gd name="connsiteX14" fmla="*/ 129602 w 139039"/>
+              <a:gd name="connsiteY14" fmla="*/ 78957 h 139039"/>
+              <a:gd name="connsiteX15" fmla="*/ 139039 w 139039"/>
+              <a:gd name="connsiteY15" fmla="*/ 69520 h 139039"/>
+              <a:gd name="connsiteX16" fmla="*/ 129602 w 139039"/>
+              <a:gd name="connsiteY16" fmla="*/ 60082 h 139039"/>
+            </a:gdLst>
+            <a:ahLst/>
+            <a:cxnLst>
+              <a:cxn ang="0">
+                <a:pos x="connsiteX0" y="connsiteY0"/>
+              </a:cxn>
+              <a:cxn ang="0">
+                <a:pos x="connsiteX1" y="connsiteY1"/>
+              </a:cxn>
+              <a:cxn ang="0">
+                <a:pos x="connsiteX2" y="connsiteY2"/>
+              </a:cxn>
+              <a:cxn ang="0">
+                <a:pos x="connsiteX3" y="connsiteY3"/>
+              </a:cxn>
+              <a:cxn ang="0">
+                <a:pos x="connsiteX4" y="connsiteY4"/>
+              </a:cxn>
+              <a:cxn ang="0">
+                <a:pos x="connsiteX5" y="connsiteY5"/>
+              </a:cxn>
+              <a:cxn ang="0">
+                <a:pos x="connsiteX6" y="connsiteY6"/>
+              </a:cxn>
+              <a:cxn ang="0">
+                <a:pos x="connsiteX7" y="connsiteY7"/>
+              </a:cxn>
+              <a:cxn ang="0">
+                <a:pos x="connsiteX8" y="connsiteY8"/>
+              </a:cxn>
+              <a:cxn ang="0">
+                <a:pos x="connsiteX9" y="connsiteY9"/>
+              </a:cxn>
+              <a:cxn ang="0">
+                <a:pos x="connsiteX10" y="connsiteY10"/>
+              </a:cxn>
+              <a:cxn ang="0">
+                <a:pos x="connsiteX11" y="connsiteY11"/>
+              </a:cxn>
+              <a:cxn ang="0">
+                <a:pos x="connsiteX12" y="connsiteY12"/>
+              </a:cxn>
+              <a:cxn ang="0">
+                <a:pos x="connsiteX13" y="connsiteY13"/>
+              </a:cxn>
+              <a:cxn ang="0">
+                <a:pos x="connsiteX14" y="connsiteY14"/>
+              </a:cxn>
+              <a:cxn ang="0">
+                <a:pos x="connsiteX15" y="connsiteY15"/>
+              </a:cxn>
+              <a:cxn ang="0">
+                <a:pos x="connsiteX16" y="connsiteY16"/>
+              </a:cxn>
+            </a:cxnLst>
+            <a:rect l="l" t="t" r="r" b="b"/>
+            <a:pathLst>
+              <a:path w="139039" h="139039">
+                <a:moveTo>
+                  <a:pt x="129602" y="60082"/>
+                </a:moveTo>
+                <a:lnTo>
+                  <a:pt x="78957" y="60082"/>
+                </a:lnTo>
+                <a:lnTo>
+                  <a:pt x="78957" y="9437"/>
+                </a:lnTo>
+                <a:cubicBezTo>
+                  <a:pt x="78957" y="4225"/>
+                  <a:pt x="74731" y="0"/>
+                  <a:pt x="69520" y="0"/>
+                </a:cubicBezTo>
+                <a:cubicBezTo>
+                  <a:pt x="64308" y="0"/>
+                  <a:pt x="60082" y="4225"/>
+                  <a:pt x="60082" y="9437"/>
+                </a:cubicBezTo>
+                <a:lnTo>
+                  <a:pt x="60082" y="60082"/>
+                </a:lnTo>
+                <a:lnTo>
+                  <a:pt x="9437" y="60082"/>
+                </a:lnTo>
+                <a:cubicBezTo>
+                  <a:pt x="4225" y="60082"/>
+                  <a:pt x="0" y="64308"/>
+                  <a:pt x="0" y="69520"/>
+                </a:cubicBezTo>
+                <a:cubicBezTo>
+                  <a:pt x="0" y="74731"/>
+                  <a:pt x="4225" y="78957"/>
+                  <a:pt x="9437" y="78957"/>
+                </a:cubicBezTo>
+                <a:lnTo>
+                  <a:pt x="60082" y="78957"/>
+                </a:lnTo>
+                <a:lnTo>
+                  <a:pt x="60082" y="129602"/>
+                </a:lnTo>
+                <a:cubicBezTo>
+                  <a:pt x="60082" y="134814"/>
+                  <a:pt x="64308" y="139039"/>
+                  <a:pt x="69520" y="139039"/>
+                </a:cubicBezTo>
+                <a:cubicBezTo>
+                  <a:pt x="74731" y="139039"/>
+                  <a:pt x="78957" y="134814"/>
+                  <a:pt x="78957" y="129602"/>
+                </a:cubicBezTo>
+                <a:lnTo>
+                  <a:pt x="78957" y="78957"/>
+                </a:lnTo>
+                <a:lnTo>
+                  <a:pt x="129602" y="78957"/>
+                </a:lnTo>
+                <a:cubicBezTo>
+                  <a:pt x="134814" y="78957"/>
+                  <a:pt x="139039" y="74731"/>
+                  <a:pt x="139039" y="69520"/>
+                </a:cubicBezTo>
+                <a:cubicBezTo>
+                  <a:pt x="139039" y="64308"/>
+                  <a:pt x="134814" y="60082"/>
+                  <a:pt x="129602" y="60082"/>
+                </a:cubicBezTo>
+                <a:close/>
+              </a:path>
+            </a:pathLst>
+          </a:custGeom>
+          <a:solidFill>
+            <a:srgbClr val="FFFFFF"/>
+          </a:solidFill>
+          <a:ln w="603" cap="flat">
+            <a:noFill/>
+            <a:prstDash val="solid"/>
+            <a:miter/>
+          </a:ln>
+        </p:spPr>
+        <p:txBody>
+          <a:bodyPr rtlCol="0" anchor="ctr"/>
+          <a:lstStyle/>
+          <a:p>
+            <a:endParaRPr lang="en-US">
+              <a:solidFill>
+                <a:srgbClr val="FFFFFF"/>
+              </a:solidFill>
+            </a:endParaRPr>
+          </a:p>
+        </p:txBody>
+      </p:sp>
+      <p:sp>
+        <p:nvSpPr>
+          <p:cNvPr id="210" name="Graphic 12">
+            <a:extLst>
+              <a:ext uri="{FF2B5EF4-FFF2-40B4-BE49-F238E27FC236}">
+                <a16:creationId xmlns:a16="http://schemas.microsoft.com/office/drawing/2014/main" id="{712D4376-A578-4FF1-94FC-245E7A6A489F}"/>
+              </a:ext>
+              <a:ext uri="{C183D7F6-B498-43B3-948B-1728B52AA6E4}">
+                <adec:decorative xmlns:adec="http://schemas.microsoft.com/office/drawing/2017/decorative" val="1"/>
+              </a:ext>
+            </a:extLst>
+          </p:cNvPr>
+          <p:cNvSpPr>
+            <a:spLocks noGrp="1" noRot="1" noChangeAspect="1" noMove="1" noResize="1" noEditPoints="1" noAdjustHandles="1" noChangeArrowheads="1" noChangeShapeType="1" noTextEdit="1"/>
+          </p:cNvSpPr>
+          <p:nvPr>
+            <p:extLst>
+              <p:ext uri="{386F3935-93C4-4BCD-93E2-E3B085C9AB24}">
+                <p16:designElem xmlns:p16="http://schemas.microsoft.com/office/powerpoint/2015/main" val="1"/>
+              </p:ext>
+            </p:extLst>
+          </p:nvPr>
+        </p:nvSpPr>
+        <p:spPr>
+          <a:xfrm>
+            <a:off x="3833139" y="812640"/>
+            <a:ext cx="91138" cy="91138"/>
+          </a:xfrm>
+          <a:custGeom>
+            <a:avLst/>
+            <a:gdLst>
+              <a:gd name="connsiteX0" fmla="*/ 91138 w 91138"/>
+              <a:gd name="connsiteY0" fmla="*/ 45569 h 91138"/>
+              <a:gd name="connsiteX1" fmla="*/ 45569 w 91138"/>
+              <a:gd name="connsiteY1" fmla="*/ 91138 h 91138"/>
+              <a:gd name="connsiteX2" fmla="*/ 0 w 91138"/>
+              <a:gd name="connsiteY2" fmla="*/ 45569 h 91138"/>
+              <a:gd name="connsiteX3" fmla="*/ 45569 w 91138"/>
+              <a:gd name="connsiteY3" fmla="*/ 0 h 91138"/>
+              <a:gd name="connsiteX4" fmla="*/ 91138 w 91138"/>
+              <a:gd name="connsiteY4" fmla="*/ 45569 h 91138"/>
+            </a:gdLst>
+            <a:ahLst/>
+            <a:cxnLst>
+              <a:cxn ang="0">
+                <a:pos x="connsiteX0" y="connsiteY0"/>
+              </a:cxn>
+              <a:cxn ang="0">
+                <a:pos x="connsiteX1" y="connsiteY1"/>
+              </a:cxn>
+              <a:cxn ang="0">
+                <a:pos x="connsiteX2" y="connsiteY2"/>
+              </a:cxn>
+              <a:cxn ang="0">
+                <a:pos x="connsiteX3" y="connsiteY3"/>
+              </a:cxn>
+              <a:cxn ang="0">
+                <a:pos x="connsiteX4" y="connsiteY4"/>
+              </a:cxn>
+            </a:cxnLst>
+            <a:rect l="l" t="t" r="r" b="b"/>
+            <a:pathLst>
+              <a:path w="91138" h="91138">
+                <a:moveTo>
+                  <a:pt x="91138" y="45569"/>
+                </a:moveTo>
+                <a:cubicBezTo>
+                  <a:pt x="91138" y="70736"/>
+                  <a:pt x="70736" y="91138"/>
+                  <a:pt x="45569" y="91138"/>
+                </a:cubicBezTo>
+                <a:cubicBezTo>
+                  <a:pt x="20402" y="91138"/>
+                  <a:pt x="0" y="70736"/>
+                  <a:pt x="0" y="45569"/>
+                </a:cubicBezTo>
+                <a:cubicBezTo>
+                  <a:pt x="0" y="20402"/>
+                  <a:pt x="20402" y="0"/>
+                  <a:pt x="45569" y="0"/>
+                </a:cubicBezTo>
+                <a:cubicBezTo>
+                  <a:pt x="70736" y="0"/>
+                  <a:pt x="91138" y="20402"/>
+                  <a:pt x="91138" y="45569"/>
+                </a:cubicBezTo>
+                <a:close/>
+              </a:path>
+            </a:pathLst>
+          </a:custGeom>
+          <a:solidFill>
+            <a:srgbClr val="FFFFFF"/>
+          </a:solidFill>
+          <a:ln w="422" cap="flat">
+            <a:noFill/>
+            <a:prstDash val="solid"/>
+            <a:miter/>
+          </a:ln>
+        </p:spPr>
+        <p:txBody>
+          <a:bodyPr rtlCol="0" anchor="ctr"/>
+          <a:lstStyle/>
+          <a:p>
+            <a:endParaRPr lang="en-US">
+              <a:solidFill>
+                <a:srgbClr val="FFFFFF"/>
+              </a:solidFill>
+            </a:endParaRPr>
+          </a:p>
+        </p:txBody>
+      </p:sp>
+      <p:sp>
+        <p:nvSpPr>
+          <p:cNvPr id="212" name="Graphic 15">
+            <a:extLst>
+              <a:ext uri="{FF2B5EF4-FFF2-40B4-BE49-F238E27FC236}">
+                <a16:creationId xmlns:a16="http://schemas.microsoft.com/office/drawing/2014/main" id="{AEA7509D-F04F-40CB-A0B3-EEF16499CC9F}"/>
+              </a:ext>
+              <a:ext uri="{C183D7F6-B498-43B3-948B-1728B52AA6E4}">
+                <adec:decorative xmlns:adec="http://schemas.microsoft.com/office/drawing/2017/decorative" val="1"/>
+              </a:ext>
+            </a:extLst>
+          </p:cNvPr>
+          <p:cNvSpPr>
+            <a:spLocks noGrp="1" noRot="1" noChangeAspect="1" noMove="1" noResize="1" noEditPoints="1" noAdjustHandles="1" noChangeArrowheads="1" noChangeShapeType="1" noTextEdit="1"/>
+          </p:cNvSpPr>
+          <p:nvPr>
+            <p:extLst>
+              <p:ext uri="{386F3935-93C4-4BCD-93E2-E3B085C9AB24}">
+                <p16:designElem xmlns:p16="http://schemas.microsoft.com/office/powerpoint/2015/main" val="1"/>
+              </p:ext>
+            </p:extLst>
+          </p:nvPr>
+        </p:nvSpPr>
+        <p:spPr>
+          <a:xfrm>
+            <a:off x="3458819" y="1037066"/>
+            <a:ext cx="127714" cy="127714"/>
+          </a:xfrm>
+          <a:custGeom>
+            <a:avLst/>
+            <a:gdLst>
+              <a:gd name="connsiteX0" fmla="*/ 63857 w 127714"/>
+              <a:gd name="connsiteY0" fmla="*/ 18874 h 127714"/>
+              <a:gd name="connsiteX1" fmla="*/ 108840 w 127714"/>
+              <a:gd name="connsiteY1" fmla="*/ 63857 h 127714"/>
+              <a:gd name="connsiteX2" fmla="*/ 63857 w 127714"/>
+              <a:gd name="connsiteY2" fmla="*/ 108840 h 127714"/>
+              <a:gd name="connsiteX3" fmla="*/ 18874 w 127714"/>
+              <a:gd name="connsiteY3" fmla="*/ 63857 h 127714"/>
+              <a:gd name="connsiteX4" fmla="*/ 63857 w 127714"/>
+              <a:gd name="connsiteY4" fmla="*/ 18874 h 127714"/>
+              <a:gd name="connsiteX5" fmla="*/ 63857 w 127714"/>
+              <a:gd name="connsiteY5" fmla="*/ 0 h 127714"/>
+              <a:gd name="connsiteX6" fmla="*/ 0 w 127714"/>
+              <a:gd name="connsiteY6" fmla="*/ 63857 h 127714"/>
+              <a:gd name="connsiteX7" fmla="*/ 63857 w 127714"/>
+              <a:gd name="connsiteY7" fmla="*/ 127714 h 127714"/>
+              <a:gd name="connsiteX8" fmla="*/ 127714 w 127714"/>
+              <a:gd name="connsiteY8" fmla="*/ 63857 h 127714"/>
+              <a:gd name="connsiteX9" fmla="*/ 63857 w 127714"/>
+              <a:gd name="connsiteY9" fmla="*/ 0 h 127714"/>
+            </a:gdLst>
+            <a:ahLst/>
+            <a:cxnLst>
+              <a:cxn ang="0">
+                <a:pos x="connsiteX0" y="connsiteY0"/>
+              </a:cxn>
+              <a:cxn ang="0">
+                <a:pos x="connsiteX1" y="connsiteY1"/>
+              </a:cxn>
+              <a:cxn ang="0">
+                <a:pos x="connsiteX2" y="connsiteY2"/>
+              </a:cxn>
+              <a:cxn ang="0">
+                <a:pos x="connsiteX3" y="connsiteY3"/>
+              </a:cxn>
+              <a:cxn ang="0">
+                <a:pos x="connsiteX4" y="connsiteY4"/>
+              </a:cxn>
+              <a:cxn ang="0">
+                <a:pos x="connsiteX5" y="connsiteY5"/>
+              </a:cxn>
+              <a:cxn ang="0">
+                <a:pos x="connsiteX6" y="connsiteY6"/>
+              </a:cxn>
+              <a:cxn ang="0">
+                <a:pos x="connsiteX7" y="connsiteY7"/>
+              </a:cxn>
+              <a:cxn ang="0">
+                <a:pos x="connsiteX8" y="connsiteY8"/>
+              </a:cxn>
+              <a:cxn ang="0">
+                <a:pos x="connsiteX9" y="connsiteY9"/>
+              </a:cxn>
+            </a:cxnLst>
+            <a:rect l="l" t="t" r="r" b="b"/>
+            <a:pathLst>
+              <a:path w="127714" h="127714">
+                <a:moveTo>
+                  <a:pt x="63857" y="18874"/>
+                </a:moveTo>
+                <a:cubicBezTo>
+                  <a:pt x="88700" y="18874"/>
+                  <a:pt x="108840" y="39014"/>
+                  <a:pt x="108840" y="63857"/>
+                </a:cubicBezTo>
+                <a:cubicBezTo>
+                  <a:pt x="108840" y="88700"/>
+                  <a:pt x="88700" y="108840"/>
+                  <a:pt x="63857" y="108840"/>
+                </a:cubicBezTo>
+                <a:cubicBezTo>
+                  <a:pt x="39014" y="108840"/>
+                  <a:pt x="18874" y="88700"/>
+                  <a:pt x="18874" y="63857"/>
+                </a:cubicBezTo>
+                <a:cubicBezTo>
+                  <a:pt x="18898" y="39024"/>
+                  <a:pt x="39024" y="18898"/>
+                  <a:pt x="63857" y="18874"/>
+                </a:cubicBezTo>
+                <a:moveTo>
+                  <a:pt x="63857" y="0"/>
+                </a:moveTo>
+                <a:cubicBezTo>
+                  <a:pt x="28590" y="0"/>
+                  <a:pt x="0" y="28590"/>
+                  <a:pt x="0" y="63857"/>
+                </a:cubicBezTo>
+                <a:cubicBezTo>
+                  <a:pt x="0" y="99124"/>
+                  <a:pt x="28590" y="127714"/>
+                  <a:pt x="63857" y="127714"/>
+                </a:cubicBezTo>
+                <a:cubicBezTo>
+                  <a:pt x="99124" y="127714"/>
+                  <a:pt x="127714" y="99124"/>
+                  <a:pt x="127714" y="63857"/>
+                </a:cubicBezTo>
+                <a:cubicBezTo>
+                  <a:pt x="127714" y="28590"/>
+                  <a:pt x="99124" y="0"/>
+                  <a:pt x="63857" y="0"/>
+                </a:cubicBezTo>
+                <a:close/>
+              </a:path>
+            </a:pathLst>
+          </a:custGeom>
+          <a:solidFill>
+            <a:srgbClr val="FFFFFF"/>
+          </a:solidFill>
+          <a:ln w="610" cap="flat">
+            <a:noFill/>
+            <a:prstDash val="solid"/>
+            <a:miter/>
+          </a:ln>
+        </p:spPr>
+        <p:txBody>
+          <a:bodyPr rtlCol="0" anchor="ctr"/>
+          <a:lstStyle/>
+          <a:p>
+            <a:endParaRPr lang="en-US">
+              <a:solidFill>
+                <a:srgbClr val="FFFFFF"/>
+              </a:solidFill>
+            </a:endParaRPr>
+          </a:p>
+        </p:txBody>
+      </p:sp>
+      <p:cxnSp>
+        <p:nvCxnSpPr>
+          <p:cNvPr id="214" name="Straight Connector 213">
+            <a:extLst>
+              <a:ext uri="{FF2B5EF4-FFF2-40B4-BE49-F238E27FC236}">
+                <a16:creationId xmlns:a16="http://schemas.microsoft.com/office/drawing/2014/main" id="{56020367-4FD5-4596-8E10-C5F095CD8DBF}"/>
+              </a:ext>
+              <a:ext uri="{C183D7F6-B498-43B3-948B-1728B52AA6E4}">
+                <adec:decorative xmlns:adec="http://schemas.microsoft.com/office/drawing/2017/decorative" val="1"/>
+              </a:ext>
+            </a:extLst>
+          </p:cNvPr>
+          <p:cNvCxnSpPr>
+            <a:cxnSpLocks noGrp="1" noRot="1" noChangeAspect="1" noMove="1" noResize="1" noEditPoints="1" noAdjustHandles="1" noChangeArrowheads="1" noChangeShapeType="1"/>
+          </p:cNvCxnSpPr>
+          <p:nvPr>
+            <p:extLst>
+              <p:ext uri="{386F3935-93C4-4BCD-93E2-E3B085C9AB24}">
+                <p16:designElem xmlns:p16="http://schemas.microsoft.com/office/powerpoint/2015/main" val="1"/>
+              </p:ext>
+            </p:extLst>
+          </p:nvPr>
+        </p:nvCxnSpPr>
+        <p:spPr>
+          <a:xfrm>
+            <a:off x="856114" y="3503032"/>
+            <a:ext cx="0" cy="3346090"/>
+          </a:xfrm>
+          <a:prstGeom prst="line">
+            <a:avLst/>
+          </a:prstGeom>
+          <a:ln w="25400" cap="sq">
+            <a:solidFill>
+              <a:srgbClr val="FFFFFF"/>
+            </a:solidFill>
+            <a:bevel/>
+          </a:ln>
+        </p:spPr>
+        <p:style>
+          <a:lnRef idx="1">
+            <a:schemeClr val="accent1"/>
+          </a:lnRef>
+          <a:fillRef idx="0">
+            <a:schemeClr val="accent1"/>
+          </a:fillRef>
+          <a:effectRef idx="0">
+            <a:schemeClr val="accent1"/>
+          </a:effectRef>
+          <a:fontRef idx="minor">
+            <a:schemeClr val="tx1"/>
+          </a:fontRef>
+        </p:style>
+      </p:cxnSp>
+      <p:sp>
+        <p:nvSpPr>
+          <p:cNvPr id="216" name="Graphic 22">
+            <a:extLst>
+              <a:ext uri="{FF2B5EF4-FFF2-40B4-BE49-F238E27FC236}">
+                <a16:creationId xmlns:a16="http://schemas.microsoft.com/office/drawing/2014/main" id="{508BEF50-7B1E-49A4-BC19-5F4F1D755E64}"/>
+              </a:ext>
+              <a:ext uri="{C183D7F6-B498-43B3-948B-1728B52AA6E4}">
+                <adec:decorative xmlns:adec="http://schemas.microsoft.com/office/drawing/2017/decorative" val="1"/>
+              </a:ext>
+            </a:extLst>
+          </p:cNvPr>
+          <p:cNvSpPr>
+            <a:spLocks noGrp="1" noRot="1" noChangeAspect="1" noMove="1" noResize="1" noEditPoints="1" noAdjustHandles="1" noChangeArrowheads="1" noChangeShapeType="1" noTextEdit="1"/>
+          </p:cNvSpPr>
+          <p:nvPr>
+            <p:extLst>
+              <p:ext uri="{386F3935-93C4-4BCD-93E2-E3B085C9AB24}">
+                <p16:designElem xmlns:p16="http://schemas.microsoft.com/office/powerpoint/2015/main" val="1"/>
+              </p:ext>
+            </p:extLst>
+          </p:nvPr>
+        </p:nvSpPr>
+        <p:spPr>
+          <a:xfrm>
+            <a:off x="10836425" y="5636680"/>
+            <a:ext cx="151536" cy="151536"/>
+          </a:xfrm>
+          <a:custGeom>
+            <a:avLst/>
+            <a:gdLst>
+              <a:gd name="connsiteX0" fmla="*/ 141251 w 151536"/>
+              <a:gd name="connsiteY0" fmla="*/ 65483 h 151536"/>
+              <a:gd name="connsiteX1" fmla="*/ 86053 w 151536"/>
+              <a:gd name="connsiteY1" fmla="*/ 65483 h 151536"/>
+              <a:gd name="connsiteX2" fmla="*/ 86053 w 151536"/>
+              <a:gd name="connsiteY2" fmla="*/ 10285 h 151536"/>
+              <a:gd name="connsiteX3" fmla="*/ 75768 w 151536"/>
+              <a:gd name="connsiteY3" fmla="*/ 0 h 151536"/>
+              <a:gd name="connsiteX4" fmla="*/ 65483 w 151536"/>
+              <a:gd name="connsiteY4" fmla="*/ 10285 h 151536"/>
+              <a:gd name="connsiteX5" fmla="*/ 65483 w 151536"/>
+              <a:gd name="connsiteY5" fmla="*/ 65483 h 151536"/>
+              <a:gd name="connsiteX6" fmla="*/ 10285 w 151536"/>
+              <a:gd name="connsiteY6" fmla="*/ 65483 h 151536"/>
+              <a:gd name="connsiteX7" fmla="*/ 0 w 151536"/>
+              <a:gd name="connsiteY7" fmla="*/ 75768 h 151536"/>
+              <a:gd name="connsiteX8" fmla="*/ 10285 w 151536"/>
+              <a:gd name="connsiteY8" fmla="*/ 86053 h 151536"/>
+              <a:gd name="connsiteX9" fmla="*/ 65483 w 151536"/>
+              <a:gd name="connsiteY9" fmla="*/ 86053 h 151536"/>
+              <a:gd name="connsiteX10" fmla="*/ 65483 w 151536"/>
+              <a:gd name="connsiteY10" fmla="*/ 141251 h 151536"/>
+              <a:gd name="connsiteX11" fmla="*/ 75768 w 151536"/>
+              <a:gd name="connsiteY11" fmla="*/ 151536 h 151536"/>
+              <a:gd name="connsiteX12" fmla="*/ 86053 w 151536"/>
+              <a:gd name="connsiteY12" fmla="*/ 141251 h 151536"/>
+              <a:gd name="connsiteX13" fmla="*/ 86053 w 151536"/>
+              <a:gd name="connsiteY13" fmla="*/ 86053 h 151536"/>
+              <a:gd name="connsiteX14" fmla="*/ 141251 w 151536"/>
+              <a:gd name="connsiteY14" fmla="*/ 86053 h 151536"/>
+              <a:gd name="connsiteX15" fmla="*/ 151536 w 151536"/>
+              <a:gd name="connsiteY15" fmla="*/ 75768 h 151536"/>
+              <a:gd name="connsiteX16" fmla="*/ 141251 w 151536"/>
+              <a:gd name="connsiteY16" fmla="*/ 65483 h 151536"/>
+            </a:gdLst>
+            <a:ahLst/>
+            <a:cxnLst>
+              <a:cxn ang="0">
+                <a:pos x="connsiteX0" y="connsiteY0"/>
+              </a:cxn>
+              <a:cxn ang="0">
+                <a:pos x="connsiteX1" y="connsiteY1"/>
+              </a:cxn>
+              <a:cxn ang="0">
+                <a:pos x="connsiteX2" y="connsiteY2"/>
+              </a:cxn>
+              <a:cxn ang="0">
+                <a:pos x="connsiteX3" y="connsiteY3"/>
+              </a:cxn>
+              <a:cxn ang="0">
+                <a:pos x="connsiteX4" y="connsiteY4"/>
+              </a:cxn>
+              <a:cxn ang="0">
+                <a:pos x="connsiteX5" y="connsiteY5"/>
+              </a:cxn>
+              <a:cxn ang="0">
+                <a:pos x="connsiteX6" y="connsiteY6"/>
+              </a:cxn>
+              <a:cxn ang="0">
+                <a:pos x="connsiteX7" y="connsiteY7"/>
+              </a:cxn>
+              <a:cxn ang="0">
+                <a:pos x="connsiteX8" y="connsiteY8"/>
+              </a:cxn>
+              <a:cxn ang="0">
+                <a:pos x="connsiteX9" y="connsiteY9"/>
+              </a:cxn>
+              <a:cxn ang="0">
+                <a:pos x="connsiteX10" y="connsiteY10"/>
+              </a:cxn>
+              <a:cxn ang="0">
+                <a:pos x="connsiteX11" y="connsiteY11"/>
+              </a:cxn>
+              <a:cxn ang="0">
+                <a:pos x="connsiteX12" y="connsiteY12"/>
+              </a:cxn>
+              <a:cxn ang="0">
+                <a:pos x="connsiteX13" y="connsiteY13"/>
+              </a:cxn>
+              <a:cxn ang="0">
+                <a:pos x="connsiteX14" y="connsiteY14"/>
+              </a:cxn>
+              <a:cxn ang="0">
+                <a:pos x="connsiteX15" y="connsiteY15"/>
+              </a:cxn>
+              <a:cxn ang="0">
+                <a:pos x="connsiteX16" y="connsiteY16"/>
+              </a:cxn>
+            </a:cxnLst>
+            <a:rect l="l" t="t" r="r" b="b"/>
+            <a:pathLst>
+              <a:path w="151536" h="151536">
+                <a:moveTo>
+                  <a:pt x="141251" y="65483"/>
+                </a:moveTo>
+                <a:lnTo>
+                  <a:pt x="86053" y="65483"/>
+                </a:lnTo>
+                <a:lnTo>
+                  <a:pt x="86053" y="10285"/>
+                </a:lnTo>
+                <a:cubicBezTo>
+                  <a:pt x="86053" y="4605"/>
+                  <a:pt x="81448" y="0"/>
+                  <a:pt x="75768" y="0"/>
+                </a:cubicBezTo>
+                <a:cubicBezTo>
+                  <a:pt x="70088" y="0"/>
+                  <a:pt x="65483" y="4605"/>
+                  <a:pt x="65483" y="10285"/>
+                </a:cubicBezTo>
+                <a:lnTo>
+                  <a:pt x="65483" y="65483"/>
+                </a:lnTo>
+                <a:lnTo>
+                  <a:pt x="10285" y="65483"/>
+                </a:lnTo>
+                <a:cubicBezTo>
+                  <a:pt x="4605" y="65483"/>
+                  <a:pt x="0" y="70088"/>
+                  <a:pt x="0" y="75768"/>
+                </a:cubicBezTo>
+                <a:cubicBezTo>
+                  <a:pt x="0" y="81448"/>
+                  <a:pt x="4605" y="86053"/>
+                  <a:pt x="10285" y="86053"/>
+                </a:cubicBezTo>
+                <a:lnTo>
+                  <a:pt x="65483" y="86053"/>
+                </a:lnTo>
+                <a:lnTo>
+                  <a:pt x="65483" y="141251"/>
+                </a:lnTo>
+                <a:cubicBezTo>
+                  <a:pt x="65483" y="146931"/>
+                  <a:pt x="70088" y="151536"/>
+                  <a:pt x="75768" y="151536"/>
+                </a:cubicBezTo>
+                <a:cubicBezTo>
+                  <a:pt x="81448" y="151536"/>
+                  <a:pt x="86053" y="146931"/>
+                  <a:pt x="86053" y="141251"/>
+                </a:cubicBezTo>
+                <a:lnTo>
+                  <a:pt x="86053" y="86053"/>
+                </a:lnTo>
+                <a:lnTo>
+                  <a:pt x="141251" y="86053"/>
+                </a:lnTo>
+                <a:cubicBezTo>
+                  <a:pt x="146931" y="86053"/>
+                  <a:pt x="151536" y="81448"/>
+                  <a:pt x="151536" y="75768"/>
+                </a:cubicBezTo>
+                <a:cubicBezTo>
+                  <a:pt x="151536" y="70088"/>
+                  <a:pt x="146931" y="65483"/>
+                  <a:pt x="141251" y="65483"/>
+                </a:cubicBezTo>
+                <a:close/>
+              </a:path>
+            </a:pathLst>
+          </a:custGeom>
+          <a:solidFill>
+            <a:srgbClr val="FFFFFF"/>
+          </a:solidFill>
+          <a:ln w="646" cap="flat">
+            <a:noFill/>
+            <a:prstDash val="solid"/>
+            <a:miter/>
+          </a:ln>
+        </p:spPr>
+        <p:txBody>
+          <a:bodyPr rtlCol="0" anchor="ctr"/>
+          <a:lstStyle/>
+          <a:p>
+            <a:endParaRPr lang="en-US">
+              <a:solidFill>
+                <a:srgbClr val="FFFFFF"/>
+              </a:solidFill>
+            </a:endParaRPr>
+          </a:p>
+        </p:txBody>
+      </p:sp>
+      <p:sp>
+        <p:nvSpPr>
+          <p:cNvPr id="218" name="Graphic 23">
+            <a:extLst>
+              <a:ext uri="{FF2B5EF4-FFF2-40B4-BE49-F238E27FC236}">
+                <a16:creationId xmlns:a16="http://schemas.microsoft.com/office/drawing/2014/main" id="{3FBAD350-5664-4811-A208-657FB882D350}"/>
+              </a:ext>
+              <a:ext uri="{C183D7F6-B498-43B3-948B-1728B52AA6E4}">
+                <adec:decorative xmlns:adec="http://schemas.microsoft.com/office/drawing/2017/decorative" val="1"/>
+              </a:ext>
+            </a:extLst>
+          </p:cNvPr>
+          <p:cNvSpPr>
+            <a:spLocks noGrp="1" noRot="1" noChangeAspect="1" noMove="1" noResize="1" noEditPoints="1" noAdjustHandles="1" noChangeArrowheads="1" noChangeShapeType="1" noTextEdit="1"/>
+          </p:cNvSpPr>
+          <p:nvPr>
+            <p:extLst>
+              <p:ext uri="{386F3935-93C4-4BCD-93E2-E3B085C9AB24}">
+                <p16:designElem xmlns:p16="http://schemas.microsoft.com/office/powerpoint/2015/main" val="1"/>
+              </p:ext>
+            </p:extLst>
+          </p:nvPr>
+        </p:nvSpPr>
+        <p:spPr>
+          <a:xfrm>
+            <a:off x="11245175" y="6096759"/>
+            <a:ext cx="108625" cy="108625"/>
+          </a:xfrm>
+          <a:custGeom>
+            <a:avLst/>
+            <a:gdLst>
+              <a:gd name="connsiteX0" fmla="*/ 54313 w 108625"/>
+              <a:gd name="connsiteY0" fmla="*/ 16053 h 108625"/>
+              <a:gd name="connsiteX1" fmla="*/ 92572 w 108625"/>
+              <a:gd name="connsiteY1" fmla="*/ 54313 h 108625"/>
+              <a:gd name="connsiteX2" fmla="*/ 54313 w 108625"/>
+              <a:gd name="connsiteY2" fmla="*/ 92572 h 108625"/>
+              <a:gd name="connsiteX3" fmla="*/ 16053 w 108625"/>
+              <a:gd name="connsiteY3" fmla="*/ 54313 h 108625"/>
+              <a:gd name="connsiteX4" fmla="*/ 54313 w 108625"/>
+              <a:gd name="connsiteY4" fmla="*/ 16053 h 108625"/>
+              <a:gd name="connsiteX5" fmla="*/ 54313 w 108625"/>
+              <a:gd name="connsiteY5" fmla="*/ 0 h 108625"/>
+              <a:gd name="connsiteX6" fmla="*/ 0 w 108625"/>
+              <a:gd name="connsiteY6" fmla="*/ 54313 h 108625"/>
+              <a:gd name="connsiteX7" fmla="*/ 54313 w 108625"/>
+              <a:gd name="connsiteY7" fmla="*/ 108625 h 108625"/>
+              <a:gd name="connsiteX8" fmla="*/ 108625 w 108625"/>
+              <a:gd name="connsiteY8" fmla="*/ 54313 h 108625"/>
+              <a:gd name="connsiteX9" fmla="*/ 54313 w 108625"/>
+              <a:gd name="connsiteY9" fmla="*/ 0 h 108625"/>
+            </a:gdLst>
+            <a:ahLst/>
+            <a:cxnLst>
+              <a:cxn ang="0">
+                <a:pos x="connsiteX0" y="connsiteY0"/>
+              </a:cxn>
+              <a:cxn ang="0">
+                <a:pos x="connsiteX1" y="connsiteY1"/>
+              </a:cxn>
+              <a:cxn ang="0">
+                <a:pos x="connsiteX2" y="connsiteY2"/>
+              </a:cxn>
+              <a:cxn ang="0">
+                <a:pos x="connsiteX3" y="connsiteY3"/>
+              </a:cxn>
+              <a:cxn ang="0">
+                <a:pos x="connsiteX4" y="connsiteY4"/>
+              </a:cxn>
+              <a:cxn ang="0">
+                <a:pos x="connsiteX5" y="connsiteY5"/>
+              </a:cxn>
+              <a:cxn ang="0">
+                <a:pos x="connsiteX6" y="connsiteY6"/>
+              </a:cxn>
+              <a:cxn ang="0">
+                <a:pos x="connsiteX7" y="connsiteY7"/>
+              </a:cxn>
+              <a:cxn ang="0">
+                <a:pos x="connsiteX8" y="connsiteY8"/>
+              </a:cxn>
+              <a:cxn ang="0">
+                <a:pos x="connsiteX9" y="connsiteY9"/>
+              </a:cxn>
+            </a:cxnLst>
+            <a:rect l="l" t="t" r="r" b="b"/>
+            <a:pathLst>
+              <a:path w="108625" h="108625">
+                <a:moveTo>
+                  <a:pt x="54313" y="16053"/>
+                </a:moveTo>
+                <a:cubicBezTo>
+                  <a:pt x="75442" y="16053"/>
+                  <a:pt x="92572" y="33182"/>
+                  <a:pt x="92572" y="54313"/>
+                </a:cubicBezTo>
+                <a:cubicBezTo>
+                  <a:pt x="92572" y="75442"/>
+                  <a:pt x="75442" y="92572"/>
+                  <a:pt x="54313" y="92572"/>
+                </a:cubicBezTo>
+                <a:cubicBezTo>
+                  <a:pt x="33182" y="92572"/>
+                  <a:pt x="16053" y="75442"/>
+                  <a:pt x="16053" y="54313"/>
+                </a:cubicBezTo>
+                <a:cubicBezTo>
+                  <a:pt x="16074" y="33191"/>
+                  <a:pt x="33191" y="16074"/>
+                  <a:pt x="54313" y="16053"/>
+                </a:cubicBezTo>
+                <a:moveTo>
+                  <a:pt x="54313" y="0"/>
+                </a:moveTo>
+                <a:cubicBezTo>
+                  <a:pt x="24317" y="0"/>
+                  <a:pt x="0" y="24317"/>
+                  <a:pt x="0" y="54313"/>
+                </a:cubicBezTo>
+                <a:cubicBezTo>
+                  <a:pt x="0" y="84309"/>
+                  <a:pt x="24317" y="108625"/>
+                  <a:pt x="54313" y="108625"/>
+                </a:cubicBezTo>
+                <a:cubicBezTo>
+                  <a:pt x="84309" y="108625"/>
+                  <a:pt x="108625" y="84309"/>
+                  <a:pt x="108625" y="54313"/>
+                </a:cubicBezTo>
+                <a:cubicBezTo>
+                  <a:pt x="108625" y="24317"/>
+                  <a:pt x="84309" y="0"/>
+                  <a:pt x="54313" y="0"/>
+                </a:cubicBezTo>
+                <a:close/>
+              </a:path>
+            </a:pathLst>
+          </a:custGeom>
+          <a:solidFill>
+            <a:srgbClr val="FFFFFF"/>
+          </a:solidFill>
+          <a:ln w="516" cap="flat">
+            <a:noFill/>
+            <a:prstDash val="solid"/>
+            <a:miter/>
+          </a:ln>
+        </p:spPr>
+        <p:txBody>
+          <a:bodyPr rtlCol="0" anchor="ctr"/>
+          <a:lstStyle/>
+          <a:p>
+            <a:endParaRPr lang="en-US">
+              <a:solidFill>
+                <a:srgbClr val="FFFFFF"/>
+              </a:solidFill>
+            </a:endParaRPr>
+          </a:p>
+        </p:txBody>
+      </p:sp>
+      <p:sp>
+        <p:nvSpPr>
+          <p:cNvPr id="220" name="Graphic 21">
+            <a:extLst>
+              <a:ext uri="{FF2B5EF4-FFF2-40B4-BE49-F238E27FC236}">
+                <a16:creationId xmlns:a16="http://schemas.microsoft.com/office/drawing/2014/main" id="{C39ADB8F-D187-49D7-BDCF-C1B6DC727068}"/>
+              </a:ext>
+              <a:ext uri="{C183D7F6-B498-43B3-948B-1728B52AA6E4}">
+                <adec:decorative xmlns:adec="http://schemas.microsoft.com/office/drawing/2017/decorative" val="1"/>
+              </a:ext>
+            </a:extLst>
+          </p:cNvPr>
+          <p:cNvSpPr>
+            <a:spLocks noGrp="1" noRot="1" noChangeAspect="1" noMove="1" noResize="1" noEditPoints="1" noAdjustHandles="1" noChangeArrowheads="1" noChangeShapeType="1" noTextEdit="1"/>
+          </p:cNvSpPr>
+          <p:nvPr>
+            <p:extLst>
+              <p:ext uri="{386F3935-93C4-4BCD-93E2-E3B085C9AB24}">
+                <p16:designElem xmlns:p16="http://schemas.microsoft.com/office/powerpoint/2015/main" val="1"/>
+              </p:ext>
+            </p:extLst>
+          </p:nvPr>
+        </p:nvSpPr>
+        <p:spPr>
+          <a:xfrm>
+            <a:off x="10554288" y="6238029"/>
+            <a:ext cx="95759" cy="95759"/>
+          </a:xfrm>
+          <a:custGeom>
+            <a:avLst/>
+            <a:gdLst>
+              <a:gd name="connsiteX0" fmla="*/ 95759 w 95759"/>
+              <a:gd name="connsiteY0" fmla="*/ 47880 h 95759"/>
+              <a:gd name="connsiteX1" fmla="*/ 47880 w 95759"/>
+              <a:gd name="connsiteY1" fmla="*/ 95759 h 95759"/>
+              <a:gd name="connsiteX2" fmla="*/ 0 w 95759"/>
+              <a:gd name="connsiteY2" fmla="*/ 47880 h 95759"/>
+              <a:gd name="connsiteX3" fmla="*/ 47880 w 95759"/>
+              <a:gd name="connsiteY3" fmla="*/ 0 h 95759"/>
+              <a:gd name="connsiteX4" fmla="*/ 95759 w 95759"/>
+              <a:gd name="connsiteY4" fmla="*/ 47880 h 95759"/>
+            </a:gdLst>
+            <a:ahLst/>
+            <a:cxnLst>
+              <a:cxn ang="0">
+                <a:pos x="connsiteX0" y="connsiteY0"/>
+              </a:cxn>
+              <a:cxn ang="0">
+                <a:pos x="connsiteX1" y="connsiteY1"/>
+              </a:cxn>
+              <a:cxn ang="0">
+                <a:pos x="connsiteX2" y="connsiteY2"/>
+              </a:cxn>
+              <a:cxn ang="0">
+                <a:pos x="connsiteX3" y="connsiteY3"/>
+              </a:cxn>
+              <a:cxn ang="0">
+                <a:pos x="connsiteX4" y="connsiteY4"/>
+              </a:cxn>
+            </a:cxnLst>
+            <a:rect l="l" t="t" r="r" b="b"/>
+            <a:pathLst>
+              <a:path w="95759" h="95759">
+                <a:moveTo>
+                  <a:pt x="95759" y="47880"/>
+                </a:moveTo>
+                <a:cubicBezTo>
+                  <a:pt x="95759" y="74323"/>
+                  <a:pt x="74323" y="95759"/>
+                  <a:pt x="47880" y="95759"/>
+                </a:cubicBezTo>
+                <a:cubicBezTo>
+                  <a:pt x="21436" y="95759"/>
+                  <a:pt x="0" y="74323"/>
+                  <a:pt x="0" y="47880"/>
+                </a:cubicBezTo>
+                <a:cubicBezTo>
+                  <a:pt x="0" y="21436"/>
+                  <a:pt x="21436" y="0"/>
+                  <a:pt x="47880" y="0"/>
+                </a:cubicBezTo>
+                <a:cubicBezTo>
+                  <a:pt x="74323" y="0"/>
+                  <a:pt x="95759" y="21436"/>
+                  <a:pt x="95759" y="47880"/>
+                </a:cubicBezTo>
+                <a:close/>
+              </a:path>
+            </a:pathLst>
+          </a:custGeom>
+          <a:solidFill>
+            <a:srgbClr val="FFFFFF"/>
+          </a:solidFill>
+          <a:ln w="469" cap="flat">
+            <a:noFill/>
+            <a:prstDash val="solid"/>
+            <a:miter/>
+          </a:ln>
+        </p:spPr>
+        <p:txBody>
+          <a:bodyPr rtlCol="0" anchor="ctr"/>
+          <a:lstStyle/>
+          <a:p>
+            <a:endParaRPr lang="en-US">
+              <a:solidFill>
+                <a:srgbClr val="FFFFFF"/>
+              </a:solidFill>
+            </a:endParaRPr>
           </a:p>
         </p:txBody>
       </p:sp>
@@ -15752,6 +20031,14 @@
 <file path=ppt/slides/slide13.xml><?xml version="1.0" encoding="utf-8"?>
 <p:sld xmlns:a="http://schemas.openxmlformats.org/drawingml/2006/main" xmlns:r="http://schemas.openxmlformats.org/officeDocument/2006/relationships" xmlns:p="http://schemas.openxmlformats.org/presentationml/2006/main">
   <p:cSld>
+    <p:bg>
+      <p:bgPr>
+        <a:solidFill>
+          <a:schemeClr val="bg1"/>
+        </a:solidFill>
+        <a:effectLst/>
+      </p:bgPr>
+    </p:bg>
     <p:spTree>
       <p:nvGrpSpPr>
         <p:cNvPr id="1" name="Shape 205"/>
@@ -15766,6 +20053,382 @@
           <a:chExt cx="0" cy="0"/>
         </a:xfrm>
       </p:grpSpPr>
+      <p:sp useBgFill="1">
+        <p:nvSpPr>
+          <p:cNvPr id="212" name="Rectangle 211">
+            <a:extLst>
+              <a:ext uri="{FF2B5EF4-FFF2-40B4-BE49-F238E27FC236}">
+                <a16:creationId xmlns:a16="http://schemas.microsoft.com/office/drawing/2014/main" id="{1B15ED52-F352-441B-82BF-E0EA34836D08}"/>
+              </a:ext>
+              <a:ext uri="{C183D7F6-B498-43B3-948B-1728B52AA6E4}">
+                <adec:decorative xmlns:adec="http://schemas.microsoft.com/office/drawing/2017/decorative" val="1"/>
+              </a:ext>
+            </a:extLst>
+          </p:cNvPr>
+          <p:cNvSpPr>
+            <a:spLocks noGrp="1" noRot="1" noChangeAspect="1" noMove="1" noResize="1" noEditPoints="1" noAdjustHandles="1" noChangeArrowheads="1" noChangeShapeType="1" noTextEdit="1"/>
+          </p:cNvSpPr>
+          <p:nvPr>
+            <p:extLst>
+              <p:ext uri="{386F3935-93C4-4BCD-93E2-E3B085C9AB24}">
+                <p16:designElem xmlns:p16="http://schemas.microsoft.com/office/powerpoint/2015/main" val="1"/>
+              </p:ext>
+            </p:extLst>
+          </p:nvPr>
+        </p:nvSpPr>
+        <p:spPr>
+          <a:xfrm>
+            <a:off x="0" y="0"/>
+            <a:ext cx="12192000" cy="6858000"/>
+          </a:xfrm>
+          <a:prstGeom prst="rect">
+            <a:avLst/>
+          </a:prstGeom>
+          <a:ln w="12700" cap="flat" cmpd="sng" algn="ctr">
+            <a:noFill/>
+            <a:prstDash val="solid"/>
+            <a:miter lim="800000"/>
+          </a:ln>
+          <a:effectLst/>
+          <a:extLst>
+            <a:ext uri="{91240B29-F687-4F45-9708-019B960494DF}">
+              <a14:hiddenLine xmlns:a14="http://schemas.microsoft.com/office/drawing/2010/main" w="12700" cap="flat" cmpd="sng" algn="ctr">
+                <a:solidFill>
+                  <a:schemeClr val="accent1">
+                    <a:shade val="50000"/>
+                  </a:schemeClr>
+                </a:solidFill>
+                <a:prstDash val="solid"/>
+                <a:miter lim="800000"/>
+              </a14:hiddenLine>
+            </a:ext>
+          </a:extLst>
+        </p:spPr>
+        <p:style>
+          <a:lnRef idx="2">
+            <a:schemeClr val="accent1">
+              <a:shade val="50000"/>
+            </a:schemeClr>
+          </a:lnRef>
+          <a:fillRef idx="1">
+            <a:schemeClr val="accent1"/>
+          </a:fillRef>
+          <a:effectRef idx="0">
+            <a:schemeClr val="accent1"/>
+          </a:effectRef>
+          <a:fontRef idx="minor">
+            <a:schemeClr val="lt1"/>
+          </a:fontRef>
+        </p:style>
+        <p:txBody>
+          <a:bodyPr rtlCol="0" anchor="ctr"/>
+          <a:lstStyle/>
+          <a:p>
+            <a:pPr algn="ctr"/>
+            <a:endParaRPr lang="en-US"/>
+          </a:p>
+        </p:txBody>
+      </p:sp>
+      <p:sp>
+        <p:nvSpPr>
+          <p:cNvPr id="214" name="Rectangle 213">
+            <a:extLst>
+              <a:ext uri="{FF2B5EF4-FFF2-40B4-BE49-F238E27FC236}">
+                <a16:creationId xmlns:a16="http://schemas.microsoft.com/office/drawing/2014/main" id="{3B2E3793-BFE6-45A2-9B7B-E18844431C99}"/>
+              </a:ext>
+              <a:ext uri="{C183D7F6-B498-43B3-948B-1728B52AA6E4}">
+                <adec:decorative xmlns:adec="http://schemas.microsoft.com/office/drawing/2017/decorative" val="1"/>
+              </a:ext>
+            </a:extLst>
+          </p:cNvPr>
+          <p:cNvSpPr>
+            <a:spLocks noGrp="1" noRot="1" noChangeAspect="1" noMove="1" noResize="1" noEditPoints="1" noAdjustHandles="1" noChangeArrowheads="1" noChangeShapeType="1" noTextEdit="1"/>
+          </p:cNvSpPr>
+          <p:nvPr>
+            <p:extLst>
+              <p:ext uri="{386F3935-93C4-4BCD-93E2-E3B085C9AB24}">
+                <p16:designElem xmlns:p16="http://schemas.microsoft.com/office/powerpoint/2015/main" val="1"/>
+              </p:ext>
+            </p:extLst>
+          </p:nvPr>
+        </p:nvSpPr>
+        <p:spPr>
+          <a:xfrm flipH="1">
+            <a:off x="-1" y="-1"/>
+            <a:ext cx="12191998" cy="1590742"/>
+          </a:xfrm>
+          <a:prstGeom prst="rect">
+            <a:avLst/>
+          </a:prstGeom>
+          <a:gradFill>
+            <a:gsLst>
+              <a:gs pos="0">
+                <a:srgbClr val="000000"/>
+              </a:gs>
+              <a:gs pos="100000">
+                <a:schemeClr val="accent1">
+                  <a:lumMod val="75000"/>
+                </a:schemeClr>
+              </a:gs>
+            </a:gsLst>
+            <a:lin ang="8400000" scaled="0"/>
+          </a:gradFill>
+          <a:ln>
+            <a:noFill/>
+          </a:ln>
+        </p:spPr>
+        <p:style>
+          <a:lnRef idx="2">
+            <a:schemeClr val="accent1">
+              <a:shade val="50000"/>
+            </a:schemeClr>
+          </a:lnRef>
+          <a:fillRef idx="1">
+            <a:schemeClr val="accent1"/>
+          </a:fillRef>
+          <a:effectRef idx="0">
+            <a:schemeClr val="accent1"/>
+          </a:effectRef>
+          <a:fontRef idx="minor">
+            <a:schemeClr val="lt1"/>
+          </a:fontRef>
+        </p:style>
+        <p:txBody>
+          <a:bodyPr rtlCol="0" anchor="ctr"/>
+          <a:lstStyle/>
+          <a:p>
+            <a:pPr algn="ctr"/>
+            <a:endParaRPr lang="en-US"/>
+          </a:p>
+        </p:txBody>
+      </p:sp>
+      <p:sp>
+        <p:nvSpPr>
+          <p:cNvPr id="216" name="Rectangle 215">
+            <a:extLst>
+              <a:ext uri="{FF2B5EF4-FFF2-40B4-BE49-F238E27FC236}">
+                <a16:creationId xmlns:a16="http://schemas.microsoft.com/office/drawing/2014/main" id="{BC4C4868-CB8F-4AF9-9CDB-8108F2C19B67}"/>
+              </a:ext>
+              <a:ext uri="{C183D7F6-B498-43B3-948B-1728B52AA6E4}">
+                <adec:decorative xmlns:adec="http://schemas.microsoft.com/office/drawing/2017/decorative" val="1"/>
+              </a:ext>
+            </a:extLst>
+          </p:cNvPr>
+          <p:cNvSpPr>
+            <a:spLocks noGrp="1" noRot="1" noChangeAspect="1" noMove="1" noResize="1" noEditPoints="1" noAdjustHandles="1" noChangeArrowheads="1" noChangeShapeType="1" noTextEdit="1"/>
+          </p:cNvSpPr>
+          <p:nvPr>
+            <p:extLst>
+              <p:ext uri="{386F3935-93C4-4BCD-93E2-E3B085C9AB24}">
+                <p16:designElem xmlns:p16="http://schemas.microsoft.com/office/powerpoint/2015/main" val="1"/>
+              </p:ext>
+            </p:extLst>
+          </p:nvPr>
+        </p:nvSpPr>
+        <p:spPr>
+          <a:xfrm rot="10800000" flipH="1">
+            <a:off x="-3" y="0"/>
+            <a:ext cx="8115306" cy="1590742"/>
+          </a:xfrm>
+          <a:prstGeom prst="rect">
+            <a:avLst/>
+          </a:prstGeom>
+          <a:gradFill>
+            <a:gsLst>
+              <a:gs pos="20000">
+                <a:schemeClr val="accent1">
+                  <a:alpha val="0"/>
+                </a:schemeClr>
+              </a:gs>
+              <a:gs pos="100000">
+                <a:schemeClr val="accent1">
+                  <a:lumMod val="50000"/>
+                  <a:alpha val="55000"/>
+                </a:schemeClr>
+              </a:gs>
+            </a:gsLst>
+            <a:lin ang="13800000" scaled="0"/>
+          </a:gradFill>
+          <a:ln>
+            <a:noFill/>
+          </a:ln>
+        </p:spPr>
+        <p:style>
+          <a:lnRef idx="2">
+            <a:schemeClr val="accent1">
+              <a:shade val="50000"/>
+            </a:schemeClr>
+          </a:lnRef>
+          <a:fillRef idx="1">
+            <a:schemeClr val="accent1"/>
+          </a:fillRef>
+          <a:effectRef idx="0">
+            <a:schemeClr val="accent1"/>
+          </a:effectRef>
+          <a:fontRef idx="minor">
+            <a:schemeClr val="lt1"/>
+          </a:fontRef>
+        </p:style>
+        <p:txBody>
+          <a:bodyPr rtlCol="0" anchor="ctr"/>
+          <a:lstStyle/>
+          <a:p>
+            <a:pPr algn="ctr"/>
+            <a:endParaRPr lang="en-US"/>
+          </a:p>
+        </p:txBody>
+      </p:sp>
+      <p:sp>
+        <p:nvSpPr>
+          <p:cNvPr id="218" name="Rectangle 217">
+            <a:extLst>
+              <a:ext uri="{FF2B5EF4-FFF2-40B4-BE49-F238E27FC236}">
+                <a16:creationId xmlns:a16="http://schemas.microsoft.com/office/drawing/2014/main" id="{375E0459-6403-40CD-989D-56A4407CA12E}"/>
+              </a:ext>
+              <a:ext uri="{C183D7F6-B498-43B3-948B-1728B52AA6E4}">
+                <adec:decorative xmlns:adec="http://schemas.microsoft.com/office/drawing/2017/decorative" val="1"/>
+              </a:ext>
+            </a:extLst>
+          </p:cNvPr>
+          <p:cNvSpPr>
+            <a:spLocks noGrp="1" noRot="1" noChangeAspect="1" noMove="1" noResize="1" noEditPoints="1" noAdjustHandles="1" noChangeArrowheads="1" noChangeShapeType="1" noTextEdit="1"/>
+          </p:cNvSpPr>
+          <p:nvPr>
+            <p:extLst>
+              <p:ext uri="{386F3935-93C4-4BCD-93E2-E3B085C9AB24}">
+                <p16:designElem xmlns:p16="http://schemas.microsoft.com/office/powerpoint/2015/main" val="1"/>
+              </p:ext>
+            </p:extLst>
+          </p:nvPr>
+        </p:nvSpPr>
+        <p:spPr>
+          <a:xfrm flipH="1">
+            <a:off x="8115299" y="-1"/>
+            <a:ext cx="4076698" cy="1590742"/>
+          </a:xfrm>
+          <a:prstGeom prst="rect">
+            <a:avLst/>
+          </a:prstGeom>
+          <a:gradFill>
+            <a:gsLst>
+              <a:gs pos="0">
+                <a:schemeClr val="accent1">
+                  <a:alpha val="66000"/>
+                </a:schemeClr>
+              </a:gs>
+              <a:gs pos="100000">
+                <a:srgbClr val="000000">
+                  <a:alpha val="30000"/>
+                </a:srgbClr>
+              </a:gs>
+            </a:gsLst>
+            <a:lin ang="13200000" scaled="0"/>
+          </a:gradFill>
+          <a:ln>
+            <a:noFill/>
+          </a:ln>
+        </p:spPr>
+        <p:style>
+          <a:lnRef idx="2">
+            <a:schemeClr val="accent1">
+              <a:shade val="50000"/>
+            </a:schemeClr>
+          </a:lnRef>
+          <a:fillRef idx="1">
+            <a:schemeClr val="accent1"/>
+          </a:fillRef>
+          <a:effectRef idx="0">
+            <a:schemeClr val="accent1"/>
+          </a:effectRef>
+          <a:fontRef idx="minor">
+            <a:schemeClr val="lt1"/>
+          </a:fontRef>
+        </p:style>
+        <p:txBody>
+          <a:bodyPr rtlCol="0" anchor="ctr"/>
+          <a:lstStyle/>
+          <a:p>
+            <a:pPr algn="ctr"/>
+            <a:endParaRPr lang="en-US"/>
+          </a:p>
+        </p:txBody>
+      </p:sp>
+      <p:sp>
+        <p:nvSpPr>
+          <p:cNvPr id="220" name="Rectangle 219">
+            <a:extLst>
+              <a:ext uri="{FF2B5EF4-FFF2-40B4-BE49-F238E27FC236}">
+                <a16:creationId xmlns:a16="http://schemas.microsoft.com/office/drawing/2014/main" id="{53E5B1A8-3AC9-4BD1-9BBC-78CA94F2D1BA}"/>
+              </a:ext>
+              <a:ext uri="{C183D7F6-B498-43B3-948B-1728B52AA6E4}">
+                <adec:decorative xmlns:adec="http://schemas.microsoft.com/office/drawing/2017/decorative" val="1"/>
+              </a:ext>
+            </a:extLst>
+          </p:cNvPr>
+          <p:cNvSpPr>
+            <a:spLocks noGrp="1" noRot="1" noChangeAspect="1" noMove="1" noResize="1" noEditPoints="1" noAdjustHandles="1" noChangeArrowheads="1" noChangeShapeType="1" noTextEdit="1"/>
+          </p:cNvSpPr>
+          <p:nvPr>
+            <p:extLst>
+              <p:ext uri="{386F3935-93C4-4BCD-93E2-E3B085C9AB24}">
+                <p16:designElem xmlns:p16="http://schemas.microsoft.com/office/powerpoint/2015/main" val="1"/>
+              </p:ext>
+            </p:extLst>
+          </p:nvPr>
+        </p:nvSpPr>
+        <p:spPr>
+          <a:xfrm>
+            <a:off x="459350" y="-1"/>
+            <a:ext cx="11732646" cy="1597433"/>
+          </a:xfrm>
+          <a:prstGeom prst="rect">
+            <a:avLst/>
+          </a:prstGeom>
+          <a:gradFill>
+            <a:gsLst>
+              <a:gs pos="50000">
+                <a:srgbClr val="000000">
+                  <a:alpha val="0"/>
+                </a:srgbClr>
+              </a:gs>
+              <a:gs pos="99000">
+                <a:schemeClr val="accent1">
+                  <a:lumMod val="50000"/>
+                  <a:alpha val="52000"/>
+                </a:schemeClr>
+              </a:gs>
+            </a:gsLst>
+            <a:lin ang="16800000" scaled="0"/>
+          </a:gradFill>
+          <a:ln>
+            <a:noFill/>
+          </a:ln>
+        </p:spPr>
+        <p:style>
+          <a:lnRef idx="2">
+            <a:schemeClr val="accent1">
+              <a:shade val="50000"/>
+            </a:schemeClr>
+          </a:lnRef>
+          <a:fillRef idx="1">
+            <a:schemeClr val="accent1"/>
+          </a:fillRef>
+          <a:effectRef idx="0">
+            <a:schemeClr val="accent1"/>
+          </a:effectRef>
+          <a:fontRef idx="minor">
+            <a:schemeClr val="lt1"/>
+          </a:fontRef>
+        </p:style>
+        <p:txBody>
+          <a:bodyPr rtlCol="0" anchor="ctr"/>
+          <a:lstStyle/>
+          <a:p>
+            <a:pPr algn="ctr"/>
+            <a:endParaRPr lang="en-US"/>
+          </a:p>
+        </p:txBody>
+      </p:sp>
       <p:sp>
         <p:nvSpPr>
           <p:cNvPr id="206" name="Google Shape;206;p14"/>
@@ -15778,27 +20441,20 @@
         </p:nvSpPr>
         <p:spPr>
           <a:xfrm>
-            <a:off x="838200" y="365125"/>
-            <a:ext cx="10515600" cy="1325563"/>
+            <a:off x="1371599" y="294538"/>
+            <a:ext cx="9895951" cy="1033669"/>
           </a:xfrm>
           <a:prstGeom prst="rect">
             <a:avLst/>
           </a:prstGeom>
-          <a:noFill/>
-          <a:ln>
-            <a:noFill/>
-          </a:ln>
         </p:spPr>
         <p:txBody>
-          <a:bodyPr spcFirstLastPara="1" wrap="square" lIns="91425" tIns="45700" rIns="91425" bIns="45700" anchor="ctr" anchorCtr="0">
+          <a:bodyPr spcFirstLastPara="1" lIns="91425" tIns="45700" rIns="91425" bIns="45700" anchorCtr="0">
             <a:normAutofit/>
           </a:bodyPr>
           <a:lstStyle/>
           <a:p>
-            <a:pPr marL="0" lvl="0" indent="0" algn="l" rtl="0">
-              <a:lnSpc>
-                <a:spcPct val="90000"/>
-              </a:lnSpc>
+            <a:pPr marL="0" lvl="0" indent="0" rtl="0">
               <a:spcBef>
                 <a:spcPts val="0"/>
               </a:spcBef>
@@ -15813,10 +20469,13 @@
               <a:buNone/>
             </a:pPr>
             <a:r>
-              <a:rPr lang="en-US"/>
+              <a:rPr lang="en-US" sz="4000">
+                <a:solidFill>
+                  <a:srgbClr val="FFFFFF"/>
+                </a:solidFill>
+              </a:rPr>
               <a:t>Data: Canadian Wind Turbines</a:t>
             </a:r>
-            <a:endParaRPr/>
           </a:p>
         </p:txBody>
       </p:sp>
@@ -15832,27 +20491,20 @@
         </p:nvSpPr>
         <p:spPr>
           <a:xfrm>
-            <a:off x="838200" y="1825625"/>
-            <a:ext cx="6348211" cy="4351338"/>
+            <a:off x="1371599" y="2318197"/>
+            <a:ext cx="9724031" cy="3683358"/>
           </a:xfrm>
           <a:prstGeom prst="rect">
             <a:avLst/>
           </a:prstGeom>
-          <a:noFill/>
-          <a:ln>
-            <a:noFill/>
-          </a:ln>
         </p:spPr>
         <p:txBody>
-          <a:bodyPr spcFirstLastPara="1" wrap="square" lIns="91425" tIns="45700" rIns="91425" bIns="45700" anchor="t" anchorCtr="0">
+          <a:bodyPr spcFirstLastPara="1" lIns="91425" tIns="45700" rIns="91425" bIns="45700" anchor="ctr" anchorCtr="0">
             <a:normAutofit/>
           </a:bodyPr>
           <a:lstStyle/>
           <a:p>
-            <a:pPr marL="228600" lvl="0" indent="-228600" algn="l" rtl="0">
-              <a:lnSpc>
-                <a:spcPct val="90000"/>
-              </a:lnSpc>
+            <a:pPr marL="228600" lvl="0" indent="-228600" rtl="0">
               <a:spcBef>
                 <a:spcPts val="0"/>
               </a:spcBef>
@@ -15866,16 +20518,12 @@
               <a:buChar char="•"/>
             </a:pPr>
             <a:r>
-              <a:rPr lang="en-US"/>
+              <a:rPr lang="en-US" sz="2000"/>
               <a:t>We will be using data on Canadian wind turbines (a Tidy Tuesday dataset)</a:t>
             </a:r>
-            <a:endParaRPr/>
           </a:p>
           <a:p>
-            <a:pPr marL="228600" lvl="0" indent="-228600" algn="l" rtl="0">
-              <a:lnSpc>
-                <a:spcPct val="90000"/>
-              </a:lnSpc>
+            <a:pPr marL="228600" lvl="0" indent="-228600" rtl="0">
               <a:spcBef>
                 <a:spcPts val="1000"/>
               </a:spcBef>
@@ -15889,16 +20537,12 @@
               <a:buChar char="•"/>
             </a:pPr>
             <a:r>
-              <a:rPr lang="en-US"/>
+              <a:rPr lang="en-US" sz="2000"/>
               <a:t>Download from Moodle and add to your lecture2/data directory</a:t>
             </a:r>
-            <a:endParaRPr/>
           </a:p>
           <a:p>
-            <a:pPr marL="228600" lvl="0" indent="-228600" algn="l" rtl="0">
-              <a:lnSpc>
-                <a:spcPct val="90000"/>
-              </a:lnSpc>
+            <a:pPr marL="228600" lvl="0" indent="-228600" rtl="0">
               <a:spcBef>
                 <a:spcPts val="1000"/>
               </a:spcBef>
@@ -15912,16 +20556,12 @@
               <a:buChar char="•"/>
             </a:pPr>
             <a:r>
-              <a:rPr lang="en-US"/>
+              <a:rPr lang="en-US" sz="2000"/>
               <a:t>Open a new R Notebook and save it as visualisation.Rmd</a:t>
             </a:r>
-            <a:endParaRPr/>
           </a:p>
           <a:p>
-            <a:pPr marL="228600" lvl="0" indent="-228600" algn="l" rtl="0">
-              <a:lnSpc>
-                <a:spcPct val="90000"/>
-              </a:lnSpc>
+            <a:pPr marL="228600" lvl="0" indent="-228600" rtl="0">
               <a:spcBef>
                 <a:spcPts val="1000"/>
               </a:spcBef>
@@ -15935,10 +20575,9 @@
               <a:buChar char="•"/>
             </a:pPr>
             <a:r>
-              <a:rPr lang="en-US"/>
+              <a:rPr lang="en-US" sz="2000"/>
               <a:t>Read the CSV file and assign it to an object called `turbines`</a:t>
             </a:r>
-            <a:endParaRPr/>
           </a:p>
         </p:txBody>
       </p:sp>
@@ -18894,6 +23533,14 @@
 <file path=ppt/slides/slide2.xml><?xml version="1.0" encoding="utf-8"?>
 <p:sld xmlns:a="http://schemas.openxmlformats.org/drawingml/2006/main" xmlns:r="http://schemas.openxmlformats.org/officeDocument/2006/relationships" xmlns:p="http://schemas.openxmlformats.org/presentationml/2006/main">
   <p:cSld>
+    <p:bg>
+      <p:bgPr>
+        <a:solidFill>
+          <a:schemeClr val="bg1"/>
+        </a:solidFill>
+        <a:effectLst/>
+      </p:bgPr>
+    </p:bg>
     <p:spTree>
       <p:nvGrpSpPr>
         <p:cNvPr id="1" name="Shape 95"/>
@@ -18908,6 +23555,142 @@
           <a:chExt cx="0" cy="0"/>
         </a:xfrm>
       </p:grpSpPr>
+      <p:sp useBgFill="1">
+        <p:nvSpPr>
+          <p:cNvPr id="102" name="Rectangle 101">
+            <a:extLst>
+              <a:ext uri="{FF2B5EF4-FFF2-40B4-BE49-F238E27FC236}">
+                <a16:creationId xmlns:a16="http://schemas.microsoft.com/office/drawing/2014/main" id="{A2679492-7988-4050-9056-542444452411}"/>
+              </a:ext>
+              <a:ext uri="{C183D7F6-B498-43B3-948B-1728B52AA6E4}">
+                <adec:decorative xmlns:adec="http://schemas.microsoft.com/office/drawing/2017/decorative" val="1"/>
+              </a:ext>
+            </a:extLst>
+          </p:cNvPr>
+          <p:cNvSpPr>
+            <a:spLocks noGrp="1" noRot="1" noChangeAspect="1" noMove="1" noResize="1" noEditPoints="1" noAdjustHandles="1" noChangeArrowheads="1" noChangeShapeType="1" noTextEdit="1"/>
+          </p:cNvSpPr>
+          <p:nvPr>
+            <p:extLst>
+              <p:ext uri="{386F3935-93C4-4BCD-93E2-E3B085C9AB24}">
+                <p16:designElem xmlns:p16="http://schemas.microsoft.com/office/powerpoint/2015/main" val="1"/>
+              </p:ext>
+            </p:extLst>
+          </p:nvPr>
+        </p:nvSpPr>
+        <p:spPr>
+          <a:xfrm>
+            <a:off x="0" y="0"/>
+            <a:ext cx="12192000" cy="6858000"/>
+          </a:xfrm>
+          <a:prstGeom prst="rect">
+            <a:avLst/>
+          </a:prstGeom>
+          <a:ln>
+            <a:noFill/>
+          </a:ln>
+        </p:spPr>
+        <p:style>
+          <a:lnRef idx="2">
+            <a:schemeClr val="accent1">
+              <a:shade val="50000"/>
+            </a:schemeClr>
+          </a:lnRef>
+          <a:fillRef idx="1">
+            <a:schemeClr val="accent1"/>
+          </a:fillRef>
+          <a:effectRef idx="0">
+            <a:schemeClr val="accent1"/>
+          </a:effectRef>
+          <a:fontRef idx="minor">
+            <a:schemeClr val="lt1"/>
+          </a:fontRef>
+        </p:style>
+        <p:txBody>
+          <a:bodyPr rtlCol="0" anchor="ctr"/>
+          <a:lstStyle/>
+          <a:p>
+            <a:pPr algn="ctr"/>
+            <a:endParaRPr lang="en-US"/>
+          </a:p>
+        </p:txBody>
+      </p:sp>
+      <p:sp>
+        <p:nvSpPr>
+          <p:cNvPr id="104" name="Rectangle 103">
+            <a:extLst>
+              <a:ext uri="{FF2B5EF4-FFF2-40B4-BE49-F238E27FC236}">
+                <a16:creationId xmlns:a16="http://schemas.microsoft.com/office/drawing/2014/main" id="{B091B163-7D61-4891-ABCF-5C13D9C418D0}"/>
+              </a:ext>
+              <a:ext uri="{C183D7F6-B498-43B3-948B-1728B52AA6E4}">
+                <adec:decorative xmlns:adec="http://schemas.microsoft.com/office/drawing/2017/decorative" val="1"/>
+              </a:ext>
+            </a:extLst>
+          </p:cNvPr>
+          <p:cNvSpPr>
+            <a:spLocks noGrp="1" noRot="1" noChangeAspect="1" noMove="1" noResize="1" noEditPoints="1" noAdjustHandles="1" noChangeArrowheads="1" noChangeShapeType="1" noTextEdit="1"/>
+          </p:cNvSpPr>
+          <p:nvPr>
+            <p:extLst>
+              <p:ext uri="{386F3935-93C4-4BCD-93E2-E3B085C9AB24}">
+                <p16:designElem xmlns:p16="http://schemas.microsoft.com/office/powerpoint/2015/main" val="1"/>
+              </p:ext>
+            </p:extLst>
+          </p:nvPr>
+        </p:nvSpPr>
+        <p:spPr>
+          <a:xfrm>
+            <a:off x="0" y="0"/>
+            <a:ext cx="5779911" cy="6858000"/>
+          </a:xfrm>
+          <a:prstGeom prst="rect">
+            <a:avLst/>
+          </a:prstGeom>
+          <a:gradFill flip="none" rotWithShape="1">
+            <a:gsLst>
+              <a:gs pos="0">
+                <a:schemeClr val="accent1"/>
+              </a:gs>
+              <a:gs pos="100000">
+                <a:schemeClr val="accent2"/>
+              </a:gs>
+            </a:gsLst>
+            <a:lin ang="2700000" scaled="1"/>
+            <a:tileRect/>
+          </a:gradFill>
+          <a:ln>
+            <a:noFill/>
+          </a:ln>
+        </p:spPr>
+        <p:style>
+          <a:lnRef idx="2">
+            <a:schemeClr val="accent1">
+              <a:shade val="50000"/>
+            </a:schemeClr>
+          </a:lnRef>
+          <a:fillRef idx="1">
+            <a:schemeClr val="accent1"/>
+          </a:fillRef>
+          <a:effectRef idx="0">
+            <a:schemeClr val="accent1"/>
+          </a:effectRef>
+          <a:fontRef idx="minor">
+            <a:schemeClr val="lt1"/>
+          </a:fontRef>
+        </p:style>
+        <p:txBody>
+          <a:bodyPr rtlCol="0" anchor="ctr"/>
+          <a:lstStyle/>
+          <a:p>
+            <a:pPr algn="ctr"/>
+            <a:endParaRPr lang="en-US">
+              <a:solidFill>
+                <a:schemeClr val="tx1"/>
+              </a:solidFill>
+            </a:endParaRPr>
+          </a:p>
+        </p:txBody>
+      </p:sp>
       <p:sp>
         <p:nvSpPr>
           <p:cNvPr id="96" name="Google Shape;96;p2"/>
@@ -18920,27 +23703,20 @@
         </p:nvSpPr>
         <p:spPr>
           <a:xfrm>
-            <a:off x="838200" y="365125"/>
-            <a:ext cx="10515600" cy="1325563"/>
+            <a:off x="1188069" y="381935"/>
+            <a:ext cx="4008583" cy="5974414"/>
           </a:xfrm>
           <a:prstGeom prst="rect">
             <a:avLst/>
           </a:prstGeom>
-          <a:noFill/>
-          <a:ln>
-            <a:noFill/>
-          </a:ln>
         </p:spPr>
         <p:txBody>
-          <a:bodyPr spcFirstLastPara="1" wrap="square" lIns="91425" tIns="45700" rIns="91425" bIns="45700" anchor="ctr" anchorCtr="0">
+          <a:bodyPr spcFirstLastPara="1" lIns="91425" tIns="45700" rIns="91425" bIns="45700" anchor="ctr" anchorCtr="0">
             <a:normAutofit/>
           </a:bodyPr>
           <a:lstStyle/>
           <a:p>
-            <a:pPr marL="0" lvl="0" indent="0" algn="l" rtl="0">
-              <a:lnSpc>
-                <a:spcPct val="90000"/>
-              </a:lnSpc>
+            <a:pPr marL="0" lvl="0" indent="0" rtl="0">
               <a:spcBef>
                 <a:spcPts val="0"/>
               </a:spcBef>
@@ -18955,13 +23731,512 @@
               <a:buNone/>
             </a:pPr>
             <a:r>
-              <a:rPr lang="en-US"/>
+              <a:rPr lang="en-US" sz="7400">
+                <a:solidFill>
+                  <a:srgbClr val="FFFFFF"/>
+                </a:solidFill>
+              </a:rPr>
               <a:t>Lecture Overview</a:t>
             </a:r>
-            <a:endParaRPr/>
           </a:p>
         </p:txBody>
       </p:sp>
+      <p:grpSp>
+        <p:nvGrpSpPr>
+          <p:cNvPr id="106" name="Group 105">
+            <a:extLst>
+              <a:ext uri="{FF2B5EF4-FFF2-40B4-BE49-F238E27FC236}">
+                <a16:creationId xmlns:a16="http://schemas.microsoft.com/office/drawing/2014/main" id="{0474DF76-993E-44DE-AFB0-C416182ACECF}"/>
+              </a:ext>
+              <a:ext uri="{C183D7F6-B498-43B3-948B-1728B52AA6E4}">
+                <adec:decorative xmlns:adec="http://schemas.microsoft.com/office/drawing/2017/decorative" val="1"/>
+              </a:ext>
+            </a:extLst>
+          </p:cNvPr>
+          <p:cNvGrpSpPr>
+            <a:grpSpLocks noGrp="1" noUngrp="1" noRot="1" noChangeAspect="1" noMove="1" noResize="1"/>
+          </p:cNvGrpSpPr>
+          <p:nvPr>
+            <p:extLst>
+              <p:ext uri="{386F3935-93C4-4BCD-93E2-E3B085C9AB24}">
+                <p16:designElem xmlns:p16="http://schemas.microsoft.com/office/powerpoint/2015/main" val="1"/>
+              </p:ext>
+            </p:extLst>
+          </p:nvPr>
+        </p:nvGrpSpPr>
+        <p:grpSpPr>
+          <a:xfrm>
+            <a:off x="613892" y="554152"/>
+            <a:ext cx="574177" cy="1075866"/>
+            <a:chOff x="613892" y="554152"/>
+            <a:chExt cx="574177" cy="1075866"/>
+          </a:xfrm>
+          <a:solidFill>
+            <a:srgbClr val="FFFFFF"/>
+          </a:solidFill>
+        </p:grpSpPr>
+        <p:sp>
+          <p:nvSpPr>
+            <p:cNvPr id="107" name="Graphic 11">
+              <a:extLst>
+                <a:ext uri="{FF2B5EF4-FFF2-40B4-BE49-F238E27FC236}">
+                  <a16:creationId xmlns:a16="http://schemas.microsoft.com/office/drawing/2014/main" id="{6CB927A4-E432-4310-9CD5-E89FF5063179}"/>
+                </a:ext>
+                <a:ext uri="{C183D7F6-B498-43B3-948B-1728B52AA6E4}">
+                  <adec:decorative xmlns:adec="http://schemas.microsoft.com/office/drawing/2017/decorative" val="1"/>
+                </a:ext>
+              </a:extLst>
+            </p:cNvPr>
+            <p:cNvSpPr/>
+            <p:nvPr>
+              <p:extLst>
+                <p:ext uri="{386F3935-93C4-4BCD-93E2-E3B085C9AB24}">
+                  <p16:designElem xmlns:p16="http://schemas.microsoft.com/office/powerpoint/2015/main" val="1"/>
+                </p:ext>
+              </p:extLst>
+            </p:nvPr>
+          </p:nvSpPr>
+          <p:spPr>
+            <a:xfrm>
+              <a:off x="633061" y="554152"/>
+              <a:ext cx="171515" cy="171515"/>
+            </a:xfrm>
+            <a:custGeom>
+              <a:avLst/>
+              <a:gdLst>
+                <a:gd name="connsiteX0" fmla="*/ 159874 w 171515"/>
+                <a:gd name="connsiteY0" fmla="*/ 74116 h 171515"/>
+                <a:gd name="connsiteX1" fmla="*/ 97399 w 171515"/>
+                <a:gd name="connsiteY1" fmla="*/ 74116 h 171515"/>
+                <a:gd name="connsiteX2" fmla="*/ 97399 w 171515"/>
+                <a:gd name="connsiteY2" fmla="*/ 11641 h 171515"/>
+                <a:gd name="connsiteX3" fmla="*/ 85758 w 171515"/>
+                <a:gd name="connsiteY3" fmla="*/ 0 h 171515"/>
+                <a:gd name="connsiteX4" fmla="*/ 74116 w 171515"/>
+                <a:gd name="connsiteY4" fmla="*/ 11641 h 171515"/>
+                <a:gd name="connsiteX5" fmla="*/ 74116 w 171515"/>
+                <a:gd name="connsiteY5" fmla="*/ 74116 h 171515"/>
+                <a:gd name="connsiteX6" fmla="*/ 11641 w 171515"/>
+                <a:gd name="connsiteY6" fmla="*/ 74116 h 171515"/>
+                <a:gd name="connsiteX7" fmla="*/ 0 w 171515"/>
+                <a:gd name="connsiteY7" fmla="*/ 85758 h 171515"/>
+                <a:gd name="connsiteX8" fmla="*/ 11641 w 171515"/>
+                <a:gd name="connsiteY8" fmla="*/ 97399 h 171515"/>
+                <a:gd name="connsiteX9" fmla="*/ 74116 w 171515"/>
+                <a:gd name="connsiteY9" fmla="*/ 97399 h 171515"/>
+                <a:gd name="connsiteX10" fmla="*/ 74116 w 171515"/>
+                <a:gd name="connsiteY10" fmla="*/ 159874 h 171515"/>
+                <a:gd name="connsiteX11" fmla="*/ 85758 w 171515"/>
+                <a:gd name="connsiteY11" fmla="*/ 171515 h 171515"/>
+                <a:gd name="connsiteX12" fmla="*/ 97399 w 171515"/>
+                <a:gd name="connsiteY12" fmla="*/ 159874 h 171515"/>
+                <a:gd name="connsiteX13" fmla="*/ 97399 w 171515"/>
+                <a:gd name="connsiteY13" fmla="*/ 97399 h 171515"/>
+                <a:gd name="connsiteX14" fmla="*/ 159874 w 171515"/>
+                <a:gd name="connsiteY14" fmla="*/ 97399 h 171515"/>
+                <a:gd name="connsiteX15" fmla="*/ 171515 w 171515"/>
+                <a:gd name="connsiteY15" fmla="*/ 85758 h 171515"/>
+                <a:gd name="connsiteX16" fmla="*/ 159874 w 171515"/>
+                <a:gd name="connsiteY16" fmla="*/ 74116 h 171515"/>
+              </a:gdLst>
+              <a:ahLst/>
+              <a:cxnLst>
+                <a:cxn ang="0">
+                  <a:pos x="connsiteX0" y="connsiteY0"/>
+                </a:cxn>
+                <a:cxn ang="0">
+                  <a:pos x="connsiteX1" y="connsiteY1"/>
+                </a:cxn>
+                <a:cxn ang="0">
+                  <a:pos x="connsiteX2" y="connsiteY2"/>
+                </a:cxn>
+                <a:cxn ang="0">
+                  <a:pos x="connsiteX3" y="connsiteY3"/>
+                </a:cxn>
+                <a:cxn ang="0">
+                  <a:pos x="connsiteX4" y="connsiteY4"/>
+                </a:cxn>
+                <a:cxn ang="0">
+                  <a:pos x="connsiteX5" y="connsiteY5"/>
+                </a:cxn>
+                <a:cxn ang="0">
+                  <a:pos x="connsiteX6" y="connsiteY6"/>
+                </a:cxn>
+                <a:cxn ang="0">
+                  <a:pos x="connsiteX7" y="connsiteY7"/>
+                </a:cxn>
+                <a:cxn ang="0">
+                  <a:pos x="connsiteX8" y="connsiteY8"/>
+                </a:cxn>
+                <a:cxn ang="0">
+                  <a:pos x="connsiteX9" y="connsiteY9"/>
+                </a:cxn>
+                <a:cxn ang="0">
+                  <a:pos x="connsiteX10" y="connsiteY10"/>
+                </a:cxn>
+                <a:cxn ang="0">
+                  <a:pos x="connsiteX11" y="connsiteY11"/>
+                </a:cxn>
+                <a:cxn ang="0">
+                  <a:pos x="connsiteX12" y="connsiteY12"/>
+                </a:cxn>
+                <a:cxn ang="0">
+                  <a:pos x="connsiteX13" y="connsiteY13"/>
+                </a:cxn>
+                <a:cxn ang="0">
+                  <a:pos x="connsiteX14" y="connsiteY14"/>
+                </a:cxn>
+                <a:cxn ang="0">
+                  <a:pos x="connsiteX15" y="connsiteY15"/>
+                </a:cxn>
+                <a:cxn ang="0">
+                  <a:pos x="connsiteX16" y="connsiteY16"/>
+                </a:cxn>
+              </a:cxnLst>
+              <a:rect l="l" t="t" r="r" b="b"/>
+              <a:pathLst>
+                <a:path w="171515" h="171515">
+                  <a:moveTo>
+                    <a:pt x="159874" y="74116"/>
+                  </a:moveTo>
+                  <a:lnTo>
+                    <a:pt x="97399" y="74116"/>
+                  </a:lnTo>
+                  <a:lnTo>
+                    <a:pt x="97399" y="11641"/>
+                  </a:lnTo>
+                  <a:cubicBezTo>
+                    <a:pt x="97399" y="5212"/>
+                    <a:pt x="92187" y="0"/>
+                    <a:pt x="85758" y="0"/>
+                  </a:cubicBezTo>
+                  <a:cubicBezTo>
+                    <a:pt x="79328" y="0"/>
+                    <a:pt x="74116" y="5212"/>
+                    <a:pt x="74116" y="11641"/>
+                  </a:cubicBezTo>
+                  <a:lnTo>
+                    <a:pt x="74116" y="74116"/>
+                  </a:lnTo>
+                  <a:lnTo>
+                    <a:pt x="11641" y="74116"/>
+                  </a:lnTo>
+                  <a:cubicBezTo>
+                    <a:pt x="5212" y="74116"/>
+                    <a:pt x="0" y="79328"/>
+                    <a:pt x="0" y="85758"/>
+                  </a:cubicBezTo>
+                  <a:cubicBezTo>
+                    <a:pt x="0" y="92187"/>
+                    <a:pt x="5212" y="97399"/>
+                    <a:pt x="11641" y="97399"/>
+                  </a:cubicBezTo>
+                  <a:lnTo>
+                    <a:pt x="74116" y="97399"/>
+                  </a:lnTo>
+                  <a:lnTo>
+                    <a:pt x="74116" y="159874"/>
+                  </a:lnTo>
+                  <a:cubicBezTo>
+                    <a:pt x="74116" y="166303"/>
+                    <a:pt x="79328" y="171515"/>
+                    <a:pt x="85758" y="171515"/>
+                  </a:cubicBezTo>
+                  <a:cubicBezTo>
+                    <a:pt x="92187" y="171515"/>
+                    <a:pt x="97399" y="166303"/>
+                    <a:pt x="97399" y="159874"/>
+                  </a:cubicBezTo>
+                  <a:lnTo>
+                    <a:pt x="97399" y="97399"/>
+                  </a:lnTo>
+                  <a:lnTo>
+                    <a:pt x="159874" y="97399"/>
+                  </a:lnTo>
+                  <a:cubicBezTo>
+                    <a:pt x="166303" y="97399"/>
+                    <a:pt x="171515" y="92187"/>
+                    <a:pt x="171515" y="85758"/>
+                  </a:cubicBezTo>
+                  <a:cubicBezTo>
+                    <a:pt x="171515" y="79328"/>
+                    <a:pt x="166303" y="74116"/>
+                    <a:pt x="159874" y="74116"/>
+                  </a:cubicBezTo>
+                  <a:close/>
+                </a:path>
+              </a:pathLst>
+            </a:custGeom>
+            <a:grpFill/>
+            <a:ln w="776" cap="flat">
+              <a:noFill/>
+              <a:prstDash val="solid"/>
+              <a:miter/>
+            </a:ln>
+          </p:spPr>
+          <p:txBody>
+            <a:bodyPr rtlCol="0" anchor="ctr"/>
+            <a:lstStyle/>
+            <a:p>
+              <a:endParaRPr lang="en-US"/>
+            </a:p>
+          </p:txBody>
+        </p:sp>
+        <p:sp>
+          <p:nvSpPr>
+            <p:cNvPr id="108" name="Graphic 10">
+              <a:extLst>
+                <a:ext uri="{FF2B5EF4-FFF2-40B4-BE49-F238E27FC236}">
+                  <a16:creationId xmlns:a16="http://schemas.microsoft.com/office/drawing/2014/main" id="{E3020543-B24B-4EC4-8FFC-8DD88EEA91A8}"/>
+                </a:ext>
+                <a:ext uri="{C183D7F6-B498-43B3-948B-1728B52AA6E4}">
+                  <adec:decorative xmlns:adec="http://schemas.microsoft.com/office/drawing/2017/decorative" val="1"/>
+                </a:ext>
+              </a:extLst>
+            </p:cNvPr>
+            <p:cNvSpPr/>
+            <p:nvPr>
+              <p:extLst>
+                <p:ext uri="{386F3935-93C4-4BCD-93E2-E3B085C9AB24}">
+                  <p16:designElem xmlns:p16="http://schemas.microsoft.com/office/powerpoint/2015/main" val="1"/>
+                </p:ext>
+              </p:extLst>
+            </p:nvPr>
+          </p:nvSpPr>
+          <p:spPr>
+            <a:xfrm>
+              <a:off x="1075643" y="837005"/>
+              <a:ext cx="112426" cy="112426"/>
+            </a:xfrm>
+            <a:custGeom>
+              <a:avLst/>
+              <a:gdLst>
+                <a:gd name="connsiteX0" fmla="*/ 112426 w 112426"/>
+                <a:gd name="connsiteY0" fmla="*/ 56213 h 112426"/>
+                <a:gd name="connsiteX1" fmla="*/ 56213 w 112426"/>
+                <a:gd name="connsiteY1" fmla="*/ 112426 h 112426"/>
+                <a:gd name="connsiteX2" fmla="*/ 0 w 112426"/>
+                <a:gd name="connsiteY2" fmla="*/ 56213 h 112426"/>
+                <a:gd name="connsiteX3" fmla="*/ 56213 w 112426"/>
+                <a:gd name="connsiteY3" fmla="*/ 0 h 112426"/>
+                <a:gd name="connsiteX4" fmla="*/ 112426 w 112426"/>
+                <a:gd name="connsiteY4" fmla="*/ 56213 h 112426"/>
+              </a:gdLst>
+              <a:ahLst/>
+              <a:cxnLst>
+                <a:cxn ang="0">
+                  <a:pos x="connsiteX0" y="connsiteY0"/>
+                </a:cxn>
+                <a:cxn ang="0">
+                  <a:pos x="connsiteX1" y="connsiteY1"/>
+                </a:cxn>
+                <a:cxn ang="0">
+                  <a:pos x="connsiteX2" y="connsiteY2"/>
+                </a:cxn>
+                <a:cxn ang="0">
+                  <a:pos x="connsiteX3" y="connsiteY3"/>
+                </a:cxn>
+                <a:cxn ang="0">
+                  <a:pos x="connsiteX4" y="connsiteY4"/>
+                </a:cxn>
+              </a:cxnLst>
+              <a:rect l="l" t="t" r="r" b="b"/>
+              <a:pathLst>
+                <a:path w="112426" h="112426">
+                  <a:moveTo>
+                    <a:pt x="112426" y="56213"/>
+                  </a:moveTo>
+                  <a:cubicBezTo>
+                    <a:pt x="112426" y="87259"/>
+                    <a:pt x="87259" y="112426"/>
+                    <a:pt x="56213" y="112426"/>
+                  </a:cubicBezTo>
+                  <a:cubicBezTo>
+                    <a:pt x="25167" y="112426"/>
+                    <a:pt x="0" y="87259"/>
+                    <a:pt x="0" y="56213"/>
+                  </a:cubicBezTo>
+                  <a:cubicBezTo>
+                    <a:pt x="0" y="25167"/>
+                    <a:pt x="25167" y="0"/>
+                    <a:pt x="56213" y="0"/>
+                  </a:cubicBezTo>
+                  <a:cubicBezTo>
+                    <a:pt x="87259" y="0"/>
+                    <a:pt x="112426" y="25167"/>
+                    <a:pt x="112426" y="56213"/>
+                  </a:cubicBezTo>
+                  <a:close/>
+                </a:path>
+              </a:pathLst>
+            </a:custGeom>
+            <a:grpFill/>
+            <a:ln w="516" cap="flat">
+              <a:noFill/>
+              <a:prstDash val="solid"/>
+              <a:miter/>
+            </a:ln>
+          </p:spPr>
+          <p:txBody>
+            <a:bodyPr rtlCol="0" anchor="ctr"/>
+            <a:lstStyle/>
+            <a:p>
+              <a:endParaRPr lang="en-US"/>
+            </a:p>
+          </p:txBody>
+        </p:sp>
+        <p:sp>
+          <p:nvSpPr>
+            <p:cNvPr id="109" name="Graphic 12">
+              <a:extLst>
+                <a:ext uri="{FF2B5EF4-FFF2-40B4-BE49-F238E27FC236}">
+                  <a16:creationId xmlns:a16="http://schemas.microsoft.com/office/drawing/2014/main" id="{1453BF6C-B012-48B7-B4E8-6D7AC7C27D02}"/>
+                </a:ext>
+                <a:ext uri="{C183D7F6-B498-43B3-948B-1728B52AA6E4}">
+                  <adec:decorative xmlns:adec="http://schemas.microsoft.com/office/drawing/2017/decorative" val="1"/>
+                </a:ext>
+              </a:extLst>
+            </p:cNvPr>
+            <p:cNvSpPr/>
+            <p:nvPr>
+              <p:extLst>
+                <p:ext uri="{386F3935-93C4-4BCD-93E2-E3B085C9AB24}">
+                  <p16:designElem xmlns:p16="http://schemas.microsoft.com/office/powerpoint/2015/main" val="1"/>
+                </p:ext>
+              </p:extLst>
+            </p:nvPr>
+          </p:nvSpPr>
+          <p:spPr>
+            <a:xfrm>
+              <a:off x="613892" y="1472473"/>
+              <a:ext cx="157545" cy="157545"/>
+            </a:xfrm>
+            <a:custGeom>
+              <a:avLst/>
+              <a:gdLst>
+                <a:gd name="connsiteX0" fmla="*/ 78773 w 157545"/>
+                <a:gd name="connsiteY0" fmla="*/ 23283 h 157545"/>
+                <a:gd name="connsiteX1" fmla="*/ 134262 w 157545"/>
+                <a:gd name="connsiteY1" fmla="*/ 78773 h 157545"/>
+                <a:gd name="connsiteX2" fmla="*/ 78773 w 157545"/>
+                <a:gd name="connsiteY2" fmla="*/ 134262 h 157545"/>
+                <a:gd name="connsiteX3" fmla="*/ 23283 w 157545"/>
+                <a:gd name="connsiteY3" fmla="*/ 78773 h 157545"/>
+                <a:gd name="connsiteX4" fmla="*/ 78773 w 157545"/>
+                <a:gd name="connsiteY4" fmla="*/ 23283 h 157545"/>
+                <a:gd name="connsiteX5" fmla="*/ 78773 w 157545"/>
+                <a:gd name="connsiteY5" fmla="*/ 0 h 157545"/>
+                <a:gd name="connsiteX6" fmla="*/ 0 w 157545"/>
+                <a:gd name="connsiteY6" fmla="*/ 78773 h 157545"/>
+                <a:gd name="connsiteX7" fmla="*/ 78773 w 157545"/>
+                <a:gd name="connsiteY7" fmla="*/ 157545 h 157545"/>
+                <a:gd name="connsiteX8" fmla="*/ 157545 w 157545"/>
+                <a:gd name="connsiteY8" fmla="*/ 78773 h 157545"/>
+                <a:gd name="connsiteX9" fmla="*/ 78773 w 157545"/>
+                <a:gd name="connsiteY9" fmla="*/ 0 h 157545"/>
+              </a:gdLst>
+              <a:ahLst/>
+              <a:cxnLst>
+                <a:cxn ang="0">
+                  <a:pos x="connsiteX0" y="connsiteY0"/>
+                </a:cxn>
+                <a:cxn ang="0">
+                  <a:pos x="connsiteX1" y="connsiteY1"/>
+                </a:cxn>
+                <a:cxn ang="0">
+                  <a:pos x="connsiteX2" y="connsiteY2"/>
+                </a:cxn>
+                <a:cxn ang="0">
+                  <a:pos x="connsiteX3" y="connsiteY3"/>
+                </a:cxn>
+                <a:cxn ang="0">
+                  <a:pos x="connsiteX4" y="connsiteY4"/>
+                </a:cxn>
+                <a:cxn ang="0">
+                  <a:pos x="connsiteX5" y="connsiteY5"/>
+                </a:cxn>
+                <a:cxn ang="0">
+                  <a:pos x="connsiteX6" y="connsiteY6"/>
+                </a:cxn>
+                <a:cxn ang="0">
+                  <a:pos x="connsiteX7" y="connsiteY7"/>
+                </a:cxn>
+                <a:cxn ang="0">
+                  <a:pos x="connsiteX8" y="connsiteY8"/>
+                </a:cxn>
+                <a:cxn ang="0">
+                  <a:pos x="connsiteX9" y="connsiteY9"/>
+                </a:cxn>
+              </a:cxnLst>
+              <a:rect l="l" t="t" r="r" b="b"/>
+              <a:pathLst>
+                <a:path w="157545" h="157545">
+                  <a:moveTo>
+                    <a:pt x="78773" y="23283"/>
+                  </a:moveTo>
+                  <a:cubicBezTo>
+                    <a:pt x="109419" y="23283"/>
+                    <a:pt x="134262" y="48126"/>
+                    <a:pt x="134262" y="78773"/>
+                  </a:cubicBezTo>
+                  <a:cubicBezTo>
+                    <a:pt x="134262" y="109419"/>
+                    <a:pt x="109419" y="134262"/>
+                    <a:pt x="78773" y="134262"/>
+                  </a:cubicBezTo>
+                  <a:cubicBezTo>
+                    <a:pt x="48126" y="134262"/>
+                    <a:pt x="23283" y="109419"/>
+                    <a:pt x="23283" y="78773"/>
+                  </a:cubicBezTo>
+                  <a:cubicBezTo>
+                    <a:pt x="23312" y="48139"/>
+                    <a:pt x="48139" y="23312"/>
+                    <a:pt x="78773" y="23283"/>
+                  </a:cubicBezTo>
+                  <a:moveTo>
+                    <a:pt x="78773" y="0"/>
+                  </a:moveTo>
+                  <a:cubicBezTo>
+                    <a:pt x="35268" y="0"/>
+                    <a:pt x="0" y="35268"/>
+                    <a:pt x="0" y="78773"/>
+                  </a:cubicBezTo>
+                  <a:cubicBezTo>
+                    <a:pt x="0" y="122277"/>
+                    <a:pt x="35268" y="157545"/>
+                    <a:pt x="78773" y="157545"/>
+                  </a:cubicBezTo>
+                  <a:cubicBezTo>
+                    <a:pt x="122277" y="157545"/>
+                    <a:pt x="157545" y="122277"/>
+                    <a:pt x="157545" y="78773"/>
+                  </a:cubicBezTo>
+                  <a:cubicBezTo>
+                    <a:pt x="157545" y="35268"/>
+                    <a:pt x="122277" y="0"/>
+                    <a:pt x="78773" y="0"/>
+                  </a:cubicBezTo>
+                  <a:close/>
+                </a:path>
+              </a:pathLst>
+            </a:custGeom>
+            <a:grpFill/>
+            <a:ln w="751" cap="flat">
+              <a:noFill/>
+              <a:prstDash val="solid"/>
+              <a:miter/>
+            </a:ln>
+          </p:spPr>
+          <p:txBody>
+            <a:bodyPr rtlCol="0" anchor="ctr"/>
+            <a:lstStyle/>
+            <a:p>
+              <a:endParaRPr lang="en-US"/>
+            </a:p>
+          </p:txBody>
+        </p:sp>
+      </p:grpSp>
       <p:sp>
         <p:nvSpPr>
           <p:cNvPr id="97" name="Google Shape;97;p2"/>
@@ -18974,27 +24249,20 @@
         </p:nvSpPr>
         <p:spPr>
           <a:xfrm>
-            <a:off x="838200" y="1825625"/>
-            <a:ext cx="10515600" cy="4351338"/>
+            <a:off x="6297233" y="518400"/>
+            <a:ext cx="4771607" cy="5837949"/>
           </a:xfrm>
           <a:prstGeom prst="rect">
             <a:avLst/>
           </a:prstGeom>
-          <a:noFill/>
-          <a:ln>
-            <a:noFill/>
-          </a:ln>
         </p:spPr>
         <p:txBody>
-          <a:bodyPr spcFirstLastPara="1" wrap="square" lIns="91425" tIns="45700" rIns="91425" bIns="45700" anchor="t" anchorCtr="0">
+          <a:bodyPr spcFirstLastPara="1" lIns="91425" tIns="45700" rIns="91425" bIns="45700" anchor="ctr" anchorCtr="0">
             <a:normAutofit/>
           </a:bodyPr>
           <a:lstStyle/>
           <a:p>
-            <a:pPr marL="228600" lvl="0" indent="-228600" algn="l" rtl="0">
-              <a:lnSpc>
-                <a:spcPct val="90000"/>
-              </a:lnSpc>
+            <a:pPr marL="228600" lvl="0" indent="-228600" rtl="0">
               <a:spcBef>
                 <a:spcPts val="0"/>
               </a:spcBef>
@@ -19008,16 +24276,18 @@
               <a:buChar char="•"/>
             </a:pPr>
             <a:r>
-              <a:rPr lang="en-US"/>
+              <a:rPr lang="en-US" sz="2000">
+                <a:solidFill>
+                  <a:schemeClr val="tx1">
+                    <a:alpha val="80000"/>
+                  </a:schemeClr>
+                </a:solidFill>
+              </a:rPr>
               <a:t>Part 1: Programming</a:t>
             </a:r>
-            <a:endParaRPr/>
           </a:p>
           <a:p>
-            <a:pPr marL="685800" lvl="1" indent="-228600" algn="l" rtl="0">
-              <a:lnSpc>
-                <a:spcPct val="90000"/>
-              </a:lnSpc>
+            <a:pPr marL="685800" lvl="1" indent="-228600" rtl="0">
               <a:spcBef>
                 <a:spcPts val="500"/>
               </a:spcBef>
@@ -19031,16 +24301,18 @@
               <a:buChar char="•"/>
             </a:pPr>
             <a:r>
-              <a:rPr lang="en-US"/>
+              <a:rPr lang="en-US" sz="2000">
+                <a:solidFill>
+                  <a:schemeClr val="tx1">
+                    <a:alpha val="80000"/>
+                  </a:schemeClr>
+                </a:solidFill>
+              </a:rPr>
               <a:t>Functions</a:t>
             </a:r>
-            <a:endParaRPr/>
           </a:p>
           <a:p>
-            <a:pPr marL="685800" lvl="1" indent="-228600" algn="l" rtl="0">
-              <a:lnSpc>
-                <a:spcPct val="90000"/>
-              </a:lnSpc>
+            <a:pPr marL="685800" lvl="1" indent="-228600" rtl="0">
               <a:spcBef>
                 <a:spcPts val="500"/>
               </a:spcBef>
@@ -19054,16 +24326,18 @@
               <a:buChar char="•"/>
             </a:pPr>
             <a:r>
-              <a:rPr lang="en-US"/>
+              <a:rPr lang="en-US" sz="2000">
+                <a:solidFill>
+                  <a:schemeClr val="tx1">
+                    <a:alpha val="80000"/>
+                  </a:schemeClr>
+                </a:solidFill>
+              </a:rPr>
               <a:t>If-Else </a:t>
             </a:r>
-            <a:endParaRPr/>
           </a:p>
           <a:p>
-            <a:pPr marL="685800" lvl="1" indent="-228600" algn="l" rtl="0">
-              <a:lnSpc>
-                <a:spcPct val="90000"/>
-              </a:lnSpc>
+            <a:pPr marL="685800" lvl="1" indent="-228600" rtl="0">
               <a:spcBef>
                 <a:spcPts val="500"/>
               </a:spcBef>
@@ -19077,16 +24351,18 @@
               <a:buChar char="•"/>
             </a:pPr>
             <a:r>
-              <a:rPr lang="en-US"/>
+              <a:rPr lang="en-US" sz="2000">
+                <a:solidFill>
+                  <a:schemeClr val="tx1">
+                    <a:alpha val="80000"/>
+                  </a:schemeClr>
+                </a:solidFill>
+              </a:rPr>
               <a:t>Iteration</a:t>
             </a:r>
-            <a:endParaRPr/>
           </a:p>
           <a:p>
-            <a:pPr marL="228600" lvl="0" indent="-228600" algn="l" rtl="0">
-              <a:lnSpc>
-                <a:spcPct val="90000"/>
-              </a:lnSpc>
+            <a:pPr marL="228600" lvl="0" indent="-228600" rtl="0">
               <a:spcBef>
                 <a:spcPts val="1000"/>
               </a:spcBef>
@@ -19100,13 +24376,80 @@
               <a:buChar char="•"/>
             </a:pPr>
             <a:r>
-              <a:rPr lang="en-US"/>
+              <a:rPr lang="en-US" sz="2000">
+                <a:solidFill>
+                  <a:schemeClr val="tx1">
+                    <a:alpha val="80000"/>
+                  </a:schemeClr>
+                </a:solidFill>
+              </a:rPr>
               <a:t>Part 2: Introduction to Visualisation with ggplot2</a:t>
             </a:r>
-            <a:endParaRPr/>
           </a:p>
         </p:txBody>
       </p:sp>
+      <p:cxnSp>
+        <p:nvCxnSpPr>
+          <p:cNvPr id="111" name="Straight Connector 110">
+            <a:extLst>
+              <a:ext uri="{FF2B5EF4-FFF2-40B4-BE49-F238E27FC236}">
+                <a16:creationId xmlns:a16="http://schemas.microsoft.com/office/drawing/2014/main" id="{C49DA8F6-BCC1-4447-B54C-57856834B94B}"/>
+              </a:ext>
+              <a:ext uri="{C183D7F6-B498-43B3-948B-1728B52AA6E4}">
+                <adec:decorative xmlns:adec="http://schemas.microsoft.com/office/drawing/2017/decorative" val="1"/>
+              </a:ext>
+            </a:extLst>
+          </p:cNvPr>
+          <p:cNvCxnSpPr>
+            <a:cxnSpLocks noGrp="1" noRot="1" noChangeAspect="1" noMove="1" noResize="1" noEditPoints="1" noAdjustHandles="1" noChangeArrowheads="1" noChangeShapeType="1"/>
+          </p:cNvCxnSpPr>
+          <p:nvPr>
+            <p:extLst>
+              <p:ext uri="{386F3935-93C4-4BCD-93E2-E3B085C9AB24}">
+                <p16:designElem xmlns:p16="http://schemas.microsoft.com/office/powerpoint/2015/main" val="1"/>
+              </p:ext>
+            </p:extLst>
+          </p:nvPr>
+        </p:nvCxnSpPr>
+        <p:spPr>
+          <a:xfrm>
+            <a:off x="11586162" y="3610394"/>
+            <a:ext cx="0" cy="3238728"/>
+          </a:xfrm>
+          <a:prstGeom prst="line">
+            <a:avLst/>
+          </a:prstGeom>
+          <a:ln w="25400" cap="sq">
+            <a:gradFill flip="none" rotWithShape="1">
+              <a:gsLst>
+                <a:gs pos="0">
+                  <a:schemeClr val="accent1"/>
+                </a:gs>
+                <a:gs pos="100000">
+                  <a:schemeClr val="accent2"/>
+                </a:gs>
+              </a:gsLst>
+              <a:lin ang="5400000" scaled="0"/>
+              <a:tileRect/>
+            </a:gradFill>
+            <a:bevel/>
+          </a:ln>
+        </p:spPr>
+        <p:style>
+          <a:lnRef idx="1">
+            <a:schemeClr val="accent1"/>
+          </a:lnRef>
+          <a:fillRef idx="0">
+            <a:schemeClr val="accent1"/>
+          </a:fillRef>
+          <a:effectRef idx="0">
+            <a:schemeClr val="accent1"/>
+          </a:effectRef>
+          <a:fontRef idx="minor">
+            <a:schemeClr val="tx1"/>
+          </a:fontRef>
+        </p:style>
+      </p:cxnSp>
     </p:spTree>
   </p:cSld>
   <p:clrMapOvr>
@@ -21167,6 +26510,14 @@
 <file path=ppt/slides/slide3.xml><?xml version="1.0" encoding="utf-8"?>
 <p:sld xmlns:a="http://schemas.openxmlformats.org/drawingml/2006/main" xmlns:r="http://schemas.openxmlformats.org/officeDocument/2006/relationships" xmlns:p="http://schemas.openxmlformats.org/presentationml/2006/main">
   <p:cSld>
+    <p:bg>
+      <p:bgPr>
+        <a:solidFill>
+          <a:schemeClr val="bg1"/>
+        </a:solidFill>
+        <a:effectLst/>
+      </p:bgPr>
+    </p:bg>
     <p:spTree>
       <p:nvGrpSpPr>
         <p:cNvPr id="1" name="Shape 101"/>
@@ -21183,6 +26534,82 @@
       </p:grpSpPr>
       <p:sp>
         <p:nvSpPr>
+          <p:cNvPr id="108" name="Rectangle 107">
+            <a:extLst>
+              <a:ext uri="{FF2B5EF4-FFF2-40B4-BE49-F238E27FC236}">
+                <a16:creationId xmlns:a16="http://schemas.microsoft.com/office/drawing/2014/main" id="{EFA9B6C6-A247-48A8-9A1C-1E36FA9456B5}"/>
+              </a:ext>
+              <a:ext uri="{C183D7F6-B498-43B3-948B-1728B52AA6E4}">
+                <adec:decorative xmlns:adec="http://schemas.microsoft.com/office/drawing/2017/decorative" val="1"/>
+              </a:ext>
+            </a:extLst>
+          </p:cNvPr>
+          <p:cNvSpPr>
+            <a:spLocks noGrp="1" noRot="1" noChangeAspect="1" noMove="1" noResize="1" noEditPoints="1" noAdjustHandles="1" noChangeArrowheads="1" noChangeShapeType="1" noTextEdit="1"/>
+          </p:cNvSpPr>
+          <p:nvPr>
+            <p:extLst>
+              <p:ext uri="{386F3935-93C4-4BCD-93E2-E3B085C9AB24}">
+                <p16:designElem xmlns:p16="http://schemas.microsoft.com/office/powerpoint/2015/main" val="1"/>
+              </p:ext>
+            </p:extLst>
+          </p:nvPr>
+        </p:nvSpPr>
+        <p:spPr>
+          <a:xfrm>
+            <a:off x="0" y="0"/>
+            <a:ext cx="12192000" cy="6858000"/>
+          </a:xfrm>
+          <a:prstGeom prst="rect">
+            <a:avLst/>
+          </a:prstGeom>
+          <a:gradFill flip="none" rotWithShape="1">
+            <a:gsLst>
+              <a:gs pos="0">
+                <a:schemeClr val="accent1"/>
+              </a:gs>
+              <a:gs pos="100000">
+                <a:schemeClr val="accent2"/>
+              </a:gs>
+            </a:gsLst>
+            <a:lin ang="2700000" scaled="1"/>
+            <a:tileRect/>
+          </a:gradFill>
+          <a:ln>
+            <a:noFill/>
+          </a:ln>
+        </p:spPr>
+        <p:style>
+          <a:lnRef idx="2">
+            <a:schemeClr val="accent1">
+              <a:shade val="50000"/>
+            </a:schemeClr>
+          </a:lnRef>
+          <a:fillRef idx="1">
+            <a:schemeClr val="accent1"/>
+          </a:fillRef>
+          <a:effectRef idx="0">
+            <a:schemeClr val="accent1"/>
+          </a:effectRef>
+          <a:fontRef idx="minor">
+            <a:schemeClr val="lt1"/>
+          </a:fontRef>
+        </p:style>
+        <p:txBody>
+          <a:bodyPr rtlCol="0" anchor="ctr"/>
+          <a:lstStyle/>
+          <a:p>
+            <a:pPr algn="ctr"/>
+            <a:endParaRPr lang="en-US">
+              <a:solidFill>
+                <a:srgbClr val="FFFFFF"/>
+              </a:solidFill>
+            </a:endParaRPr>
+          </a:p>
+        </p:txBody>
+      </p:sp>
+      <p:sp>
+        <p:nvSpPr>
           <p:cNvPr id="102" name="Google Shape;102;p3"/>
           <p:cNvSpPr txBox="1">
             <a:spLocks noGrp="1"/>
@@ -21193,29 +26620,22 @@
         </p:nvSpPr>
         <p:spPr>
           <a:xfrm>
-            <a:off x="831850" y="1709738"/>
-            <a:ext cx="10515600" cy="2852737"/>
+            <a:off x="1301261" y="590062"/>
+            <a:ext cx="5409655" cy="2838938"/>
           </a:xfrm>
           <a:prstGeom prst="rect">
             <a:avLst/>
           </a:prstGeom>
-          <a:noFill/>
-          <a:ln>
-            <a:noFill/>
-          </a:ln>
         </p:spPr>
         <p:txBody>
-          <a:bodyPr spcFirstLastPara="1" wrap="square" lIns="91425" tIns="45700" rIns="91425" bIns="45700" anchor="b" anchorCtr="0">
+          <a:bodyPr spcFirstLastPara="1" vert="horz" lIns="91440" tIns="45720" rIns="91440" bIns="45720" rtlCol="0" anchor="b" anchorCtr="0">
             <a:normAutofit/>
           </a:bodyPr>
           <a:lstStyle/>
           <a:p>
-            <a:pPr marL="0" lvl="0" indent="0" algn="l" rtl="0">
-              <a:lnSpc>
-                <a:spcPct val="90000"/>
-              </a:lnSpc>
-              <a:spcBef>
-                <a:spcPts val="0"/>
+            <a:pPr marL="0" lvl="0" indent="0">
+              <a:spcBef>
+                <a:spcPct val="0"/>
               </a:spcBef>
               <a:spcAft>
                 <a:spcPts val="0"/>
@@ -21224,14 +26644,18 @@
                 <a:schemeClr val="dk1"/>
               </a:buClr>
               <a:buSzPts val="6000"/>
-              <a:buFont typeface="Calibri"/>
-              <a:buNone/>
             </a:pPr>
             <a:r>
-              <a:rPr lang="en-US"/>
+              <a:rPr lang="en-US" sz="5600" kern="1200">
+                <a:solidFill>
+                  <a:srgbClr val="FFFFFF"/>
+                </a:solidFill>
+                <a:latin typeface="+mj-lt"/>
+                <a:ea typeface="+mj-ea"/>
+                <a:cs typeface="+mj-cs"/>
+              </a:rPr>
               <a:t>Part 1: Programming</a:t>
             </a:r>
-            <a:endParaRPr/>
           </a:p>
         </p:txBody>
       </p:sp>
@@ -21247,30 +26671,20 @@
         </p:nvSpPr>
         <p:spPr>
           <a:xfrm>
-            <a:off x="831850" y="4589463"/>
-            <a:ext cx="10515600" cy="1500187"/>
+            <a:off x="5642044" y="4698614"/>
+            <a:ext cx="5088650" cy="1198120"/>
           </a:xfrm>
           <a:prstGeom prst="rect">
             <a:avLst/>
           </a:prstGeom>
-          <a:noFill/>
-          <a:ln>
-            <a:noFill/>
-          </a:ln>
         </p:spPr>
         <p:txBody>
-          <a:bodyPr spcFirstLastPara="1" wrap="square" lIns="91425" tIns="45700" rIns="91425" bIns="45700" anchor="t" anchorCtr="0">
+          <a:bodyPr spcFirstLastPara="1" vert="horz" lIns="91440" tIns="45720" rIns="91440" bIns="45720" rtlCol="0" anchorCtr="0">
             <a:normAutofit/>
           </a:bodyPr>
           <a:lstStyle/>
           <a:p>
-            <a:pPr marL="0" lvl="0" indent="0" algn="l" rtl="0">
-              <a:lnSpc>
-                <a:spcPct val="90000"/>
-              </a:lnSpc>
-              <a:spcBef>
-                <a:spcPts val="0"/>
-              </a:spcBef>
+            <a:pPr marL="0" lvl="0" indent="0" algn="r">
               <a:spcAft>
                 <a:spcPts val="0"/>
               </a:spcAft>
@@ -21278,12 +26692,556 @@
                 <a:srgbClr val="888888"/>
               </a:buClr>
               <a:buSzPts val="2400"/>
-              <a:buNone/>
             </a:pPr>
-            <a:endParaRPr/>
+            <a:endParaRPr lang="en-US" sz="2000" kern="1200">
+              <a:solidFill>
+                <a:srgbClr val="FFFFFF"/>
+              </a:solidFill>
+              <a:latin typeface="+mn-lt"/>
+              <a:ea typeface="+mn-ea"/>
+              <a:cs typeface="+mn-cs"/>
+            </a:endParaRPr>
           </a:p>
         </p:txBody>
       </p:sp>
+      <p:sp>
+        <p:nvSpPr>
+          <p:cNvPr id="110" name="Graphic 13">
+            <a:extLst>
+              <a:ext uri="{FF2B5EF4-FFF2-40B4-BE49-F238E27FC236}">
+                <a16:creationId xmlns:a16="http://schemas.microsoft.com/office/drawing/2014/main" id="{C5CB530E-515E-412C-9DF1-5F8FFBD6F383}"/>
+              </a:ext>
+              <a:ext uri="{C183D7F6-B498-43B3-948B-1728B52AA6E4}">
+                <adec:decorative xmlns:adec="http://schemas.microsoft.com/office/drawing/2017/decorative" val="1"/>
+              </a:ext>
+            </a:extLst>
+          </p:cNvPr>
+          <p:cNvSpPr>
+            <a:spLocks noGrp="1" noRot="1" noChangeAspect="1" noMove="1" noResize="1" noEditPoints="1" noAdjustHandles="1" noChangeArrowheads="1" noChangeShapeType="1" noTextEdit="1"/>
+          </p:cNvSpPr>
+          <p:nvPr>
+            <p:extLst>
+              <p:ext uri="{386F3935-93C4-4BCD-93E2-E3B085C9AB24}">
+                <p16:designElem xmlns:p16="http://schemas.microsoft.com/office/powerpoint/2015/main" val="1"/>
+              </p:ext>
+            </p:extLst>
+          </p:nvPr>
+        </p:nvSpPr>
+        <p:spPr>
+          <a:xfrm>
+            <a:off x="6817602" y="2744546"/>
+            <a:ext cx="139038" cy="139038"/>
+          </a:xfrm>
+          <a:custGeom>
+            <a:avLst/>
+            <a:gdLst>
+              <a:gd name="connsiteX0" fmla="*/ 129601 w 139038"/>
+              <a:gd name="connsiteY0" fmla="*/ 60082 h 139038"/>
+              <a:gd name="connsiteX1" fmla="*/ 78956 w 139038"/>
+              <a:gd name="connsiteY1" fmla="*/ 60082 h 139038"/>
+              <a:gd name="connsiteX2" fmla="*/ 78956 w 139038"/>
+              <a:gd name="connsiteY2" fmla="*/ 9437 h 139038"/>
+              <a:gd name="connsiteX3" fmla="*/ 69519 w 139038"/>
+              <a:gd name="connsiteY3" fmla="*/ 0 h 139038"/>
+              <a:gd name="connsiteX4" fmla="*/ 60082 w 139038"/>
+              <a:gd name="connsiteY4" fmla="*/ 9437 h 139038"/>
+              <a:gd name="connsiteX5" fmla="*/ 60082 w 139038"/>
+              <a:gd name="connsiteY5" fmla="*/ 60082 h 139038"/>
+              <a:gd name="connsiteX6" fmla="*/ 9437 w 139038"/>
+              <a:gd name="connsiteY6" fmla="*/ 60082 h 139038"/>
+              <a:gd name="connsiteX7" fmla="*/ 0 w 139038"/>
+              <a:gd name="connsiteY7" fmla="*/ 69519 h 139038"/>
+              <a:gd name="connsiteX8" fmla="*/ 9437 w 139038"/>
+              <a:gd name="connsiteY8" fmla="*/ 78956 h 139038"/>
+              <a:gd name="connsiteX9" fmla="*/ 60082 w 139038"/>
+              <a:gd name="connsiteY9" fmla="*/ 78956 h 139038"/>
+              <a:gd name="connsiteX10" fmla="*/ 60082 w 139038"/>
+              <a:gd name="connsiteY10" fmla="*/ 129601 h 139038"/>
+              <a:gd name="connsiteX11" fmla="*/ 69519 w 139038"/>
+              <a:gd name="connsiteY11" fmla="*/ 139038 h 139038"/>
+              <a:gd name="connsiteX12" fmla="*/ 78956 w 139038"/>
+              <a:gd name="connsiteY12" fmla="*/ 129601 h 139038"/>
+              <a:gd name="connsiteX13" fmla="*/ 78956 w 139038"/>
+              <a:gd name="connsiteY13" fmla="*/ 78956 h 139038"/>
+              <a:gd name="connsiteX14" fmla="*/ 129601 w 139038"/>
+              <a:gd name="connsiteY14" fmla="*/ 78956 h 139038"/>
+              <a:gd name="connsiteX15" fmla="*/ 139038 w 139038"/>
+              <a:gd name="connsiteY15" fmla="*/ 69519 h 139038"/>
+              <a:gd name="connsiteX16" fmla="*/ 129601 w 139038"/>
+              <a:gd name="connsiteY16" fmla="*/ 60082 h 139038"/>
+            </a:gdLst>
+            <a:ahLst/>
+            <a:cxnLst>
+              <a:cxn ang="0">
+                <a:pos x="connsiteX0" y="connsiteY0"/>
+              </a:cxn>
+              <a:cxn ang="0">
+                <a:pos x="connsiteX1" y="connsiteY1"/>
+              </a:cxn>
+              <a:cxn ang="0">
+                <a:pos x="connsiteX2" y="connsiteY2"/>
+              </a:cxn>
+              <a:cxn ang="0">
+                <a:pos x="connsiteX3" y="connsiteY3"/>
+              </a:cxn>
+              <a:cxn ang="0">
+                <a:pos x="connsiteX4" y="connsiteY4"/>
+              </a:cxn>
+              <a:cxn ang="0">
+                <a:pos x="connsiteX5" y="connsiteY5"/>
+              </a:cxn>
+              <a:cxn ang="0">
+                <a:pos x="connsiteX6" y="connsiteY6"/>
+              </a:cxn>
+              <a:cxn ang="0">
+                <a:pos x="connsiteX7" y="connsiteY7"/>
+              </a:cxn>
+              <a:cxn ang="0">
+                <a:pos x="connsiteX8" y="connsiteY8"/>
+              </a:cxn>
+              <a:cxn ang="0">
+                <a:pos x="connsiteX9" y="connsiteY9"/>
+              </a:cxn>
+              <a:cxn ang="0">
+                <a:pos x="connsiteX10" y="connsiteY10"/>
+              </a:cxn>
+              <a:cxn ang="0">
+                <a:pos x="connsiteX11" y="connsiteY11"/>
+              </a:cxn>
+              <a:cxn ang="0">
+                <a:pos x="connsiteX12" y="connsiteY12"/>
+              </a:cxn>
+              <a:cxn ang="0">
+                <a:pos x="connsiteX13" y="connsiteY13"/>
+              </a:cxn>
+              <a:cxn ang="0">
+                <a:pos x="connsiteX14" y="connsiteY14"/>
+              </a:cxn>
+              <a:cxn ang="0">
+                <a:pos x="connsiteX15" y="connsiteY15"/>
+              </a:cxn>
+              <a:cxn ang="0">
+                <a:pos x="connsiteX16" y="connsiteY16"/>
+              </a:cxn>
+            </a:cxnLst>
+            <a:rect l="l" t="t" r="r" b="b"/>
+            <a:pathLst>
+              <a:path w="139038" h="139038">
+                <a:moveTo>
+                  <a:pt x="129601" y="60082"/>
+                </a:moveTo>
+                <a:lnTo>
+                  <a:pt x="78956" y="60082"/>
+                </a:lnTo>
+                <a:lnTo>
+                  <a:pt x="78956" y="9437"/>
+                </a:lnTo>
+                <a:cubicBezTo>
+                  <a:pt x="78956" y="4225"/>
+                  <a:pt x="74731" y="0"/>
+                  <a:pt x="69519" y="0"/>
+                </a:cubicBezTo>
+                <a:cubicBezTo>
+                  <a:pt x="64307" y="0"/>
+                  <a:pt x="60082" y="4225"/>
+                  <a:pt x="60082" y="9437"/>
+                </a:cubicBezTo>
+                <a:lnTo>
+                  <a:pt x="60082" y="60082"/>
+                </a:lnTo>
+                <a:lnTo>
+                  <a:pt x="9437" y="60082"/>
+                </a:lnTo>
+                <a:cubicBezTo>
+                  <a:pt x="4225" y="60082"/>
+                  <a:pt x="0" y="64307"/>
+                  <a:pt x="0" y="69519"/>
+                </a:cubicBezTo>
+                <a:cubicBezTo>
+                  <a:pt x="0" y="74731"/>
+                  <a:pt x="4225" y="78956"/>
+                  <a:pt x="9437" y="78956"/>
+                </a:cubicBezTo>
+                <a:lnTo>
+                  <a:pt x="60082" y="78956"/>
+                </a:lnTo>
+                <a:lnTo>
+                  <a:pt x="60082" y="129601"/>
+                </a:lnTo>
+                <a:cubicBezTo>
+                  <a:pt x="60082" y="134813"/>
+                  <a:pt x="64307" y="139038"/>
+                  <a:pt x="69519" y="139038"/>
+                </a:cubicBezTo>
+                <a:cubicBezTo>
+                  <a:pt x="74731" y="139038"/>
+                  <a:pt x="78956" y="134813"/>
+                  <a:pt x="78956" y="129601"/>
+                </a:cubicBezTo>
+                <a:lnTo>
+                  <a:pt x="78956" y="78956"/>
+                </a:lnTo>
+                <a:lnTo>
+                  <a:pt x="129601" y="78956"/>
+                </a:lnTo>
+                <a:cubicBezTo>
+                  <a:pt x="134813" y="78956"/>
+                  <a:pt x="139038" y="74731"/>
+                  <a:pt x="139038" y="69519"/>
+                </a:cubicBezTo>
+                <a:cubicBezTo>
+                  <a:pt x="139038" y="64307"/>
+                  <a:pt x="134813" y="60082"/>
+                  <a:pt x="129601" y="60082"/>
+                </a:cubicBezTo>
+                <a:close/>
+              </a:path>
+            </a:pathLst>
+          </a:custGeom>
+          <a:solidFill>
+            <a:srgbClr val="FFFFFF"/>
+          </a:solidFill>
+          <a:ln w="603" cap="flat">
+            <a:noFill/>
+            <a:prstDash val="solid"/>
+            <a:miter/>
+          </a:ln>
+        </p:spPr>
+        <p:txBody>
+          <a:bodyPr rtlCol="0" anchor="ctr"/>
+          <a:lstStyle/>
+          <a:p>
+            <a:endParaRPr lang="en-US">
+              <a:solidFill>
+                <a:srgbClr val="FFFFFF"/>
+              </a:solidFill>
+            </a:endParaRPr>
+          </a:p>
+        </p:txBody>
+      </p:sp>
+      <p:sp>
+        <p:nvSpPr>
+          <p:cNvPr id="112" name="Graphic 12">
+            <a:extLst>
+              <a:ext uri="{FF2B5EF4-FFF2-40B4-BE49-F238E27FC236}">
+                <a16:creationId xmlns:a16="http://schemas.microsoft.com/office/drawing/2014/main" id="{712D4376-A578-4FF1-94FC-245E7A6A489F}"/>
+              </a:ext>
+              <a:ext uri="{C183D7F6-B498-43B3-948B-1728B52AA6E4}">
+                <adec:decorative xmlns:adec="http://schemas.microsoft.com/office/drawing/2017/decorative" val="1"/>
+              </a:ext>
+            </a:extLst>
+          </p:cNvPr>
+          <p:cNvSpPr>
+            <a:spLocks noGrp="1" noRot="1" noChangeAspect="1" noMove="1" noResize="1" noEditPoints="1" noAdjustHandles="1" noChangeArrowheads="1" noChangeShapeType="1" noTextEdit="1"/>
+          </p:cNvSpPr>
+          <p:nvPr>
+            <p:extLst>
+              <p:ext uri="{386F3935-93C4-4BCD-93E2-E3B085C9AB24}">
+                <p16:designElem xmlns:p16="http://schemas.microsoft.com/office/powerpoint/2015/main" val="1"/>
+              </p:ext>
+            </p:extLst>
+          </p:nvPr>
+        </p:nvSpPr>
+        <p:spPr>
+          <a:xfrm>
+            <a:off x="7176380" y="2973840"/>
+            <a:ext cx="91138" cy="91138"/>
+          </a:xfrm>
+          <a:custGeom>
+            <a:avLst/>
+            <a:gdLst>
+              <a:gd name="connsiteX0" fmla="*/ 91138 w 91138"/>
+              <a:gd name="connsiteY0" fmla="*/ 45569 h 91138"/>
+              <a:gd name="connsiteX1" fmla="*/ 45569 w 91138"/>
+              <a:gd name="connsiteY1" fmla="*/ 91138 h 91138"/>
+              <a:gd name="connsiteX2" fmla="*/ 0 w 91138"/>
+              <a:gd name="connsiteY2" fmla="*/ 45569 h 91138"/>
+              <a:gd name="connsiteX3" fmla="*/ 45569 w 91138"/>
+              <a:gd name="connsiteY3" fmla="*/ 0 h 91138"/>
+              <a:gd name="connsiteX4" fmla="*/ 91138 w 91138"/>
+              <a:gd name="connsiteY4" fmla="*/ 45569 h 91138"/>
+            </a:gdLst>
+            <a:ahLst/>
+            <a:cxnLst>
+              <a:cxn ang="0">
+                <a:pos x="connsiteX0" y="connsiteY0"/>
+              </a:cxn>
+              <a:cxn ang="0">
+                <a:pos x="connsiteX1" y="connsiteY1"/>
+              </a:cxn>
+              <a:cxn ang="0">
+                <a:pos x="connsiteX2" y="connsiteY2"/>
+              </a:cxn>
+              <a:cxn ang="0">
+                <a:pos x="connsiteX3" y="connsiteY3"/>
+              </a:cxn>
+              <a:cxn ang="0">
+                <a:pos x="connsiteX4" y="connsiteY4"/>
+              </a:cxn>
+            </a:cxnLst>
+            <a:rect l="l" t="t" r="r" b="b"/>
+            <a:pathLst>
+              <a:path w="91138" h="91138">
+                <a:moveTo>
+                  <a:pt x="91138" y="45569"/>
+                </a:moveTo>
+                <a:cubicBezTo>
+                  <a:pt x="91138" y="70736"/>
+                  <a:pt x="70736" y="91138"/>
+                  <a:pt x="45569" y="91138"/>
+                </a:cubicBezTo>
+                <a:cubicBezTo>
+                  <a:pt x="20402" y="91138"/>
+                  <a:pt x="0" y="70736"/>
+                  <a:pt x="0" y="45569"/>
+                </a:cubicBezTo>
+                <a:cubicBezTo>
+                  <a:pt x="0" y="20402"/>
+                  <a:pt x="20402" y="0"/>
+                  <a:pt x="45569" y="0"/>
+                </a:cubicBezTo>
+                <a:cubicBezTo>
+                  <a:pt x="70736" y="0"/>
+                  <a:pt x="91138" y="20402"/>
+                  <a:pt x="91138" y="45569"/>
+                </a:cubicBezTo>
+                <a:close/>
+              </a:path>
+            </a:pathLst>
+          </a:custGeom>
+          <a:solidFill>
+            <a:srgbClr val="FFFFFF"/>
+          </a:solidFill>
+          <a:ln w="422" cap="flat">
+            <a:noFill/>
+            <a:prstDash val="solid"/>
+            <a:miter/>
+          </a:ln>
+        </p:spPr>
+        <p:txBody>
+          <a:bodyPr rtlCol="0" anchor="ctr"/>
+          <a:lstStyle/>
+          <a:p>
+            <a:endParaRPr lang="en-US">
+              <a:solidFill>
+                <a:srgbClr val="FFFFFF"/>
+              </a:solidFill>
+            </a:endParaRPr>
+          </a:p>
+        </p:txBody>
+      </p:sp>
+      <p:sp>
+        <p:nvSpPr>
+          <p:cNvPr id="114" name="Graphic 15">
+            <a:extLst>
+              <a:ext uri="{FF2B5EF4-FFF2-40B4-BE49-F238E27FC236}">
+                <a16:creationId xmlns:a16="http://schemas.microsoft.com/office/drawing/2014/main" id="{AEA7509D-F04F-40CB-A0B3-EEF16499CC9F}"/>
+              </a:ext>
+              <a:ext uri="{C183D7F6-B498-43B3-948B-1728B52AA6E4}">
+                <adec:decorative xmlns:adec="http://schemas.microsoft.com/office/drawing/2017/decorative" val="1"/>
+              </a:ext>
+            </a:extLst>
+          </p:cNvPr>
+          <p:cNvSpPr>
+            <a:spLocks noGrp="1" noRot="1" noChangeAspect="1" noMove="1" noResize="1" noEditPoints="1" noAdjustHandles="1" noChangeArrowheads="1" noChangeShapeType="1" noTextEdit="1"/>
+          </p:cNvSpPr>
+          <p:nvPr>
+            <p:extLst>
+              <p:ext uri="{386F3935-93C4-4BCD-93E2-E3B085C9AB24}">
+                <p16:designElem xmlns:p16="http://schemas.microsoft.com/office/powerpoint/2015/main" val="1"/>
+              </p:ext>
+            </p:extLst>
+          </p:nvPr>
+        </p:nvSpPr>
+        <p:spPr>
+          <a:xfrm>
+            <a:off x="6802062" y="3198265"/>
+            <a:ext cx="127713" cy="127713"/>
+          </a:xfrm>
+          <a:custGeom>
+            <a:avLst/>
+            <a:gdLst>
+              <a:gd name="connsiteX0" fmla="*/ 63857 w 127713"/>
+              <a:gd name="connsiteY0" fmla="*/ 18874 h 127713"/>
+              <a:gd name="connsiteX1" fmla="*/ 108839 w 127713"/>
+              <a:gd name="connsiteY1" fmla="*/ 63857 h 127713"/>
+              <a:gd name="connsiteX2" fmla="*/ 63857 w 127713"/>
+              <a:gd name="connsiteY2" fmla="*/ 108839 h 127713"/>
+              <a:gd name="connsiteX3" fmla="*/ 18874 w 127713"/>
+              <a:gd name="connsiteY3" fmla="*/ 63857 h 127713"/>
+              <a:gd name="connsiteX4" fmla="*/ 63857 w 127713"/>
+              <a:gd name="connsiteY4" fmla="*/ 18874 h 127713"/>
+              <a:gd name="connsiteX5" fmla="*/ 63857 w 127713"/>
+              <a:gd name="connsiteY5" fmla="*/ 0 h 127713"/>
+              <a:gd name="connsiteX6" fmla="*/ 0 w 127713"/>
+              <a:gd name="connsiteY6" fmla="*/ 63857 h 127713"/>
+              <a:gd name="connsiteX7" fmla="*/ 63857 w 127713"/>
+              <a:gd name="connsiteY7" fmla="*/ 127713 h 127713"/>
+              <a:gd name="connsiteX8" fmla="*/ 127713 w 127713"/>
+              <a:gd name="connsiteY8" fmla="*/ 63857 h 127713"/>
+              <a:gd name="connsiteX9" fmla="*/ 63857 w 127713"/>
+              <a:gd name="connsiteY9" fmla="*/ 0 h 127713"/>
+            </a:gdLst>
+            <a:ahLst/>
+            <a:cxnLst>
+              <a:cxn ang="0">
+                <a:pos x="connsiteX0" y="connsiteY0"/>
+              </a:cxn>
+              <a:cxn ang="0">
+                <a:pos x="connsiteX1" y="connsiteY1"/>
+              </a:cxn>
+              <a:cxn ang="0">
+                <a:pos x="connsiteX2" y="connsiteY2"/>
+              </a:cxn>
+              <a:cxn ang="0">
+                <a:pos x="connsiteX3" y="connsiteY3"/>
+              </a:cxn>
+              <a:cxn ang="0">
+                <a:pos x="connsiteX4" y="connsiteY4"/>
+              </a:cxn>
+              <a:cxn ang="0">
+                <a:pos x="connsiteX5" y="connsiteY5"/>
+              </a:cxn>
+              <a:cxn ang="0">
+                <a:pos x="connsiteX6" y="connsiteY6"/>
+              </a:cxn>
+              <a:cxn ang="0">
+                <a:pos x="connsiteX7" y="connsiteY7"/>
+              </a:cxn>
+              <a:cxn ang="0">
+                <a:pos x="connsiteX8" y="connsiteY8"/>
+              </a:cxn>
+              <a:cxn ang="0">
+                <a:pos x="connsiteX9" y="connsiteY9"/>
+              </a:cxn>
+            </a:cxnLst>
+            <a:rect l="l" t="t" r="r" b="b"/>
+            <a:pathLst>
+              <a:path w="127713" h="127713">
+                <a:moveTo>
+                  <a:pt x="63857" y="18874"/>
+                </a:moveTo>
+                <a:cubicBezTo>
+                  <a:pt x="88700" y="18874"/>
+                  <a:pt x="108839" y="39013"/>
+                  <a:pt x="108839" y="63857"/>
+                </a:cubicBezTo>
+                <a:cubicBezTo>
+                  <a:pt x="108839" y="88700"/>
+                  <a:pt x="88700" y="108839"/>
+                  <a:pt x="63857" y="108839"/>
+                </a:cubicBezTo>
+                <a:cubicBezTo>
+                  <a:pt x="39013" y="108839"/>
+                  <a:pt x="18874" y="88700"/>
+                  <a:pt x="18874" y="63857"/>
+                </a:cubicBezTo>
+                <a:cubicBezTo>
+                  <a:pt x="18898" y="39023"/>
+                  <a:pt x="39023" y="18898"/>
+                  <a:pt x="63857" y="18874"/>
+                </a:cubicBezTo>
+                <a:moveTo>
+                  <a:pt x="63857" y="0"/>
+                </a:moveTo>
+                <a:cubicBezTo>
+                  <a:pt x="28590" y="0"/>
+                  <a:pt x="0" y="28590"/>
+                  <a:pt x="0" y="63857"/>
+                </a:cubicBezTo>
+                <a:cubicBezTo>
+                  <a:pt x="0" y="99124"/>
+                  <a:pt x="28590" y="127713"/>
+                  <a:pt x="63857" y="127713"/>
+                </a:cubicBezTo>
+                <a:cubicBezTo>
+                  <a:pt x="99124" y="127713"/>
+                  <a:pt x="127713" y="99124"/>
+                  <a:pt x="127713" y="63857"/>
+                </a:cubicBezTo>
+                <a:cubicBezTo>
+                  <a:pt x="127713" y="28590"/>
+                  <a:pt x="99124" y="0"/>
+                  <a:pt x="63857" y="0"/>
+                </a:cubicBezTo>
+                <a:close/>
+              </a:path>
+            </a:pathLst>
+          </a:custGeom>
+          <a:solidFill>
+            <a:srgbClr val="FFFFFF"/>
+          </a:solidFill>
+          <a:ln w="610" cap="flat">
+            <a:noFill/>
+            <a:prstDash val="solid"/>
+            <a:miter/>
+          </a:ln>
+        </p:spPr>
+        <p:txBody>
+          <a:bodyPr rtlCol="0" anchor="ctr"/>
+          <a:lstStyle/>
+          <a:p>
+            <a:endParaRPr lang="en-US">
+              <a:solidFill>
+                <a:srgbClr val="FFFFFF"/>
+              </a:solidFill>
+            </a:endParaRPr>
+          </a:p>
+        </p:txBody>
+      </p:sp>
+      <p:cxnSp>
+        <p:nvCxnSpPr>
+          <p:cNvPr id="116" name="Straight Connector 115">
+            <a:extLst>
+              <a:ext uri="{FF2B5EF4-FFF2-40B4-BE49-F238E27FC236}">
+                <a16:creationId xmlns:a16="http://schemas.microsoft.com/office/drawing/2014/main" id="{56020367-4FD5-4596-8E10-C5F095CD8DBF}"/>
+              </a:ext>
+              <a:ext uri="{C183D7F6-B498-43B3-948B-1728B52AA6E4}">
+                <adec:decorative xmlns:adec="http://schemas.microsoft.com/office/drawing/2017/decorative" val="1"/>
+              </a:ext>
+            </a:extLst>
+          </p:cNvPr>
+          <p:cNvCxnSpPr>
+            <a:cxnSpLocks noGrp="1" noRot="1" noChangeAspect="1" noMove="1" noResize="1" noEditPoints="1" noAdjustHandles="1" noChangeArrowheads="1" noChangeShapeType="1"/>
+          </p:cNvCxnSpPr>
+          <p:nvPr>
+            <p:extLst>
+              <p:ext uri="{386F3935-93C4-4BCD-93E2-E3B085C9AB24}">
+                <p16:designElem xmlns:p16="http://schemas.microsoft.com/office/powerpoint/2015/main" val="1"/>
+              </p:ext>
+            </p:extLst>
+          </p:nvPr>
+        </p:nvCxnSpPr>
+        <p:spPr>
+          <a:xfrm>
+            <a:off x="1301262" y="3496322"/>
+            <a:ext cx="0" cy="3352800"/>
+          </a:xfrm>
+          <a:prstGeom prst="line">
+            <a:avLst/>
+          </a:prstGeom>
+          <a:ln w="25400" cap="sq">
+            <a:solidFill>
+              <a:srgbClr val="FFFFFF"/>
+            </a:solidFill>
+            <a:bevel/>
+          </a:ln>
+        </p:spPr>
+        <p:style>
+          <a:lnRef idx="1">
+            <a:schemeClr val="accent1"/>
+          </a:lnRef>
+          <a:fillRef idx="0">
+            <a:schemeClr val="accent1"/>
+          </a:fillRef>
+          <a:effectRef idx="0">
+            <a:schemeClr val="accent1"/>
+          </a:effectRef>
+          <a:fontRef idx="minor">
+            <a:schemeClr val="tx1"/>
+          </a:fontRef>
+        </p:style>
+      </p:cxnSp>
     </p:spTree>
   </p:cSld>
   <p:clrMapOvr>
@@ -21295,6 +27253,14 @@
 <file path=ppt/slides/slide4.xml><?xml version="1.0" encoding="utf-8"?>
 <p:sld xmlns:a="http://schemas.openxmlformats.org/drawingml/2006/main" xmlns:r="http://schemas.openxmlformats.org/officeDocument/2006/relationships" xmlns:p="http://schemas.openxmlformats.org/presentationml/2006/main">
   <p:cSld>
+    <p:bg>
+      <p:bgPr>
+        <a:solidFill>
+          <a:schemeClr val="bg1"/>
+        </a:solidFill>
+        <a:effectLst/>
+      </p:bgPr>
+    </p:bg>
     <p:spTree>
       <p:nvGrpSpPr>
         <p:cNvPr id="1" name="Shape 107"/>
@@ -21309,6 +27275,308 @@
           <a:chExt cx="0" cy="0"/>
         </a:xfrm>
       </p:grpSpPr>
+      <p:sp useBgFill="1">
+        <p:nvSpPr>
+          <p:cNvPr id="115" name="Rectangle 114">
+            <a:extLst>
+              <a:ext uri="{FF2B5EF4-FFF2-40B4-BE49-F238E27FC236}">
+                <a16:creationId xmlns:a16="http://schemas.microsoft.com/office/drawing/2014/main" id="{BACC6370-2D7E-4714-9D71-7542949D7D5D}"/>
+              </a:ext>
+              <a:ext uri="{C183D7F6-B498-43B3-948B-1728B52AA6E4}">
+                <adec:decorative xmlns:adec="http://schemas.microsoft.com/office/drawing/2017/decorative" val="1"/>
+              </a:ext>
+            </a:extLst>
+          </p:cNvPr>
+          <p:cNvSpPr>
+            <a:spLocks noGrp="1" noRot="1" noChangeAspect="1" noMove="1" noResize="1" noEditPoints="1" noAdjustHandles="1" noChangeArrowheads="1" noChangeShapeType="1" noTextEdit="1"/>
+          </p:cNvSpPr>
+          <p:nvPr>
+            <p:extLst>
+              <p:ext uri="{386F3935-93C4-4BCD-93E2-E3B085C9AB24}">
+                <p16:designElem xmlns:p16="http://schemas.microsoft.com/office/powerpoint/2015/main" val="1"/>
+              </p:ext>
+            </p:extLst>
+          </p:nvPr>
+        </p:nvSpPr>
+        <p:spPr>
+          <a:xfrm>
+            <a:off x="0" y="0"/>
+            <a:ext cx="12192000" cy="6858000"/>
+          </a:xfrm>
+          <a:prstGeom prst="rect">
+            <a:avLst/>
+          </a:prstGeom>
+          <a:ln w="12700" cap="flat" cmpd="sng" algn="ctr">
+            <a:noFill/>
+            <a:prstDash val="solid"/>
+            <a:miter lim="800000"/>
+          </a:ln>
+          <a:effectLst/>
+          <a:extLst>
+            <a:ext uri="{91240B29-F687-4F45-9708-019B960494DF}">
+              <a14:hiddenLine xmlns:a14="http://schemas.microsoft.com/office/drawing/2010/main" w="12700" cap="flat" cmpd="sng" algn="ctr">
+                <a:solidFill>
+                  <a:schemeClr val="accent1">
+                    <a:shade val="50000"/>
+                  </a:schemeClr>
+                </a:solidFill>
+                <a:prstDash val="solid"/>
+                <a:miter lim="800000"/>
+              </a14:hiddenLine>
+            </a:ext>
+          </a:extLst>
+        </p:spPr>
+        <p:style>
+          <a:lnRef idx="2">
+            <a:schemeClr val="accent1">
+              <a:shade val="50000"/>
+            </a:schemeClr>
+          </a:lnRef>
+          <a:fillRef idx="1">
+            <a:schemeClr val="accent1"/>
+          </a:fillRef>
+          <a:effectRef idx="0">
+            <a:schemeClr val="accent1"/>
+          </a:effectRef>
+          <a:fontRef idx="minor">
+            <a:schemeClr val="lt1"/>
+          </a:fontRef>
+        </p:style>
+        <p:txBody>
+          <a:bodyPr rtlCol="0" anchor="ctr"/>
+          <a:lstStyle/>
+          <a:p>
+            <a:pPr algn="ctr"/>
+            <a:endParaRPr lang="en-US"/>
+          </a:p>
+        </p:txBody>
+      </p:sp>
+      <p:sp>
+        <p:nvSpPr>
+          <p:cNvPr id="117" name="Rectangle 116">
+            <a:extLst>
+              <a:ext uri="{FF2B5EF4-FFF2-40B4-BE49-F238E27FC236}">
+                <a16:creationId xmlns:a16="http://schemas.microsoft.com/office/drawing/2014/main" id="{F68B3F68-107C-434F-AA38-110D5EA91B85}"/>
+              </a:ext>
+              <a:ext uri="{C183D7F6-B498-43B3-948B-1728B52AA6E4}">
+                <adec:decorative xmlns:adec="http://schemas.microsoft.com/office/drawing/2017/decorative" val="1"/>
+              </a:ext>
+            </a:extLst>
+          </p:cNvPr>
+          <p:cNvSpPr>
+            <a:spLocks noGrp="1" noRot="1" noChangeAspect="1" noMove="1" noResize="1" noEditPoints="1" noAdjustHandles="1" noChangeArrowheads="1" noChangeShapeType="1" noTextEdit="1"/>
+          </p:cNvSpPr>
+          <p:nvPr>
+            <p:extLst>
+              <p:ext uri="{386F3935-93C4-4BCD-93E2-E3B085C9AB24}">
+                <p16:designElem xmlns:p16="http://schemas.microsoft.com/office/powerpoint/2015/main" val="1"/>
+              </p:ext>
+            </p:extLst>
+          </p:nvPr>
+        </p:nvSpPr>
+        <p:spPr>
+          <a:xfrm flipH="1">
+            <a:off x="2" y="0"/>
+            <a:ext cx="12191998" cy="1575955"/>
+          </a:xfrm>
+          <a:prstGeom prst="rect">
+            <a:avLst/>
+          </a:prstGeom>
+          <a:gradFill>
+            <a:gsLst>
+              <a:gs pos="0">
+                <a:srgbClr val="000000">
+                  <a:alpha val="96000"/>
+                </a:srgbClr>
+              </a:gs>
+              <a:gs pos="100000">
+                <a:schemeClr val="accent1">
+                  <a:lumMod val="75000"/>
+                </a:schemeClr>
+              </a:gs>
+            </a:gsLst>
+            <a:lin ang="8400000" scaled="0"/>
+          </a:gradFill>
+          <a:ln>
+            <a:noFill/>
+          </a:ln>
+        </p:spPr>
+        <p:style>
+          <a:lnRef idx="2">
+            <a:schemeClr val="accent1">
+              <a:shade val="50000"/>
+            </a:schemeClr>
+          </a:lnRef>
+          <a:fillRef idx="1">
+            <a:schemeClr val="accent1"/>
+          </a:fillRef>
+          <a:effectRef idx="0">
+            <a:schemeClr val="accent1"/>
+          </a:effectRef>
+          <a:fontRef idx="minor">
+            <a:schemeClr val="lt1"/>
+          </a:fontRef>
+        </p:style>
+        <p:txBody>
+          <a:bodyPr rtlCol="0" anchor="ctr"/>
+          <a:lstStyle/>
+          <a:p>
+            <a:pPr algn="ctr"/>
+            <a:endParaRPr lang="en-US"/>
+          </a:p>
+        </p:txBody>
+      </p:sp>
+      <p:sp>
+        <p:nvSpPr>
+          <p:cNvPr id="119" name="Rectangle 118">
+            <a:extLst>
+              <a:ext uri="{FF2B5EF4-FFF2-40B4-BE49-F238E27FC236}">
+                <a16:creationId xmlns:a16="http://schemas.microsoft.com/office/drawing/2014/main" id="{AAD0DBB9-1A4B-4391-81D4-CB19F9AB918A}"/>
+              </a:ext>
+              <a:ext uri="{C183D7F6-B498-43B3-948B-1728B52AA6E4}">
+                <adec:decorative xmlns:adec="http://schemas.microsoft.com/office/drawing/2017/decorative" val="1"/>
+              </a:ext>
+            </a:extLst>
+          </p:cNvPr>
+          <p:cNvSpPr>
+            <a:spLocks noGrp="1" noRot="1" noChangeAspect="1" noMove="1" noResize="1" noEditPoints="1" noAdjustHandles="1" noChangeArrowheads="1" noChangeShapeType="1" noTextEdit="1"/>
+          </p:cNvSpPr>
+          <p:nvPr>
+            <p:extLst>
+              <p:ext uri="{386F3935-93C4-4BCD-93E2-E3B085C9AB24}">
+                <p16:designElem xmlns:p16="http://schemas.microsoft.com/office/powerpoint/2015/main" val="1"/>
+              </p:ext>
+            </p:extLst>
+          </p:nvPr>
+        </p:nvSpPr>
+        <p:spPr>
+          <a:xfrm rot="10800000" flipH="1">
+            <a:off x="8128857" y="0"/>
+            <a:ext cx="4063143" cy="1576412"/>
+          </a:xfrm>
+          <a:prstGeom prst="rect">
+            <a:avLst/>
+          </a:prstGeom>
+          <a:gradFill>
+            <a:gsLst>
+              <a:gs pos="19000">
+                <a:schemeClr val="accent1">
+                  <a:lumMod val="50000"/>
+                  <a:alpha val="68000"/>
+                </a:schemeClr>
+              </a:gs>
+              <a:gs pos="100000">
+                <a:schemeClr val="accent1">
+                  <a:alpha val="79000"/>
+                </a:schemeClr>
+              </a:gs>
+            </a:gsLst>
+            <a:lin ang="19200000" scaled="0"/>
+          </a:gradFill>
+          <a:ln>
+            <a:noFill/>
+          </a:ln>
+        </p:spPr>
+        <p:style>
+          <a:lnRef idx="2">
+            <a:schemeClr val="accent1">
+              <a:shade val="50000"/>
+            </a:schemeClr>
+          </a:lnRef>
+          <a:fillRef idx="1">
+            <a:schemeClr val="accent1"/>
+          </a:fillRef>
+          <a:effectRef idx="0">
+            <a:schemeClr val="accent1"/>
+          </a:effectRef>
+          <a:fontRef idx="minor">
+            <a:schemeClr val="lt1"/>
+          </a:fontRef>
+        </p:style>
+        <p:txBody>
+          <a:bodyPr rtlCol="0" anchor="ctr"/>
+          <a:lstStyle/>
+          <a:p>
+            <a:pPr algn="ctr"/>
+            <a:endParaRPr lang="en-US"/>
+          </a:p>
+        </p:txBody>
+      </p:sp>
+      <p:sp>
+        <p:nvSpPr>
+          <p:cNvPr id="121" name="Rectangle 120">
+            <a:extLst>
+              <a:ext uri="{FF2B5EF4-FFF2-40B4-BE49-F238E27FC236}">
+                <a16:creationId xmlns:a16="http://schemas.microsoft.com/office/drawing/2014/main" id="{063BBA22-50EA-4C4D-BE05-F1CE4E63AA56}"/>
+              </a:ext>
+              <a:ext uri="{C183D7F6-B498-43B3-948B-1728B52AA6E4}">
+                <adec:decorative xmlns:adec="http://schemas.microsoft.com/office/drawing/2017/decorative" val="1"/>
+              </a:ext>
+            </a:extLst>
+          </p:cNvPr>
+          <p:cNvSpPr>
+            <a:spLocks noGrp="1" noRot="1" noChangeAspect="1" noMove="1" noResize="1" noEditPoints="1" noAdjustHandles="1" noChangeArrowheads="1" noChangeShapeType="1" noTextEdit="1"/>
+          </p:cNvSpPr>
+          <p:nvPr>
+            <p:extLst>
+              <p:ext uri="{386F3935-93C4-4BCD-93E2-E3B085C9AB24}">
+                <p16:designElem xmlns:p16="http://schemas.microsoft.com/office/powerpoint/2015/main" val="1"/>
+              </p:ext>
+            </p:extLst>
+          </p:nvPr>
+        </p:nvSpPr>
+        <p:spPr>
+          <a:xfrm rot="5400000">
+            <a:off x="5307777" y="-5307778"/>
+            <a:ext cx="1576446" cy="12192002"/>
+          </a:xfrm>
+          <a:prstGeom prst="rect">
+            <a:avLst/>
+          </a:prstGeom>
+          <a:gradFill>
+            <a:gsLst>
+              <a:gs pos="23000">
+                <a:schemeClr val="accent1">
+                  <a:alpha val="0"/>
+                </a:schemeClr>
+              </a:gs>
+              <a:gs pos="99000">
+                <a:srgbClr val="000000">
+                  <a:alpha val="74000"/>
+                </a:srgbClr>
+              </a:gs>
+            </a:gsLst>
+            <a:lin ang="20400000" scaled="0"/>
+          </a:gradFill>
+          <a:ln>
+            <a:noFill/>
+          </a:ln>
+        </p:spPr>
+        <p:style>
+          <a:lnRef idx="2">
+            <a:schemeClr val="accent1">
+              <a:shade val="50000"/>
+            </a:schemeClr>
+          </a:lnRef>
+          <a:fillRef idx="1">
+            <a:schemeClr val="accent1"/>
+          </a:fillRef>
+          <a:effectRef idx="0">
+            <a:schemeClr val="accent1"/>
+          </a:effectRef>
+          <a:fontRef idx="minor">
+            <a:schemeClr val="lt1"/>
+          </a:fontRef>
+        </p:style>
+        <p:txBody>
+          <a:bodyPr rtlCol="0" anchor="ctr"/>
+          <a:lstStyle/>
+          <a:p>
+            <a:pPr algn="ctr"/>
+            <a:endParaRPr lang="en-US" dirty="0"/>
+          </a:p>
+        </p:txBody>
+      </p:sp>
       <p:sp>
         <p:nvSpPr>
           <p:cNvPr id="108" name="Google Shape;108;p4"/>
@@ -21321,27 +27589,20 @@
         </p:nvSpPr>
         <p:spPr>
           <a:xfrm>
-            <a:off x="838200" y="365125"/>
-            <a:ext cx="10515600" cy="1325563"/>
+            <a:off x="1371597" y="348865"/>
+            <a:ext cx="10044023" cy="877729"/>
           </a:xfrm>
           <a:prstGeom prst="rect">
             <a:avLst/>
           </a:prstGeom>
-          <a:noFill/>
-          <a:ln>
-            <a:noFill/>
-          </a:ln>
         </p:spPr>
         <p:txBody>
-          <a:bodyPr spcFirstLastPara="1" wrap="square" lIns="91425" tIns="45700" rIns="91425" bIns="45700" anchor="ctr" anchorCtr="0">
+          <a:bodyPr spcFirstLastPara="1" lIns="91425" tIns="45700" rIns="91425" bIns="45700" anchor="ctr" anchorCtr="0">
             <a:normAutofit/>
           </a:bodyPr>
           <a:lstStyle/>
           <a:p>
-            <a:pPr marL="0" lvl="0" indent="0" algn="l" rtl="0">
-              <a:lnSpc>
-                <a:spcPct val="90000"/>
-              </a:lnSpc>
+            <a:pPr marL="0" lvl="0" indent="0" rtl="0">
               <a:spcBef>
                 <a:spcPts val="0"/>
               </a:spcBef>
@@ -21356,89 +27617,44 @@
               <a:buNone/>
             </a:pPr>
             <a:r>
-              <a:rPr lang="en-US"/>
+              <a:rPr lang="en-US" sz="4000">
+                <a:solidFill>
+                  <a:srgbClr val="FFFFFF"/>
+                </a:solidFill>
+              </a:rPr>
               <a:t>Setting up</a:t>
             </a:r>
-            <a:endParaRPr/>
           </a:p>
         </p:txBody>
       </p:sp>
-      <p:sp>
-        <p:nvSpPr>
-          <p:cNvPr id="109" name="Google Shape;109;p4"/>
-          <p:cNvSpPr txBox="1">
-            <a:spLocks noGrp="1"/>
-          </p:cNvSpPr>
+      <p:graphicFrame>
+        <p:nvGraphicFramePr>
+          <p:cNvPr id="111" name="Google Shape;109;p4">
+            <a:extLst>
+              <a:ext uri="{FF2B5EF4-FFF2-40B4-BE49-F238E27FC236}">
+                <a16:creationId xmlns:a16="http://schemas.microsoft.com/office/drawing/2014/main" id="{31065673-4DD1-2C2B-A8E9-43A81B957159}"/>
+              </a:ext>
+            </a:extLst>
+          </p:cNvPr>
+          <p:cNvGraphicFramePr/>
           <p:nvPr>
-            <p:ph type="body" idx="1"/>
+            <p:extLst>
+              <p:ext uri="{D42A27DB-BD31-4B8C-83A1-F6EECF244321}">
+                <p14:modId xmlns:p14="http://schemas.microsoft.com/office/powerpoint/2010/main" val="569306588"/>
+              </p:ext>
+            </p:extLst>
           </p:nvPr>
-        </p:nvSpPr>
-        <p:spPr>
-          <a:xfrm>
-            <a:off x="838200" y="1825625"/>
-            <a:ext cx="6045200" cy="4351338"/>
-          </a:xfrm>
-          <a:prstGeom prst="rect">
-            <a:avLst/>
-          </a:prstGeom>
-          <a:noFill/>
-          <a:ln>
-            <a:noFill/>
-          </a:ln>
-        </p:spPr>
-        <p:txBody>
-          <a:bodyPr spcFirstLastPara="1" wrap="square" lIns="91425" tIns="45700" rIns="91425" bIns="45700" anchor="t" anchorCtr="0">
-            <a:normAutofit/>
-          </a:bodyPr>
-          <a:lstStyle/>
-          <a:p>
-            <a:pPr marL="228600" lvl="0" indent="-228600" algn="l" rtl="0">
-              <a:lnSpc>
-                <a:spcPct val="90000"/>
-              </a:lnSpc>
-              <a:spcBef>
-                <a:spcPts val="0"/>
-              </a:spcBef>
-              <a:spcAft>
-                <a:spcPts val="0"/>
-              </a:spcAft>
-              <a:buClr>
-                <a:schemeClr val="dk1"/>
-              </a:buClr>
-              <a:buSzPts val="2800"/>
-              <a:buChar char="•"/>
-            </a:pPr>
-            <a:r>
-              <a:rPr lang="en-US"/>
-              <a:t>Task: open RStudio and create a new project called lecture2, making it a subdirectory of BENV0091 from last week</a:t>
-            </a:r>
-            <a:endParaRPr/>
-          </a:p>
-          <a:p>
-            <a:pPr marL="228600" lvl="0" indent="-228600" algn="l" rtl="0">
-              <a:lnSpc>
-                <a:spcPct val="90000"/>
-              </a:lnSpc>
-              <a:spcBef>
-                <a:spcPts val="1000"/>
-              </a:spcBef>
-              <a:spcAft>
-                <a:spcPts val="0"/>
-              </a:spcAft>
-              <a:buClr>
-                <a:schemeClr val="dk1"/>
-              </a:buClr>
-              <a:buSzPts val="2800"/>
-              <a:buChar char="•"/>
-            </a:pPr>
-            <a:r>
-              <a:rPr lang="en-US"/>
-              <a:t>Open a new R Notebook or Markdown file and save it as programming.Rmd in your lecture2 directory</a:t>
-            </a:r>
-            <a:endParaRPr/>
-          </a:p>
-        </p:txBody>
-      </p:sp>
+        </p:nvGraphicFramePr>
+        <p:xfrm>
+          <a:off x="644056" y="2112579"/>
+          <a:ext cx="10927829" cy="4192805"/>
+        </p:xfrm>
+        <a:graphic>
+          <a:graphicData uri="http://schemas.openxmlformats.org/drawingml/2006/diagram">
+            <dgm:relIds xmlns:dgm="http://schemas.openxmlformats.org/drawingml/2006/diagram" xmlns:r="http://schemas.openxmlformats.org/officeDocument/2006/relationships" r:dm="rId3" r:lo="rId4" r:qs="rId5" r:cs="rId6"/>
+          </a:graphicData>
+        </a:graphic>
+      </p:graphicFrame>
     </p:spTree>
   </p:cSld>
   <p:clrMapOvr>
